--- a/PsychHack2019_Team SEWZ.pptx
+++ b/PsychHack2019_Team SEWZ.pptx
@@ -10,6 +10,7 @@
     <p:sldId id="257" r:id="rId4"/>
     <p:sldId id="258" r:id="rId5"/>
     <p:sldId id="259" r:id="rId6"/>
+    <p:sldId id="260" r:id="rId7"/>
   </p:sldIdLst>
   <p:sldSz cx="12192000" cy="6858000"/>
   <p:notesSz cx="6858000" cy="9144000"/>
@@ -6933,7 +6934,7 @@
           <a:p>
             <a:r>
               <a:rPr lang="en-CA" b="1" dirty="0" smtClean="0"/>
-              <a:t>Regression model</a:t>
+              <a:t>Regression model based on invisible trials</a:t>
             </a:r>
           </a:p>
         </p:txBody>
@@ -8288,10 +8289,1883 @@
           </a:p>
         </p:txBody>
       </p:sp>
+      <p:graphicFrame>
+        <p:nvGraphicFramePr>
+          <p:cNvPr id="4" name="Table 3"/>
+          <p:cNvGraphicFramePr>
+            <a:graphicFrameLocks noGrp="1"/>
+          </p:cNvGraphicFramePr>
+          <p:nvPr>
+            <p:extLst>
+              <p:ext uri="{D42A27DB-BD31-4B8C-83A1-F6EECF244321}">
+                <p14:modId xmlns:p14="http://schemas.microsoft.com/office/powerpoint/2010/main" val="152452510"/>
+              </p:ext>
+            </p:extLst>
+          </p:nvPr>
+        </p:nvGraphicFramePr>
+        <p:xfrm>
+          <a:off x="870114" y="3516569"/>
+          <a:ext cx="5279259" cy="1483360"/>
+        </p:xfrm>
+        <a:graphic>
+          <a:graphicData uri="http://schemas.openxmlformats.org/drawingml/2006/table">
+            <a:tbl>
+              <a:tblPr firstRow="1" bandRow="1">
+                <a:tableStyleId>{5C22544A-7EE6-4342-B048-85BDC9FD1C3A}</a:tableStyleId>
+              </a:tblPr>
+              <a:tblGrid>
+                <a:gridCol w="2346385"/>
+                <a:gridCol w="1173121"/>
+                <a:gridCol w="1759753"/>
+              </a:tblGrid>
+              <a:tr h="370840">
+                <a:tc>
+                  <a:txBody>
+                    <a:bodyPr/>
+                    <a:lstStyle/>
+                    <a:p>
+                      <a:r>
+                        <a:rPr lang="en-CA" dirty="0" smtClean="0"/>
+                        <a:t>Variable</a:t>
+                      </a:r>
+                      <a:endParaRPr lang="en-CA" dirty="0"/>
+                    </a:p>
+                  </a:txBody>
+                  <a:tcPr/>
+                </a:tc>
+                <a:tc>
+                  <a:txBody>
+                    <a:bodyPr/>
+                    <a:lstStyle/>
+                    <a:p>
+                      <a:r>
+                        <a:rPr lang="en-CA" i="1" dirty="0" smtClean="0"/>
+                        <a:t>F</a:t>
+                      </a:r>
+                      <a:endParaRPr lang="en-CA" i="1" dirty="0"/>
+                    </a:p>
+                  </a:txBody>
+                  <a:tcPr/>
+                </a:tc>
+                <a:tc>
+                  <a:txBody>
+                    <a:bodyPr/>
+                    <a:lstStyle/>
+                    <a:p>
+                      <a:r>
+                        <a:rPr lang="en-CA" i="1" dirty="0" smtClean="0"/>
+                        <a:t>p</a:t>
+                      </a:r>
+                      <a:endParaRPr lang="en-CA" i="1" dirty="0"/>
+                    </a:p>
+                  </a:txBody>
+                  <a:tcPr/>
+                </a:tc>
+              </a:tr>
+              <a:tr h="370840">
+                <a:tc>
+                  <a:txBody>
+                    <a:bodyPr/>
+                    <a:lstStyle/>
+                    <a:p>
+                      <a:r>
+                        <a:rPr lang="en-CA" dirty="0" smtClean="0"/>
+                        <a:t>Block2Performance</a:t>
+                      </a:r>
+                      <a:endParaRPr lang="en-CA" dirty="0"/>
+                    </a:p>
+                  </a:txBody>
+                  <a:tcPr/>
+                </a:tc>
+                <a:tc>
+                  <a:txBody>
+                    <a:bodyPr/>
+                    <a:lstStyle/>
+                    <a:p>
+                      <a:r>
+                        <a:rPr lang="en-CA" dirty="0" smtClean="0"/>
+                        <a:t>0.69</a:t>
+                      </a:r>
+                      <a:endParaRPr lang="en-CA" dirty="0"/>
+                    </a:p>
+                  </a:txBody>
+                  <a:tcPr/>
+                </a:tc>
+                <a:tc>
+                  <a:txBody>
+                    <a:bodyPr/>
+                    <a:lstStyle/>
+                    <a:p>
+                      <a:r>
+                        <a:rPr lang="en-CA" dirty="0" smtClean="0"/>
+                        <a:t>.41</a:t>
+                      </a:r>
+                      <a:endParaRPr lang="en-CA" dirty="0"/>
+                    </a:p>
+                  </a:txBody>
+                  <a:tcPr/>
+                </a:tc>
+              </a:tr>
+              <a:tr h="370840">
+                <a:tc>
+                  <a:txBody>
+                    <a:bodyPr/>
+                    <a:lstStyle/>
+                    <a:p>
+                      <a:r>
+                        <a:rPr lang="en-CA" dirty="0" smtClean="0">
+                          <a:solidFill>
+                            <a:srgbClr val="FF0000"/>
+                          </a:solidFill>
+                        </a:rPr>
+                        <a:t>Environment</a:t>
+                      </a:r>
+                      <a:endParaRPr lang="en-CA" dirty="0">
+                        <a:solidFill>
+                          <a:srgbClr val="FF0000"/>
+                        </a:solidFill>
+                      </a:endParaRPr>
+                    </a:p>
+                  </a:txBody>
+                  <a:tcPr/>
+                </a:tc>
+                <a:tc>
+                  <a:txBody>
+                    <a:bodyPr/>
+                    <a:lstStyle/>
+                    <a:p>
+                      <a:r>
+                        <a:rPr lang="en-CA" dirty="0" smtClean="0"/>
+                        <a:t>13.87</a:t>
+                      </a:r>
+                      <a:endParaRPr lang="en-CA" dirty="0"/>
+                    </a:p>
+                  </a:txBody>
+                  <a:tcPr/>
+                </a:tc>
+                <a:tc>
+                  <a:txBody>
+                    <a:bodyPr/>
+                    <a:lstStyle/>
+                    <a:p>
+                      <a:r>
+                        <a:rPr lang="en-CA" dirty="0" smtClean="0"/>
+                        <a:t>.0003</a:t>
+                      </a:r>
+                      <a:endParaRPr lang="en-CA" dirty="0"/>
+                    </a:p>
+                  </a:txBody>
+                  <a:tcPr/>
+                </a:tc>
+              </a:tr>
+              <a:tr h="370840">
+                <a:tc>
+                  <a:txBody>
+                    <a:bodyPr/>
+                    <a:lstStyle/>
+                    <a:p>
+                      <a:r>
+                        <a:rPr lang="en-CA" dirty="0" err="1" smtClean="0"/>
+                        <a:t>RewardType</a:t>
+                      </a:r>
+                      <a:endParaRPr lang="en-CA" dirty="0"/>
+                    </a:p>
+                  </a:txBody>
+                  <a:tcPr/>
+                </a:tc>
+                <a:tc>
+                  <a:txBody>
+                    <a:bodyPr/>
+                    <a:lstStyle/>
+                    <a:p>
+                      <a:r>
+                        <a:rPr lang="en-CA" dirty="0" smtClean="0"/>
+                        <a:t>2.12</a:t>
+                      </a:r>
+                      <a:endParaRPr lang="en-CA" dirty="0"/>
+                    </a:p>
+                  </a:txBody>
+                  <a:tcPr/>
+                </a:tc>
+                <a:tc>
+                  <a:txBody>
+                    <a:bodyPr/>
+                    <a:lstStyle/>
+                    <a:p>
+                      <a:r>
+                        <a:rPr lang="en-CA" dirty="0" smtClean="0"/>
+                        <a:t>.12</a:t>
+                      </a:r>
+                      <a:endParaRPr lang="en-CA" dirty="0"/>
+                    </a:p>
+                  </a:txBody>
+                  <a:tcPr/>
+                </a:tc>
+              </a:tr>
+            </a:tbl>
+          </a:graphicData>
+        </a:graphic>
+      </p:graphicFrame>
+      <p:sp>
+        <p:nvSpPr>
+          <p:cNvPr id="13" name="Content Placeholder 2"/>
+          <p:cNvSpPr txBox="1">
+            <a:spLocks/>
+          </p:cNvSpPr>
+          <p:nvPr/>
+        </p:nvSpPr>
+        <p:spPr>
+          <a:xfrm>
+            <a:off x="1111656" y="2584729"/>
+            <a:ext cx="10058400" cy="356553"/>
+          </a:xfrm>
+          <a:prstGeom prst="rect">
+            <a:avLst/>
+          </a:prstGeom>
+        </p:spPr>
+        <p:txBody>
+          <a:bodyPr vert="horz" lIns="0" tIns="45720" rIns="0" bIns="45720" rtlCol="0">
+            <a:normAutofit lnSpcReduction="10000"/>
+          </a:bodyPr>
+          <a:lstStyle>
+            <a:lvl1pPr marL="91440" indent="-91440" algn="l" defTabSz="914400" rtl="0" eaLnBrk="1" latinLnBrk="0" hangingPunct="1">
+              <a:lnSpc>
+                <a:spcPct val="90000"/>
+              </a:lnSpc>
+              <a:spcBef>
+                <a:spcPts val="1200"/>
+              </a:spcBef>
+              <a:spcAft>
+                <a:spcPts val="200"/>
+              </a:spcAft>
+              <a:buClr>
+                <a:schemeClr val="accent1"/>
+              </a:buClr>
+              <a:buSzPct val="100000"/>
+              <a:buFont typeface="Calibri" panose="020F0502020204030204" pitchFamily="34" charset="0"/>
+              <a:buChar char=" "/>
+              <a:defRPr sz="2000" kern="1200">
+                <a:solidFill>
+                  <a:schemeClr val="tx1">
+                    <a:lumMod val="75000"/>
+                    <a:lumOff val="25000"/>
+                  </a:schemeClr>
+                </a:solidFill>
+                <a:latin typeface="+mn-lt"/>
+                <a:ea typeface="+mn-ea"/>
+                <a:cs typeface="+mn-cs"/>
+              </a:defRPr>
+            </a:lvl1pPr>
+            <a:lvl2pPr marL="384048" indent="-182880" algn="l" defTabSz="914400" rtl="0" eaLnBrk="1" latinLnBrk="0" hangingPunct="1">
+              <a:lnSpc>
+                <a:spcPct val="90000"/>
+              </a:lnSpc>
+              <a:spcBef>
+                <a:spcPts val="200"/>
+              </a:spcBef>
+              <a:spcAft>
+                <a:spcPts val="400"/>
+              </a:spcAft>
+              <a:buClr>
+                <a:schemeClr val="accent1"/>
+              </a:buClr>
+              <a:buFont typeface="Calibri" pitchFamily="34" charset="0"/>
+              <a:buChar char="◦"/>
+              <a:defRPr sz="1800" kern="1200">
+                <a:solidFill>
+                  <a:schemeClr val="tx1">
+                    <a:lumMod val="75000"/>
+                    <a:lumOff val="25000"/>
+                  </a:schemeClr>
+                </a:solidFill>
+                <a:latin typeface="+mn-lt"/>
+                <a:ea typeface="+mn-ea"/>
+                <a:cs typeface="+mn-cs"/>
+              </a:defRPr>
+            </a:lvl2pPr>
+            <a:lvl3pPr marL="566928" indent="-182880" algn="l" defTabSz="914400" rtl="0" eaLnBrk="1" latinLnBrk="0" hangingPunct="1">
+              <a:lnSpc>
+                <a:spcPct val="90000"/>
+              </a:lnSpc>
+              <a:spcBef>
+                <a:spcPts val="200"/>
+              </a:spcBef>
+              <a:spcAft>
+                <a:spcPts val="400"/>
+              </a:spcAft>
+              <a:buClr>
+                <a:schemeClr val="accent1"/>
+              </a:buClr>
+              <a:buFont typeface="Calibri" pitchFamily="34" charset="0"/>
+              <a:buChar char="◦"/>
+              <a:defRPr sz="1400" kern="1200">
+                <a:solidFill>
+                  <a:schemeClr val="tx1">
+                    <a:lumMod val="75000"/>
+                    <a:lumOff val="25000"/>
+                  </a:schemeClr>
+                </a:solidFill>
+                <a:latin typeface="+mn-lt"/>
+                <a:ea typeface="+mn-ea"/>
+                <a:cs typeface="+mn-cs"/>
+              </a:defRPr>
+            </a:lvl3pPr>
+            <a:lvl4pPr marL="749808" indent="-182880" algn="l" defTabSz="914400" rtl="0" eaLnBrk="1" latinLnBrk="0" hangingPunct="1">
+              <a:lnSpc>
+                <a:spcPct val="90000"/>
+              </a:lnSpc>
+              <a:spcBef>
+                <a:spcPts val="200"/>
+              </a:spcBef>
+              <a:spcAft>
+                <a:spcPts val="400"/>
+              </a:spcAft>
+              <a:buClr>
+                <a:schemeClr val="accent1"/>
+              </a:buClr>
+              <a:buFont typeface="Calibri" pitchFamily="34" charset="0"/>
+              <a:buChar char="◦"/>
+              <a:defRPr sz="1400" kern="1200">
+                <a:solidFill>
+                  <a:schemeClr val="tx1">
+                    <a:lumMod val="75000"/>
+                    <a:lumOff val="25000"/>
+                  </a:schemeClr>
+                </a:solidFill>
+                <a:latin typeface="+mn-lt"/>
+                <a:ea typeface="+mn-ea"/>
+                <a:cs typeface="+mn-cs"/>
+              </a:defRPr>
+            </a:lvl4pPr>
+            <a:lvl5pPr marL="932688" indent="-182880" algn="l" defTabSz="914400" rtl="0" eaLnBrk="1" latinLnBrk="0" hangingPunct="1">
+              <a:lnSpc>
+                <a:spcPct val="90000"/>
+              </a:lnSpc>
+              <a:spcBef>
+                <a:spcPts val="200"/>
+              </a:spcBef>
+              <a:spcAft>
+                <a:spcPts val="400"/>
+              </a:spcAft>
+              <a:buClr>
+                <a:schemeClr val="accent1"/>
+              </a:buClr>
+              <a:buFont typeface="Calibri" pitchFamily="34" charset="0"/>
+              <a:buChar char="◦"/>
+              <a:defRPr sz="1400" kern="1200">
+                <a:solidFill>
+                  <a:schemeClr val="tx1">
+                    <a:lumMod val="75000"/>
+                    <a:lumOff val="25000"/>
+                  </a:schemeClr>
+                </a:solidFill>
+                <a:latin typeface="+mn-lt"/>
+                <a:ea typeface="+mn-ea"/>
+                <a:cs typeface="+mn-cs"/>
+              </a:defRPr>
+            </a:lvl5pPr>
+            <a:lvl6pPr marL="1100000" indent="-228600" algn="l" defTabSz="914400" rtl="0" eaLnBrk="1" latinLnBrk="0" hangingPunct="1">
+              <a:lnSpc>
+                <a:spcPct val="90000"/>
+              </a:lnSpc>
+              <a:spcBef>
+                <a:spcPts val="200"/>
+              </a:spcBef>
+              <a:spcAft>
+                <a:spcPts val="400"/>
+              </a:spcAft>
+              <a:buClr>
+                <a:schemeClr val="accent1"/>
+              </a:buClr>
+              <a:buFont typeface="Calibri" pitchFamily="34" charset="0"/>
+              <a:buChar char="◦"/>
+              <a:defRPr sz="1400" kern="1200">
+                <a:solidFill>
+                  <a:schemeClr val="tx1">
+                    <a:lumMod val="75000"/>
+                    <a:lumOff val="25000"/>
+                  </a:schemeClr>
+                </a:solidFill>
+                <a:latin typeface="+mn-lt"/>
+                <a:ea typeface="+mn-ea"/>
+                <a:cs typeface="+mn-cs"/>
+              </a:defRPr>
+            </a:lvl6pPr>
+            <a:lvl7pPr marL="1300000" indent="-228600" algn="l" defTabSz="914400" rtl="0" eaLnBrk="1" latinLnBrk="0" hangingPunct="1">
+              <a:lnSpc>
+                <a:spcPct val="90000"/>
+              </a:lnSpc>
+              <a:spcBef>
+                <a:spcPts val="200"/>
+              </a:spcBef>
+              <a:spcAft>
+                <a:spcPts val="400"/>
+              </a:spcAft>
+              <a:buClr>
+                <a:schemeClr val="accent1"/>
+              </a:buClr>
+              <a:buFont typeface="Calibri" pitchFamily="34" charset="0"/>
+              <a:buChar char="◦"/>
+              <a:defRPr sz="1400" kern="1200">
+                <a:solidFill>
+                  <a:schemeClr val="tx1">
+                    <a:lumMod val="75000"/>
+                    <a:lumOff val="25000"/>
+                  </a:schemeClr>
+                </a:solidFill>
+                <a:latin typeface="+mn-lt"/>
+                <a:ea typeface="+mn-ea"/>
+                <a:cs typeface="+mn-cs"/>
+              </a:defRPr>
+            </a:lvl7pPr>
+            <a:lvl8pPr marL="1500000" indent="-228600" algn="l" defTabSz="914400" rtl="0" eaLnBrk="1" latinLnBrk="0" hangingPunct="1">
+              <a:lnSpc>
+                <a:spcPct val="90000"/>
+              </a:lnSpc>
+              <a:spcBef>
+                <a:spcPts val="200"/>
+              </a:spcBef>
+              <a:spcAft>
+                <a:spcPts val="400"/>
+              </a:spcAft>
+              <a:buClr>
+                <a:schemeClr val="accent1"/>
+              </a:buClr>
+              <a:buFont typeface="Calibri" pitchFamily="34" charset="0"/>
+              <a:buChar char="◦"/>
+              <a:defRPr sz="1400" kern="1200">
+                <a:solidFill>
+                  <a:schemeClr val="tx1">
+                    <a:lumMod val="75000"/>
+                    <a:lumOff val="25000"/>
+                  </a:schemeClr>
+                </a:solidFill>
+                <a:latin typeface="+mn-lt"/>
+                <a:ea typeface="+mn-ea"/>
+                <a:cs typeface="+mn-cs"/>
+              </a:defRPr>
+            </a:lvl8pPr>
+            <a:lvl9pPr marL="1700000" indent="-228600" algn="l" defTabSz="914400" rtl="0" eaLnBrk="1" latinLnBrk="0" hangingPunct="1">
+              <a:lnSpc>
+                <a:spcPct val="90000"/>
+              </a:lnSpc>
+              <a:spcBef>
+                <a:spcPts val="200"/>
+              </a:spcBef>
+              <a:spcAft>
+                <a:spcPts val="400"/>
+              </a:spcAft>
+              <a:buClr>
+                <a:schemeClr val="accent1"/>
+              </a:buClr>
+              <a:buFont typeface="Calibri" pitchFamily="34" charset="0"/>
+              <a:buChar char="◦"/>
+              <a:defRPr sz="1400" kern="1200">
+                <a:solidFill>
+                  <a:schemeClr val="tx1">
+                    <a:lumMod val="75000"/>
+                    <a:lumOff val="25000"/>
+                  </a:schemeClr>
+                </a:solidFill>
+                <a:latin typeface="+mn-lt"/>
+                <a:ea typeface="+mn-ea"/>
+                <a:cs typeface="+mn-cs"/>
+              </a:defRPr>
+            </a:lvl9pPr>
+          </a:lstStyle>
+          <a:p>
+            <a:r>
+              <a:rPr lang="en-CA" b="1" dirty="0" smtClean="0"/>
+              <a:t>REML criterion at convergence: -1079.9</a:t>
+            </a:r>
+            <a:endParaRPr lang="en-CA" b="1" dirty="0" smtClean="0"/>
+          </a:p>
+        </p:txBody>
+      </p:sp>
+      <p:pic>
+        <p:nvPicPr>
+          <p:cNvPr id="5" name="Picture 4"/>
+          <p:cNvPicPr>
+            <a:picLocks noChangeAspect="1"/>
+          </p:cNvPicPr>
+          <p:nvPr/>
+        </p:nvPicPr>
+        <p:blipFill>
+          <a:blip r:embed="rId2">
+            <a:extLst>
+              <a:ext uri="{28A0092B-C50C-407E-A947-70E740481C1C}">
+                <a14:useLocalDpi xmlns:a14="http://schemas.microsoft.com/office/drawing/2010/main" val="0"/>
+              </a:ext>
+            </a:extLst>
+          </a:blip>
+          <a:stretch>
+            <a:fillRect/>
+          </a:stretch>
+        </p:blipFill>
+        <p:spPr>
+          <a:xfrm>
+            <a:off x="6477180" y="2866523"/>
+            <a:ext cx="5429250" cy="2847975"/>
+          </a:xfrm>
+          <a:prstGeom prst="rect">
+            <a:avLst/>
+          </a:prstGeom>
+        </p:spPr>
+      </p:pic>
     </p:spTree>
     <p:extLst>
       <p:ext uri="{BB962C8B-B14F-4D97-AF65-F5344CB8AC3E}">
         <p14:creationId xmlns:p14="http://schemas.microsoft.com/office/powerpoint/2010/main" val="1967872303"/>
+      </p:ext>
+    </p:extLst>
+  </p:cSld>
+  <p:clrMapOvr>
+    <a:masterClrMapping/>
+  </p:clrMapOvr>
+</p:sld>
+</file>
+
+<file path=ppt/slides/slide5.xml><?xml version="1.0" encoding="utf-8"?>
+<p:sld xmlns:a="http://schemas.openxmlformats.org/drawingml/2006/main" xmlns:r="http://schemas.openxmlformats.org/officeDocument/2006/relationships" xmlns:p="http://schemas.openxmlformats.org/presentationml/2006/main">
+  <p:cSld>
+    <p:spTree>
+      <p:nvGrpSpPr>
+        <p:cNvPr id="1" name=""/>
+        <p:cNvGrpSpPr/>
+        <p:nvPr/>
+      </p:nvGrpSpPr>
+      <p:grpSpPr>
+        <a:xfrm>
+          <a:off x="0" y="0"/>
+          <a:ext cx="0" cy="0"/>
+          <a:chOff x="0" y="0"/>
+          <a:chExt cx="0" cy="0"/>
+        </a:xfrm>
+      </p:grpSpPr>
+      <p:sp>
+        <p:nvSpPr>
+          <p:cNvPr id="2" name="Title 1"/>
+          <p:cNvSpPr>
+            <a:spLocks noGrp="1"/>
+          </p:cNvSpPr>
+          <p:nvPr>
+            <p:ph type="title"/>
+          </p:nvPr>
+        </p:nvSpPr>
+        <p:spPr/>
+        <p:txBody>
+          <a:bodyPr/>
+          <a:lstStyle/>
+          <a:p>
+            <a:r>
+              <a:rPr lang="en-CA" dirty="0" smtClean="0"/>
+              <a:t>Predict performance on Block 3</a:t>
+            </a:r>
+            <a:endParaRPr lang="en-CA" dirty="0"/>
+          </a:p>
+        </p:txBody>
+      </p:sp>
+      <p:sp>
+        <p:nvSpPr>
+          <p:cNvPr id="3" name="Content Placeholder 2"/>
+          <p:cNvSpPr>
+            <a:spLocks noGrp="1"/>
+          </p:cNvSpPr>
+          <p:nvPr>
+            <p:ph idx="1"/>
+          </p:nvPr>
+        </p:nvSpPr>
+        <p:spPr>
+          <a:xfrm>
+            <a:off x="1097280" y="1845734"/>
+            <a:ext cx="10058400" cy="356553"/>
+          </a:xfrm>
+        </p:spPr>
+        <p:txBody>
+          <a:bodyPr>
+            <a:normAutofit lnSpcReduction="10000"/>
+          </a:bodyPr>
+          <a:lstStyle/>
+          <a:p>
+            <a:r>
+              <a:rPr lang="en-CA" b="1" dirty="0" smtClean="0"/>
+              <a:t>Follow-up analysis separated by environment</a:t>
+            </a:r>
+          </a:p>
+        </p:txBody>
+      </p:sp>
+      <p:grpSp>
+        <p:nvGrpSpPr>
+          <p:cNvPr id="17" name="Group 16"/>
+          <p:cNvGrpSpPr/>
+          <p:nvPr/>
+        </p:nvGrpSpPr>
+        <p:grpSpPr>
+          <a:xfrm>
+            <a:off x="2191987" y="2667835"/>
+            <a:ext cx="7749219" cy="2985990"/>
+            <a:chOff x="1921528" y="2667835"/>
+            <a:chExt cx="7749219" cy="2985990"/>
+          </a:xfrm>
+        </p:grpSpPr>
+        <p:sp>
+          <p:nvSpPr>
+            <p:cNvPr id="6" name="Content Placeholder 2"/>
+            <p:cNvSpPr txBox="1">
+              <a:spLocks/>
+            </p:cNvSpPr>
+            <p:nvPr/>
+          </p:nvSpPr>
+          <p:spPr>
+            <a:xfrm>
+              <a:off x="4407150" y="2667835"/>
+              <a:ext cx="2341379" cy="356553"/>
+            </a:xfrm>
+            <a:prstGeom prst="rect">
+              <a:avLst/>
+            </a:prstGeom>
+          </p:spPr>
+          <p:txBody>
+            <a:bodyPr vert="horz" lIns="0" tIns="45720" rIns="0" bIns="45720" rtlCol="0">
+              <a:normAutofit lnSpcReduction="10000"/>
+            </a:bodyPr>
+            <a:lstStyle>
+              <a:lvl1pPr marL="91440" indent="-91440" algn="l" defTabSz="914400" rtl="0" eaLnBrk="1" latinLnBrk="0" hangingPunct="1">
+                <a:lnSpc>
+                  <a:spcPct val="90000"/>
+                </a:lnSpc>
+                <a:spcBef>
+                  <a:spcPts val="1200"/>
+                </a:spcBef>
+                <a:spcAft>
+                  <a:spcPts val="200"/>
+                </a:spcAft>
+                <a:buClr>
+                  <a:schemeClr val="accent1"/>
+                </a:buClr>
+                <a:buSzPct val="100000"/>
+                <a:buFont typeface="Calibri" panose="020F0502020204030204" pitchFamily="34" charset="0"/>
+                <a:buChar char=" "/>
+                <a:defRPr sz="2000" kern="1200">
+                  <a:solidFill>
+                    <a:schemeClr val="tx1">
+                      <a:lumMod val="75000"/>
+                      <a:lumOff val="25000"/>
+                    </a:schemeClr>
+                  </a:solidFill>
+                  <a:latin typeface="+mn-lt"/>
+                  <a:ea typeface="+mn-ea"/>
+                  <a:cs typeface="+mn-cs"/>
+                </a:defRPr>
+              </a:lvl1pPr>
+              <a:lvl2pPr marL="384048" indent="-182880" algn="l" defTabSz="914400" rtl="0" eaLnBrk="1" latinLnBrk="0" hangingPunct="1">
+                <a:lnSpc>
+                  <a:spcPct val="90000"/>
+                </a:lnSpc>
+                <a:spcBef>
+                  <a:spcPts val="200"/>
+                </a:spcBef>
+                <a:spcAft>
+                  <a:spcPts val="400"/>
+                </a:spcAft>
+                <a:buClr>
+                  <a:schemeClr val="accent1"/>
+                </a:buClr>
+                <a:buFont typeface="Calibri" pitchFamily="34" charset="0"/>
+                <a:buChar char="◦"/>
+                <a:defRPr sz="1800" kern="1200">
+                  <a:solidFill>
+                    <a:schemeClr val="tx1">
+                      <a:lumMod val="75000"/>
+                      <a:lumOff val="25000"/>
+                    </a:schemeClr>
+                  </a:solidFill>
+                  <a:latin typeface="+mn-lt"/>
+                  <a:ea typeface="+mn-ea"/>
+                  <a:cs typeface="+mn-cs"/>
+                </a:defRPr>
+              </a:lvl2pPr>
+              <a:lvl3pPr marL="566928" indent="-182880" algn="l" defTabSz="914400" rtl="0" eaLnBrk="1" latinLnBrk="0" hangingPunct="1">
+                <a:lnSpc>
+                  <a:spcPct val="90000"/>
+                </a:lnSpc>
+                <a:spcBef>
+                  <a:spcPts val="200"/>
+                </a:spcBef>
+                <a:spcAft>
+                  <a:spcPts val="400"/>
+                </a:spcAft>
+                <a:buClr>
+                  <a:schemeClr val="accent1"/>
+                </a:buClr>
+                <a:buFont typeface="Calibri" pitchFamily="34" charset="0"/>
+                <a:buChar char="◦"/>
+                <a:defRPr sz="1400" kern="1200">
+                  <a:solidFill>
+                    <a:schemeClr val="tx1">
+                      <a:lumMod val="75000"/>
+                      <a:lumOff val="25000"/>
+                    </a:schemeClr>
+                  </a:solidFill>
+                  <a:latin typeface="+mn-lt"/>
+                  <a:ea typeface="+mn-ea"/>
+                  <a:cs typeface="+mn-cs"/>
+                </a:defRPr>
+              </a:lvl3pPr>
+              <a:lvl4pPr marL="749808" indent="-182880" algn="l" defTabSz="914400" rtl="0" eaLnBrk="1" latinLnBrk="0" hangingPunct="1">
+                <a:lnSpc>
+                  <a:spcPct val="90000"/>
+                </a:lnSpc>
+                <a:spcBef>
+                  <a:spcPts val="200"/>
+                </a:spcBef>
+                <a:spcAft>
+                  <a:spcPts val="400"/>
+                </a:spcAft>
+                <a:buClr>
+                  <a:schemeClr val="accent1"/>
+                </a:buClr>
+                <a:buFont typeface="Calibri" pitchFamily="34" charset="0"/>
+                <a:buChar char="◦"/>
+                <a:defRPr sz="1400" kern="1200">
+                  <a:solidFill>
+                    <a:schemeClr val="tx1">
+                      <a:lumMod val="75000"/>
+                      <a:lumOff val="25000"/>
+                    </a:schemeClr>
+                  </a:solidFill>
+                  <a:latin typeface="+mn-lt"/>
+                  <a:ea typeface="+mn-ea"/>
+                  <a:cs typeface="+mn-cs"/>
+                </a:defRPr>
+              </a:lvl4pPr>
+              <a:lvl5pPr marL="932688" indent="-182880" algn="l" defTabSz="914400" rtl="0" eaLnBrk="1" latinLnBrk="0" hangingPunct="1">
+                <a:lnSpc>
+                  <a:spcPct val="90000"/>
+                </a:lnSpc>
+                <a:spcBef>
+                  <a:spcPts val="200"/>
+                </a:spcBef>
+                <a:spcAft>
+                  <a:spcPts val="400"/>
+                </a:spcAft>
+                <a:buClr>
+                  <a:schemeClr val="accent1"/>
+                </a:buClr>
+                <a:buFont typeface="Calibri" pitchFamily="34" charset="0"/>
+                <a:buChar char="◦"/>
+                <a:defRPr sz="1400" kern="1200">
+                  <a:solidFill>
+                    <a:schemeClr val="tx1">
+                      <a:lumMod val="75000"/>
+                      <a:lumOff val="25000"/>
+                    </a:schemeClr>
+                  </a:solidFill>
+                  <a:latin typeface="+mn-lt"/>
+                  <a:ea typeface="+mn-ea"/>
+                  <a:cs typeface="+mn-cs"/>
+                </a:defRPr>
+              </a:lvl5pPr>
+              <a:lvl6pPr marL="1100000" indent="-228600" algn="l" defTabSz="914400" rtl="0" eaLnBrk="1" latinLnBrk="0" hangingPunct="1">
+                <a:lnSpc>
+                  <a:spcPct val="90000"/>
+                </a:lnSpc>
+                <a:spcBef>
+                  <a:spcPts val="200"/>
+                </a:spcBef>
+                <a:spcAft>
+                  <a:spcPts val="400"/>
+                </a:spcAft>
+                <a:buClr>
+                  <a:schemeClr val="accent1"/>
+                </a:buClr>
+                <a:buFont typeface="Calibri" pitchFamily="34" charset="0"/>
+                <a:buChar char="◦"/>
+                <a:defRPr sz="1400" kern="1200">
+                  <a:solidFill>
+                    <a:schemeClr val="tx1">
+                      <a:lumMod val="75000"/>
+                      <a:lumOff val="25000"/>
+                    </a:schemeClr>
+                  </a:solidFill>
+                  <a:latin typeface="+mn-lt"/>
+                  <a:ea typeface="+mn-ea"/>
+                  <a:cs typeface="+mn-cs"/>
+                </a:defRPr>
+              </a:lvl6pPr>
+              <a:lvl7pPr marL="1300000" indent="-228600" algn="l" defTabSz="914400" rtl="0" eaLnBrk="1" latinLnBrk="0" hangingPunct="1">
+                <a:lnSpc>
+                  <a:spcPct val="90000"/>
+                </a:lnSpc>
+                <a:spcBef>
+                  <a:spcPts val="200"/>
+                </a:spcBef>
+                <a:spcAft>
+                  <a:spcPts val="400"/>
+                </a:spcAft>
+                <a:buClr>
+                  <a:schemeClr val="accent1"/>
+                </a:buClr>
+                <a:buFont typeface="Calibri" pitchFamily="34" charset="0"/>
+                <a:buChar char="◦"/>
+                <a:defRPr sz="1400" kern="1200">
+                  <a:solidFill>
+                    <a:schemeClr val="tx1">
+                      <a:lumMod val="75000"/>
+                      <a:lumOff val="25000"/>
+                    </a:schemeClr>
+                  </a:solidFill>
+                  <a:latin typeface="+mn-lt"/>
+                  <a:ea typeface="+mn-ea"/>
+                  <a:cs typeface="+mn-cs"/>
+                </a:defRPr>
+              </a:lvl7pPr>
+              <a:lvl8pPr marL="1500000" indent="-228600" algn="l" defTabSz="914400" rtl="0" eaLnBrk="1" latinLnBrk="0" hangingPunct="1">
+                <a:lnSpc>
+                  <a:spcPct val="90000"/>
+                </a:lnSpc>
+                <a:spcBef>
+                  <a:spcPts val="200"/>
+                </a:spcBef>
+                <a:spcAft>
+                  <a:spcPts val="400"/>
+                </a:spcAft>
+                <a:buClr>
+                  <a:schemeClr val="accent1"/>
+                </a:buClr>
+                <a:buFont typeface="Calibri" pitchFamily="34" charset="0"/>
+                <a:buChar char="◦"/>
+                <a:defRPr sz="1400" kern="1200">
+                  <a:solidFill>
+                    <a:schemeClr val="tx1">
+                      <a:lumMod val="75000"/>
+                      <a:lumOff val="25000"/>
+                    </a:schemeClr>
+                  </a:solidFill>
+                  <a:latin typeface="+mn-lt"/>
+                  <a:ea typeface="+mn-ea"/>
+                  <a:cs typeface="+mn-cs"/>
+                </a:defRPr>
+              </a:lvl8pPr>
+              <a:lvl9pPr marL="1700000" indent="-228600" algn="l" defTabSz="914400" rtl="0" eaLnBrk="1" latinLnBrk="0" hangingPunct="1">
+                <a:lnSpc>
+                  <a:spcPct val="90000"/>
+                </a:lnSpc>
+                <a:spcBef>
+                  <a:spcPts val="200"/>
+                </a:spcBef>
+                <a:spcAft>
+                  <a:spcPts val="400"/>
+                </a:spcAft>
+                <a:buClr>
+                  <a:schemeClr val="accent1"/>
+                </a:buClr>
+                <a:buFont typeface="Calibri" pitchFamily="34" charset="0"/>
+                <a:buChar char="◦"/>
+                <a:defRPr sz="1400" kern="1200">
+                  <a:solidFill>
+                    <a:schemeClr val="tx1">
+                      <a:lumMod val="75000"/>
+                      <a:lumOff val="25000"/>
+                    </a:schemeClr>
+                  </a:solidFill>
+                  <a:latin typeface="+mn-lt"/>
+                  <a:ea typeface="+mn-ea"/>
+                  <a:cs typeface="+mn-cs"/>
+                </a:defRPr>
+              </a:lvl9pPr>
+            </a:lstStyle>
+            <a:p>
+              <a:r>
+                <a:rPr lang="en-CA" b="1" dirty="0" smtClean="0"/>
+                <a:t>Block 3 Performance</a:t>
+              </a:r>
+              <a:endParaRPr lang="en-CA" b="1" dirty="0" smtClean="0"/>
+            </a:p>
+          </p:txBody>
+        </p:sp>
+        <p:cxnSp>
+          <p:nvCxnSpPr>
+            <p:cNvPr id="8" name="Straight Arrow Connector 7"/>
+            <p:cNvCxnSpPr/>
+            <p:nvPr/>
+          </p:nvCxnSpPr>
+          <p:spPr>
+            <a:xfrm flipH="1">
+              <a:off x="3000777" y="3309870"/>
+              <a:ext cx="1262130" cy="618186"/>
+            </a:xfrm>
+            <a:prstGeom prst="straightConnector1">
+              <a:avLst/>
+            </a:prstGeom>
+            <a:ln w="57150">
+              <a:tailEnd type="triangle"/>
+            </a:ln>
+          </p:spPr>
+          <p:style>
+            <a:lnRef idx="1">
+              <a:schemeClr val="accent1"/>
+            </a:lnRef>
+            <a:fillRef idx="0">
+              <a:schemeClr val="accent1"/>
+            </a:fillRef>
+            <a:effectRef idx="0">
+              <a:schemeClr val="accent1"/>
+            </a:effectRef>
+            <a:fontRef idx="minor">
+              <a:schemeClr val="tx1"/>
+            </a:fontRef>
+          </p:style>
+        </p:cxnSp>
+        <p:sp>
+          <p:nvSpPr>
+            <p:cNvPr id="9" name="Content Placeholder 2"/>
+            <p:cNvSpPr txBox="1">
+              <a:spLocks/>
+            </p:cNvSpPr>
+            <p:nvPr/>
+          </p:nvSpPr>
+          <p:spPr>
+            <a:xfrm>
+              <a:off x="1921528" y="4095244"/>
+              <a:ext cx="2341379" cy="356553"/>
+            </a:xfrm>
+            <a:prstGeom prst="rect">
+              <a:avLst/>
+            </a:prstGeom>
+          </p:spPr>
+          <p:txBody>
+            <a:bodyPr vert="horz" lIns="0" tIns="45720" rIns="0" bIns="45720" rtlCol="0">
+              <a:normAutofit lnSpcReduction="10000"/>
+            </a:bodyPr>
+            <a:lstStyle>
+              <a:lvl1pPr marL="91440" indent="-91440" algn="l" defTabSz="914400" rtl="0" eaLnBrk="1" latinLnBrk="0" hangingPunct="1">
+                <a:lnSpc>
+                  <a:spcPct val="90000"/>
+                </a:lnSpc>
+                <a:spcBef>
+                  <a:spcPts val="1200"/>
+                </a:spcBef>
+                <a:spcAft>
+                  <a:spcPts val="200"/>
+                </a:spcAft>
+                <a:buClr>
+                  <a:schemeClr val="accent1"/>
+                </a:buClr>
+                <a:buSzPct val="100000"/>
+                <a:buFont typeface="Calibri" panose="020F0502020204030204" pitchFamily="34" charset="0"/>
+                <a:buChar char=" "/>
+                <a:defRPr sz="2000" kern="1200">
+                  <a:solidFill>
+                    <a:schemeClr val="tx1">
+                      <a:lumMod val="75000"/>
+                      <a:lumOff val="25000"/>
+                    </a:schemeClr>
+                  </a:solidFill>
+                  <a:latin typeface="+mn-lt"/>
+                  <a:ea typeface="+mn-ea"/>
+                  <a:cs typeface="+mn-cs"/>
+                </a:defRPr>
+              </a:lvl1pPr>
+              <a:lvl2pPr marL="384048" indent="-182880" algn="l" defTabSz="914400" rtl="0" eaLnBrk="1" latinLnBrk="0" hangingPunct="1">
+                <a:lnSpc>
+                  <a:spcPct val="90000"/>
+                </a:lnSpc>
+                <a:spcBef>
+                  <a:spcPts val="200"/>
+                </a:spcBef>
+                <a:spcAft>
+                  <a:spcPts val="400"/>
+                </a:spcAft>
+                <a:buClr>
+                  <a:schemeClr val="accent1"/>
+                </a:buClr>
+                <a:buFont typeface="Calibri" pitchFamily="34" charset="0"/>
+                <a:buChar char="◦"/>
+                <a:defRPr sz="1800" kern="1200">
+                  <a:solidFill>
+                    <a:schemeClr val="tx1">
+                      <a:lumMod val="75000"/>
+                      <a:lumOff val="25000"/>
+                    </a:schemeClr>
+                  </a:solidFill>
+                  <a:latin typeface="+mn-lt"/>
+                  <a:ea typeface="+mn-ea"/>
+                  <a:cs typeface="+mn-cs"/>
+                </a:defRPr>
+              </a:lvl2pPr>
+              <a:lvl3pPr marL="566928" indent="-182880" algn="l" defTabSz="914400" rtl="0" eaLnBrk="1" latinLnBrk="0" hangingPunct="1">
+                <a:lnSpc>
+                  <a:spcPct val="90000"/>
+                </a:lnSpc>
+                <a:spcBef>
+                  <a:spcPts val="200"/>
+                </a:spcBef>
+                <a:spcAft>
+                  <a:spcPts val="400"/>
+                </a:spcAft>
+                <a:buClr>
+                  <a:schemeClr val="accent1"/>
+                </a:buClr>
+                <a:buFont typeface="Calibri" pitchFamily="34" charset="0"/>
+                <a:buChar char="◦"/>
+                <a:defRPr sz="1400" kern="1200">
+                  <a:solidFill>
+                    <a:schemeClr val="tx1">
+                      <a:lumMod val="75000"/>
+                      <a:lumOff val="25000"/>
+                    </a:schemeClr>
+                  </a:solidFill>
+                  <a:latin typeface="+mn-lt"/>
+                  <a:ea typeface="+mn-ea"/>
+                  <a:cs typeface="+mn-cs"/>
+                </a:defRPr>
+              </a:lvl3pPr>
+              <a:lvl4pPr marL="749808" indent="-182880" algn="l" defTabSz="914400" rtl="0" eaLnBrk="1" latinLnBrk="0" hangingPunct="1">
+                <a:lnSpc>
+                  <a:spcPct val="90000"/>
+                </a:lnSpc>
+                <a:spcBef>
+                  <a:spcPts val="200"/>
+                </a:spcBef>
+                <a:spcAft>
+                  <a:spcPts val="400"/>
+                </a:spcAft>
+                <a:buClr>
+                  <a:schemeClr val="accent1"/>
+                </a:buClr>
+                <a:buFont typeface="Calibri" pitchFamily="34" charset="0"/>
+                <a:buChar char="◦"/>
+                <a:defRPr sz="1400" kern="1200">
+                  <a:solidFill>
+                    <a:schemeClr val="tx1">
+                      <a:lumMod val="75000"/>
+                      <a:lumOff val="25000"/>
+                    </a:schemeClr>
+                  </a:solidFill>
+                  <a:latin typeface="+mn-lt"/>
+                  <a:ea typeface="+mn-ea"/>
+                  <a:cs typeface="+mn-cs"/>
+                </a:defRPr>
+              </a:lvl4pPr>
+              <a:lvl5pPr marL="932688" indent="-182880" algn="l" defTabSz="914400" rtl="0" eaLnBrk="1" latinLnBrk="0" hangingPunct="1">
+                <a:lnSpc>
+                  <a:spcPct val="90000"/>
+                </a:lnSpc>
+                <a:spcBef>
+                  <a:spcPts val="200"/>
+                </a:spcBef>
+                <a:spcAft>
+                  <a:spcPts val="400"/>
+                </a:spcAft>
+                <a:buClr>
+                  <a:schemeClr val="accent1"/>
+                </a:buClr>
+                <a:buFont typeface="Calibri" pitchFamily="34" charset="0"/>
+                <a:buChar char="◦"/>
+                <a:defRPr sz="1400" kern="1200">
+                  <a:solidFill>
+                    <a:schemeClr val="tx1">
+                      <a:lumMod val="75000"/>
+                      <a:lumOff val="25000"/>
+                    </a:schemeClr>
+                  </a:solidFill>
+                  <a:latin typeface="+mn-lt"/>
+                  <a:ea typeface="+mn-ea"/>
+                  <a:cs typeface="+mn-cs"/>
+                </a:defRPr>
+              </a:lvl5pPr>
+              <a:lvl6pPr marL="1100000" indent="-228600" algn="l" defTabSz="914400" rtl="0" eaLnBrk="1" latinLnBrk="0" hangingPunct="1">
+                <a:lnSpc>
+                  <a:spcPct val="90000"/>
+                </a:lnSpc>
+                <a:spcBef>
+                  <a:spcPts val="200"/>
+                </a:spcBef>
+                <a:spcAft>
+                  <a:spcPts val="400"/>
+                </a:spcAft>
+                <a:buClr>
+                  <a:schemeClr val="accent1"/>
+                </a:buClr>
+                <a:buFont typeface="Calibri" pitchFamily="34" charset="0"/>
+                <a:buChar char="◦"/>
+                <a:defRPr sz="1400" kern="1200">
+                  <a:solidFill>
+                    <a:schemeClr val="tx1">
+                      <a:lumMod val="75000"/>
+                      <a:lumOff val="25000"/>
+                    </a:schemeClr>
+                  </a:solidFill>
+                  <a:latin typeface="+mn-lt"/>
+                  <a:ea typeface="+mn-ea"/>
+                  <a:cs typeface="+mn-cs"/>
+                </a:defRPr>
+              </a:lvl6pPr>
+              <a:lvl7pPr marL="1300000" indent="-228600" algn="l" defTabSz="914400" rtl="0" eaLnBrk="1" latinLnBrk="0" hangingPunct="1">
+                <a:lnSpc>
+                  <a:spcPct val="90000"/>
+                </a:lnSpc>
+                <a:spcBef>
+                  <a:spcPts val="200"/>
+                </a:spcBef>
+                <a:spcAft>
+                  <a:spcPts val="400"/>
+                </a:spcAft>
+                <a:buClr>
+                  <a:schemeClr val="accent1"/>
+                </a:buClr>
+                <a:buFont typeface="Calibri" pitchFamily="34" charset="0"/>
+                <a:buChar char="◦"/>
+                <a:defRPr sz="1400" kern="1200">
+                  <a:solidFill>
+                    <a:schemeClr val="tx1">
+                      <a:lumMod val="75000"/>
+                      <a:lumOff val="25000"/>
+                    </a:schemeClr>
+                  </a:solidFill>
+                  <a:latin typeface="+mn-lt"/>
+                  <a:ea typeface="+mn-ea"/>
+                  <a:cs typeface="+mn-cs"/>
+                </a:defRPr>
+              </a:lvl7pPr>
+              <a:lvl8pPr marL="1500000" indent="-228600" algn="l" defTabSz="914400" rtl="0" eaLnBrk="1" latinLnBrk="0" hangingPunct="1">
+                <a:lnSpc>
+                  <a:spcPct val="90000"/>
+                </a:lnSpc>
+                <a:spcBef>
+                  <a:spcPts val="200"/>
+                </a:spcBef>
+                <a:spcAft>
+                  <a:spcPts val="400"/>
+                </a:spcAft>
+                <a:buClr>
+                  <a:schemeClr val="accent1"/>
+                </a:buClr>
+                <a:buFont typeface="Calibri" pitchFamily="34" charset="0"/>
+                <a:buChar char="◦"/>
+                <a:defRPr sz="1400" kern="1200">
+                  <a:solidFill>
+                    <a:schemeClr val="tx1">
+                      <a:lumMod val="75000"/>
+                      <a:lumOff val="25000"/>
+                    </a:schemeClr>
+                  </a:solidFill>
+                  <a:latin typeface="+mn-lt"/>
+                  <a:ea typeface="+mn-ea"/>
+                  <a:cs typeface="+mn-cs"/>
+                </a:defRPr>
+              </a:lvl8pPr>
+              <a:lvl9pPr marL="1700000" indent="-228600" algn="l" defTabSz="914400" rtl="0" eaLnBrk="1" latinLnBrk="0" hangingPunct="1">
+                <a:lnSpc>
+                  <a:spcPct val="90000"/>
+                </a:lnSpc>
+                <a:spcBef>
+                  <a:spcPts val="200"/>
+                </a:spcBef>
+                <a:spcAft>
+                  <a:spcPts val="400"/>
+                </a:spcAft>
+                <a:buClr>
+                  <a:schemeClr val="accent1"/>
+                </a:buClr>
+                <a:buFont typeface="Calibri" pitchFamily="34" charset="0"/>
+                <a:buChar char="◦"/>
+                <a:defRPr sz="1400" kern="1200">
+                  <a:solidFill>
+                    <a:schemeClr val="tx1">
+                      <a:lumMod val="75000"/>
+                      <a:lumOff val="25000"/>
+                    </a:schemeClr>
+                  </a:solidFill>
+                  <a:latin typeface="+mn-lt"/>
+                  <a:ea typeface="+mn-ea"/>
+                  <a:cs typeface="+mn-cs"/>
+                </a:defRPr>
+              </a:lvl9pPr>
+            </a:lstStyle>
+            <a:p>
+              <a:r>
+                <a:rPr lang="en-CA" b="1" dirty="0" smtClean="0"/>
+                <a:t>Block 2 Performance</a:t>
+              </a:r>
+              <a:endParaRPr lang="en-CA" b="1" dirty="0" smtClean="0"/>
+            </a:p>
+          </p:txBody>
+        </p:sp>
+        <p:cxnSp>
+          <p:nvCxnSpPr>
+            <p:cNvPr id="10" name="Straight Arrow Connector 9"/>
+            <p:cNvCxnSpPr/>
+            <p:nvPr/>
+          </p:nvCxnSpPr>
+          <p:spPr>
+            <a:xfrm flipH="1">
+              <a:off x="5769735" y="3296991"/>
+              <a:ext cx="2576" cy="785374"/>
+            </a:xfrm>
+            <a:prstGeom prst="straightConnector1">
+              <a:avLst/>
+            </a:prstGeom>
+            <a:ln w="57150">
+              <a:tailEnd type="triangle"/>
+            </a:ln>
+          </p:spPr>
+          <p:style>
+            <a:lnRef idx="1">
+              <a:schemeClr val="accent1"/>
+            </a:lnRef>
+            <a:fillRef idx="0">
+              <a:schemeClr val="accent1"/>
+            </a:fillRef>
+            <a:effectRef idx="0">
+              <a:schemeClr val="accent1"/>
+            </a:effectRef>
+            <a:fontRef idx="minor">
+              <a:schemeClr val="tx1"/>
+            </a:fontRef>
+          </p:style>
+        </p:cxnSp>
+        <p:cxnSp>
+          <p:nvCxnSpPr>
+            <p:cNvPr id="12" name="Straight Arrow Connector 11"/>
+            <p:cNvCxnSpPr/>
+            <p:nvPr/>
+          </p:nvCxnSpPr>
+          <p:spPr>
+            <a:xfrm>
+              <a:off x="7045172" y="3213397"/>
+              <a:ext cx="1261701" cy="701780"/>
+            </a:xfrm>
+            <a:prstGeom prst="straightConnector1">
+              <a:avLst/>
+            </a:prstGeom>
+            <a:ln w="57150">
+              <a:tailEnd type="triangle"/>
+            </a:ln>
+          </p:spPr>
+          <p:style>
+            <a:lnRef idx="1">
+              <a:schemeClr val="accent1"/>
+            </a:lnRef>
+            <a:fillRef idx="0">
+              <a:schemeClr val="accent1"/>
+            </a:fillRef>
+            <a:effectRef idx="0">
+              <a:schemeClr val="accent1"/>
+            </a:effectRef>
+            <a:fontRef idx="minor">
+              <a:schemeClr val="tx1"/>
+            </a:fontRef>
+          </p:style>
+        </p:cxnSp>
+        <p:sp>
+          <p:nvSpPr>
+            <p:cNvPr id="15" name="Content Placeholder 2"/>
+            <p:cNvSpPr txBox="1">
+              <a:spLocks/>
+            </p:cNvSpPr>
+            <p:nvPr/>
+          </p:nvSpPr>
+          <p:spPr>
+            <a:xfrm>
+              <a:off x="4703793" y="4095243"/>
+              <a:ext cx="2341379" cy="1352520"/>
+            </a:xfrm>
+            <a:prstGeom prst="rect">
+              <a:avLst/>
+            </a:prstGeom>
+          </p:spPr>
+          <p:txBody>
+            <a:bodyPr vert="horz" lIns="0" tIns="45720" rIns="0" bIns="45720" rtlCol="0">
+              <a:normAutofit/>
+            </a:bodyPr>
+            <a:lstStyle>
+              <a:lvl1pPr marL="91440" indent="-91440" algn="l" defTabSz="914400" rtl="0" eaLnBrk="1" latinLnBrk="0" hangingPunct="1">
+                <a:lnSpc>
+                  <a:spcPct val="90000"/>
+                </a:lnSpc>
+                <a:spcBef>
+                  <a:spcPts val="1200"/>
+                </a:spcBef>
+                <a:spcAft>
+                  <a:spcPts val="200"/>
+                </a:spcAft>
+                <a:buClr>
+                  <a:schemeClr val="accent1"/>
+                </a:buClr>
+                <a:buSzPct val="100000"/>
+                <a:buFont typeface="Calibri" panose="020F0502020204030204" pitchFamily="34" charset="0"/>
+                <a:buChar char=" "/>
+                <a:defRPr sz="2000" kern="1200">
+                  <a:solidFill>
+                    <a:schemeClr val="tx1">
+                      <a:lumMod val="75000"/>
+                      <a:lumOff val="25000"/>
+                    </a:schemeClr>
+                  </a:solidFill>
+                  <a:latin typeface="+mn-lt"/>
+                  <a:ea typeface="+mn-ea"/>
+                  <a:cs typeface="+mn-cs"/>
+                </a:defRPr>
+              </a:lvl1pPr>
+              <a:lvl2pPr marL="384048" indent="-182880" algn="l" defTabSz="914400" rtl="0" eaLnBrk="1" latinLnBrk="0" hangingPunct="1">
+                <a:lnSpc>
+                  <a:spcPct val="90000"/>
+                </a:lnSpc>
+                <a:spcBef>
+                  <a:spcPts val="200"/>
+                </a:spcBef>
+                <a:spcAft>
+                  <a:spcPts val="400"/>
+                </a:spcAft>
+                <a:buClr>
+                  <a:schemeClr val="accent1"/>
+                </a:buClr>
+                <a:buFont typeface="Calibri" pitchFamily="34" charset="0"/>
+                <a:buChar char="◦"/>
+                <a:defRPr sz="1800" kern="1200">
+                  <a:solidFill>
+                    <a:schemeClr val="tx1">
+                      <a:lumMod val="75000"/>
+                      <a:lumOff val="25000"/>
+                    </a:schemeClr>
+                  </a:solidFill>
+                  <a:latin typeface="+mn-lt"/>
+                  <a:ea typeface="+mn-ea"/>
+                  <a:cs typeface="+mn-cs"/>
+                </a:defRPr>
+              </a:lvl2pPr>
+              <a:lvl3pPr marL="566928" indent="-182880" algn="l" defTabSz="914400" rtl="0" eaLnBrk="1" latinLnBrk="0" hangingPunct="1">
+                <a:lnSpc>
+                  <a:spcPct val="90000"/>
+                </a:lnSpc>
+                <a:spcBef>
+                  <a:spcPts val="200"/>
+                </a:spcBef>
+                <a:spcAft>
+                  <a:spcPts val="400"/>
+                </a:spcAft>
+                <a:buClr>
+                  <a:schemeClr val="accent1"/>
+                </a:buClr>
+                <a:buFont typeface="Calibri" pitchFamily="34" charset="0"/>
+                <a:buChar char="◦"/>
+                <a:defRPr sz="1400" kern="1200">
+                  <a:solidFill>
+                    <a:schemeClr val="tx1">
+                      <a:lumMod val="75000"/>
+                      <a:lumOff val="25000"/>
+                    </a:schemeClr>
+                  </a:solidFill>
+                  <a:latin typeface="+mn-lt"/>
+                  <a:ea typeface="+mn-ea"/>
+                  <a:cs typeface="+mn-cs"/>
+                </a:defRPr>
+              </a:lvl3pPr>
+              <a:lvl4pPr marL="749808" indent="-182880" algn="l" defTabSz="914400" rtl="0" eaLnBrk="1" latinLnBrk="0" hangingPunct="1">
+                <a:lnSpc>
+                  <a:spcPct val="90000"/>
+                </a:lnSpc>
+                <a:spcBef>
+                  <a:spcPts val="200"/>
+                </a:spcBef>
+                <a:spcAft>
+                  <a:spcPts val="400"/>
+                </a:spcAft>
+                <a:buClr>
+                  <a:schemeClr val="accent1"/>
+                </a:buClr>
+                <a:buFont typeface="Calibri" pitchFamily="34" charset="0"/>
+                <a:buChar char="◦"/>
+                <a:defRPr sz="1400" kern="1200">
+                  <a:solidFill>
+                    <a:schemeClr val="tx1">
+                      <a:lumMod val="75000"/>
+                      <a:lumOff val="25000"/>
+                    </a:schemeClr>
+                  </a:solidFill>
+                  <a:latin typeface="+mn-lt"/>
+                  <a:ea typeface="+mn-ea"/>
+                  <a:cs typeface="+mn-cs"/>
+                </a:defRPr>
+              </a:lvl4pPr>
+              <a:lvl5pPr marL="932688" indent="-182880" algn="l" defTabSz="914400" rtl="0" eaLnBrk="1" latinLnBrk="0" hangingPunct="1">
+                <a:lnSpc>
+                  <a:spcPct val="90000"/>
+                </a:lnSpc>
+                <a:spcBef>
+                  <a:spcPts val="200"/>
+                </a:spcBef>
+                <a:spcAft>
+                  <a:spcPts val="400"/>
+                </a:spcAft>
+                <a:buClr>
+                  <a:schemeClr val="accent1"/>
+                </a:buClr>
+                <a:buFont typeface="Calibri" pitchFamily="34" charset="0"/>
+                <a:buChar char="◦"/>
+                <a:defRPr sz="1400" kern="1200">
+                  <a:solidFill>
+                    <a:schemeClr val="tx1">
+                      <a:lumMod val="75000"/>
+                      <a:lumOff val="25000"/>
+                    </a:schemeClr>
+                  </a:solidFill>
+                  <a:latin typeface="+mn-lt"/>
+                  <a:ea typeface="+mn-ea"/>
+                  <a:cs typeface="+mn-cs"/>
+                </a:defRPr>
+              </a:lvl5pPr>
+              <a:lvl6pPr marL="1100000" indent="-228600" algn="l" defTabSz="914400" rtl="0" eaLnBrk="1" latinLnBrk="0" hangingPunct="1">
+                <a:lnSpc>
+                  <a:spcPct val="90000"/>
+                </a:lnSpc>
+                <a:spcBef>
+                  <a:spcPts val="200"/>
+                </a:spcBef>
+                <a:spcAft>
+                  <a:spcPts val="400"/>
+                </a:spcAft>
+                <a:buClr>
+                  <a:schemeClr val="accent1"/>
+                </a:buClr>
+                <a:buFont typeface="Calibri" pitchFamily="34" charset="0"/>
+                <a:buChar char="◦"/>
+                <a:defRPr sz="1400" kern="1200">
+                  <a:solidFill>
+                    <a:schemeClr val="tx1">
+                      <a:lumMod val="75000"/>
+                      <a:lumOff val="25000"/>
+                    </a:schemeClr>
+                  </a:solidFill>
+                  <a:latin typeface="+mn-lt"/>
+                  <a:ea typeface="+mn-ea"/>
+                  <a:cs typeface="+mn-cs"/>
+                </a:defRPr>
+              </a:lvl6pPr>
+              <a:lvl7pPr marL="1300000" indent="-228600" algn="l" defTabSz="914400" rtl="0" eaLnBrk="1" latinLnBrk="0" hangingPunct="1">
+                <a:lnSpc>
+                  <a:spcPct val="90000"/>
+                </a:lnSpc>
+                <a:spcBef>
+                  <a:spcPts val="200"/>
+                </a:spcBef>
+                <a:spcAft>
+                  <a:spcPts val="400"/>
+                </a:spcAft>
+                <a:buClr>
+                  <a:schemeClr val="accent1"/>
+                </a:buClr>
+                <a:buFont typeface="Calibri" pitchFamily="34" charset="0"/>
+                <a:buChar char="◦"/>
+                <a:defRPr sz="1400" kern="1200">
+                  <a:solidFill>
+                    <a:schemeClr val="tx1">
+                      <a:lumMod val="75000"/>
+                      <a:lumOff val="25000"/>
+                    </a:schemeClr>
+                  </a:solidFill>
+                  <a:latin typeface="+mn-lt"/>
+                  <a:ea typeface="+mn-ea"/>
+                  <a:cs typeface="+mn-cs"/>
+                </a:defRPr>
+              </a:lvl7pPr>
+              <a:lvl8pPr marL="1500000" indent="-228600" algn="l" defTabSz="914400" rtl="0" eaLnBrk="1" latinLnBrk="0" hangingPunct="1">
+                <a:lnSpc>
+                  <a:spcPct val="90000"/>
+                </a:lnSpc>
+                <a:spcBef>
+                  <a:spcPts val="200"/>
+                </a:spcBef>
+                <a:spcAft>
+                  <a:spcPts val="400"/>
+                </a:spcAft>
+                <a:buClr>
+                  <a:schemeClr val="accent1"/>
+                </a:buClr>
+                <a:buFont typeface="Calibri" pitchFamily="34" charset="0"/>
+                <a:buChar char="◦"/>
+                <a:defRPr sz="1400" kern="1200">
+                  <a:solidFill>
+                    <a:schemeClr val="tx1">
+                      <a:lumMod val="75000"/>
+                      <a:lumOff val="25000"/>
+                    </a:schemeClr>
+                  </a:solidFill>
+                  <a:latin typeface="+mn-lt"/>
+                  <a:ea typeface="+mn-ea"/>
+                  <a:cs typeface="+mn-cs"/>
+                </a:defRPr>
+              </a:lvl8pPr>
+              <a:lvl9pPr marL="1700000" indent="-228600" algn="l" defTabSz="914400" rtl="0" eaLnBrk="1" latinLnBrk="0" hangingPunct="1">
+                <a:lnSpc>
+                  <a:spcPct val="90000"/>
+                </a:lnSpc>
+                <a:spcBef>
+                  <a:spcPts val="200"/>
+                </a:spcBef>
+                <a:spcAft>
+                  <a:spcPts val="400"/>
+                </a:spcAft>
+                <a:buClr>
+                  <a:schemeClr val="accent1"/>
+                </a:buClr>
+                <a:buFont typeface="Calibri" pitchFamily="34" charset="0"/>
+                <a:buChar char="◦"/>
+                <a:defRPr sz="1400" kern="1200">
+                  <a:solidFill>
+                    <a:schemeClr val="tx1">
+                      <a:lumMod val="75000"/>
+                      <a:lumOff val="25000"/>
+                    </a:schemeClr>
+                  </a:solidFill>
+                  <a:latin typeface="+mn-lt"/>
+                  <a:ea typeface="+mn-ea"/>
+                  <a:cs typeface="+mn-cs"/>
+                </a:defRPr>
+              </a:lvl9pPr>
+            </a:lstStyle>
+            <a:p>
+              <a:r>
+                <a:rPr lang="en-CA" b="1" dirty="0" smtClean="0"/>
+                <a:t>Environment Type</a:t>
+              </a:r>
+            </a:p>
+            <a:p>
+              <a:pPr>
+                <a:buFont typeface="Wingdings" panose="05000000000000000000" pitchFamily="2" charset="2"/>
+                <a:buChar char="Ø"/>
+              </a:pPr>
+              <a:r>
+                <a:rPr lang="en-CA" sz="1500" b="1" dirty="0" smtClean="0"/>
+                <a:t>Rural</a:t>
+              </a:r>
+            </a:p>
+            <a:p>
+              <a:pPr>
+                <a:buFont typeface="Wingdings" panose="05000000000000000000" pitchFamily="2" charset="2"/>
+                <a:buChar char="Ø"/>
+              </a:pPr>
+              <a:r>
+                <a:rPr lang="en-CA" sz="1500" b="1" dirty="0" smtClean="0"/>
+                <a:t>Urban</a:t>
+              </a:r>
+              <a:endParaRPr lang="en-CA" sz="1500" b="1" dirty="0" smtClean="0"/>
+            </a:p>
+          </p:txBody>
+        </p:sp>
+        <p:sp>
+          <p:nvSpPr>
+            <p:cNvPr id="16" name="Content Placeholder 2"/>
+            <p:cNvSpPr txBox="1">
+              <a:spLocks/>
+            </p:cNvSpPr>
+            <p:nvPr/>
+          </p:nvSpPr>
+          <p:spPr>
+            <a:xfrm>
+              <a:off x="7329368" y="4103590"/>
+              <a:ext cx="2341379" cy="1550235"/>
+            </a:xfrm>
+            <a:prstGeom prst="rect">
+              <a:avLst/>
+            </a:prstGeom>
+          </p:spPr>
+          <p:txBody>
+            <a:bodyPr vert="horz" lIns="0" tIns="45720" rIns="0" bIns="45720" rtlCol="0">
+              <a:normAutofit/>
+            </a:bodyPr>
+            <a:lstStyle>
+              <a:lvl1pPr marL="91440" indent="-91440" algn="l" defTabSz="914400" rtl="0" eaLnBrk="1" latinLnBrk="0" hangingPunct="1">
+                <a:lnSpc>
+                  <a:spcPct val="90000"/>
+                </a:lnSpc>
+                <a:spcBef>
+                  <a:spcPts val="1200"/>
+                </a:spcBef>
+                <a:spcAft>
+                  <a:spcPts val="200"/>
+                </a:spcAft>
+                <a:buClr>
+                  <a:schemeClr val="accent1"/>
+                </a:buClr>
+                <a:buSzPct val="100000"/>
+                <a:buFont typeface="Calibri" panose="020F0502020204030204" pitchFamily="34" charset="0"/>
+                <a:buChar char=" "/>
+                <a:defRPr sz="2000" kern="1200">
+                  <a:solidFill>
+                    <a:schemeClr val="tx1">
+                      <a:lumMod val="75000"/>
+                      <a:lumOff val="25000"/>
+                    </a:schemeClr>
+                  </a:solidFill>
+                  <a:latin typeface="+mn-lt"/>
+                  <a:ea typeface="+mn-ea"/>
+                  <a:cs typeface="+mn-cs"/>
+                </a:defRPr>
+              </a:lvl1pPr>
+              <a:lvl2pPr marL="384048" indent="-182880" algn="l" defTabSz="914400" rtl="0" eaLnBrk="1" latinLnBrk="0" hangingPunct="1">
+                <a:lnSpc>
+                  <a:spcPct val="90000"/>
+                </a:lnSpc>
+                <a:spcBef>
+                  <a:spcPts val="200"/>
+                </a:spcBef>
+                <a:spcAft>
+                  <a:spcPts val="400"/>
+                </a:spcAft>
+                <a:buClr>
+                  <a:schemeClr val="accent1"/>
+                </a:buClr>
+                <a:buFont typeface="Calibri" pitchFamily="34" charset="0"/>
+                <a:buChar char="◦"/>
+                <a:defRPr sz="1800" kern="1200">
+                  <a:solidFill>
+                    <a:schemeClr val="tx1">
+                      <a:lumMod val="75000"/>
+                      <a:lumOff val="25000"/>
+                    </a:schemeClr>
+                  </a:solidFill>
+                  <a:latin typeface="+mn-lt"/>
+                  <a:ea typeface="+mn-ea"/>
+                  <a:cs typeface="+mn-cs"/>
+                </a:defRPr>
+              </a:lvl2pPr>
+              <a:lvl3pPr marL="566928" indent="-182880" algn="l" defTabSz="914400" rtl="0" eaLnBrk="1" latinLnBrk="0" hangingPunct="1">
+                <a:lnSpc>
+                  <a:spcPct val="90000"/>
+                </a:lnSpc>
+                <a:spcBef>
+                  <a:spcPts val="200"/>
+                </a:spcBef>
+                <a:spcAft>
+                  <a:spcPts val="400"/>
+                </a:spcAft>
+                <a:buClr>
+                  <a:schemeClr val="accent1"/>
+                </a:buClr>
+                <a:buFont typeface="Calibri" pitchFamily="34" charset="0"/>
+                <a:buChar char="◦"/>
+                <a:defRPr sz="1400" kern="1200">
+                  <a:solidFill>
+                    <a:schemeClr val="tx1">
+                      <a:lumMod val="75000"/>
+                      <a:lumOff val="25000"/>
+                    </a:schemeClr>
+                  </a:solidFill>
+                  <a:latin typeface="+mn-lt"/>
+                  <a:ea typeface="+mn-ea"/>
+                  <a:cs typeface="+mn-cs"/>
+                </a:defRPr>
+              </a:lvl3pPr>
+              <a:lvl4pPr marL="749808" indent="-182880" algn="l" defTabSz="914400" rtl="0" eaLnBrk="1" latinLnBrk="0" hangingPunct="1">
+                <a:lnSpc>
+                  <a:spcPct val="90000"/>
+                </a:lnSpc>
+                <a:spcBef>
+                  <a:spcPts val="200"/>
+                </a:spcBef>
+                <a:spcAft>
+                  <a:spcPts val="400"/>
+                </a:spcAft>
+                <a:buClr>
+                  <a:schemeClr val="accent1"/>
+                </a:buClr>
+                <a:buFont typeface="Calibri" pitchFamily="34" charset="0"/>
+                <a:buChar char="◦"/>
+                <a:defRPr sz="1400" kern="1200">
+                  <a:solidFill>
+                    <a:schemeClr val="tx1">
+                      <a:lumMod val="75000"/>
+                      <a:lumOff val="25000"/>
+                    </a:schemeClr>
+                  </a:solidFill>
+                  <a:latin typeface="+mn-lt"/>
+                  <a:ea typeface="+mn-ea"/>
+                  <a:cs typeface="+mn-cs"/>
+                </a:defRPr>
+              </a:lvl4pPr>
+              <a:lvl5pPr marL="932688" indent="-182880" algn="l" defTabSz="914400" rtl="0" eaLnBrk="1" latinLnBrk="0" hangingPunct="1">
+                <a:lnSpc>
+                  <a:spcPct val="90000"/>
+                </a:lnSpc>
+                <a:spcBef>
+                  <a:spcPts val="200"/>
+                </a:spcBef>
+                <a:spcAft>
+                  <a:spcPts val="400"/>
+                </a:spcAft>
+                <a:buClr>
+                  <a:schemeClr val="accent1"/>
+                </a:buClr>
+                <a:buFont typeface="Calibri" pitchFamily="34" charset="0"/>
+                <a:buChar char="◦"/>
+                <a:defRPr sz="1400" kern="1200">
+                  <a:solidFill>
+                    <a:schemeClr val="tx1">
+                      <a:lumMod val="75000"/>
+                      <a:lumOff val="25000"/>
+                    </a:schemeClr>
+                  </a:solidFill>
+                  <a:latin typeface="+mn-lt"/>
+                  <a:ea typeface="+mn-ea"/>
+                  <a:cs typeface="+mn-cs"/>
+                </a:defRPr>
+              </a:lvl5pPr>
+              <a:lvl6pPr marL="1100000" indent="-228600" algn="l" defTabSz="914400" rtl="0" eaLnBrk="1" latinLnBrk="0" hangingPunct="1">
+                <a:lnSpc>
+                  <a:spcPct val="90000"/>
+                </a:lnSpc>
+                <a:spcBef>
+                  <a:spcPts val="200"/>
+                </a:spcBef>
+                <a:spcAft>
+                  <a:spcPts val="400"/>
+                </a:spcAft>
+                <a:buClr>
+                  <a:schemeClr val="accent1"/>
+                </a:buClr>
+                <a:buFont typeface="Calibri" pitchFamily="34" charset="0"/>
+                <a:buChar char="◦"/>
+                <a:defRPr sz="1400" kern="1200">
+                  <a:solidFill>
+                    <a:schemeClr val="tx1">
+                      <a:lumMod val="75000"/>
+                      <a:lumOff val="25000"/>
+                    </a:schemeClr>
+                  </a:solidFill>
+                  <a:latin typeface="+mn-lt"/>
+                  <a:ea typeface="+mn-ea"/>
+                  <a:cs typeface="+mn-cs"/>
+                </a:defRPr>
+              </a:lvl6pPr>
+              <a:lvl7pPr marL="1300000" indent="-228600" algn="l" defTabSz="914400" rtl="0" eaLnBrk="1" latinLnBrk="0" hangingPunct="1">
+                <a:lnSpc>
+                  <a:spcPct val="90000"/>
+                </a:lnSpc>
+                <a:spcBef>
+                  <a:spcPts val="200"/>
+                </a:spcBef>
+                <a:spcAft>
+                  <a:spcPts val="400"/>
+                </a:spcAft>
+                <a:buClr>
+                  <a:schemeClr val="accent1"/>
+                </a:buClr>
+                <a:buFont typeface="Calibri" pitchFamily="34" charset="0"/>
+                <a:buChar char="◦"/>
+                <a:defRPr sz="1400" kern="1200">
+                  <a:solidFill>
+                    <a:schemeClr val="tx1">
+                      <a:lumMod val="75000"/>
+                      <a:lumOff val="25000"/>
+                    </a:schemeClr>
+                  </a:solidFill>
+                  <a:latin typeface="+mn-lt"/>
+                  <a:ea typeface="+mn-ea"/>
+                  <a:cs typeface="+mn-cs"/>
+                </a:defRPr>
+              </a:lvl7pPr>
+              <a:lvl8pPr marL="1500000" indent="-228600" algn="l" defTabSz="914400" rtl="0" eaLnBrk="1" latinLnBrk="0" hangingPunct="1">
+                <a:lnSpc>
+                  <a:spcPct val="90000"/>
+                </a:lnSpc>
+                <a:spcBef>
+                  <a:spcPts val="200"/>
+                </a:spcBef>
+                <a:spcAft>
+                  <a:spcPts val="400"/>
+                </a:spcAft>
+                <a:buClr>
+                  <a:schemeClr val="accent1"/>
+                </a:buClr>
+                <a:buFont typeface="Calibri" pitchFamily="34" charset="0"/>
+                <a:buChar char="◦"/>
+                <a:defRPr sz="1400" kern="1200">
+                  <a:solidFill>
+                    <a:schemeClr val="tx1">
+                      <a:lumMod val="75000"/>
+                      <a:lumOff val="25000"/>
+                    </a:schemeClr>
+                  </a:solidFill>
+                  <a:latin typeface="+mn-lt"/>
+                  <a:ea typeface="+mn-ea"/>
+                  <a:cs typeface="+mn-cs"/>
+                </a:defRPr>
+              </a:lvl8pPr>
+              <a:lvl9pPr marL="1700000" indent="-228600" algn="l" defTabSz="914400" rtl="0" eaLnBrk="1" latinLnBrk="0" hangingPunct="1">
+                <a:lnSpc>
+                  <a:spcPct val="90000"/>
+                </a:lnSpc>
+                <a:spcBef>
+                  <a:spcPts val="200"/>
+                </a:spcBef>
+                <a:spcAft>
+                  <a:spcPts val="400"/>
+                </a:spcAft>
+                <a:buClr>
+                  <a:schemeClr val="accent1"/>
+                </a:buClr>
+                <a:buFont typeface="Calibri" pitchFamily="34" charset="0"/>
+                <a:buChar char="◦"/>
+                <a:defRPr sz="1400" kern="1200">
+                  <a:solidFill>
+                    <a:schemeClr val="tx1">
+                      <a:lumMod val="75000"/>
+                      <a:lumOff val="25000"/>
+                    </a:schemeClr>
+                  </a:solidFill>
+                  <a:latin typeface="+mn-lt"/>
+                  <a:ea typeface="+mn-ea"/>
+                  <a:cs typeface="+mn-cs"/>
+                </a:defRPr>
+              </a:lvl9pPr>
+            </a:lstStyle>
+            <a:p>
+              <a:r>
+                <a:rPr lang="en-CA" b="1" dirty="0" smtClean="0"/>
+                <a:t>Reward Type</a:t>
+              </a:r>
+            </a:p>
+            <a:p>
+              <a:pPr>
+                <a:buFont typeface="Wingdings" panose="05000000000000000000" pitchFamily="2" charset="2"/>
+                <a:buChar char="Ø"/>
+              </a:pPr>
+              <a:r>
+                <a:rPr lang="en-CA" sz="1500" b="1" dirty="0" smtClean="0"/>
+                <a:t>Food</a:t>
+              </a:r>
+            </a:p>
+            <a:p>
+              <a:pPr>
+                <a:buFont typeface="Wingdings" panose="05000000000000000000" pitchFamily="2" charset="2"/>
+                <a:buChar char="Ø"/>
+              </a:pPr>
+              <a:r>
+                <a:rPr lang="en-CA" sz="1500" b="1" dirty="0" smtClean="0"/>
+                <a:t>Water</a:t>
+              </a:r>
+            </a:p>
+            <a:p>
+              <a:pPr>
+                <a:buFont typeface="Wingdings" panose="05000000000000000000" pitchFamily="2" charset="2"/>
+                <a:buChar char="Ø"/>
+              </a:pPr>
+              <a:r>
+                <a:rPr lang="en-CA" sz="1500" b="1" dirty="0" smtClean="0"/>
+                <a:t>Money</a:t>
+              </a:r>
+              <a:endParaRPr lang="en-CA" sz="1500" b="1" dirty="0" smtClean="0"/>
+            </a:p>
+          </p:txBody>
+        </p:sp>
+      </p:grpSp>
+    </p:spTree>
+    <p:extLst>
+      <p:ext uri="{BB962C8B-B14F-4D97-AF65-F5344CB8AC3E}">
+        <p14:creationId xmlns:p14="http://schemas.microsoft.com/office/powerpoint/2010/main" val="657147910"/>
       </p:ext>
     </p:extLst>
   </p:cSld>

--- a/PsychHack2019_Team SEWZ.pptx
+++ b/PsychHack2019_Team SEWZ.pptx
@@ -11,6 +11,7 @@
     <p:sldId id="258" r:id="rId5"/>
     <p:sldId id="259" r:id="rId6"/>
     <p:sldId id="260" r:id="rId7"/>
+    <p:sldId id="261" r:id="rId8"/>
   </p:sldIdLst>
   <p:sldSz cx="12192000" cy="6858000"/>
   <p:notesSz cx="6858000" cy="9144000"/>
@@ -6838,9 +6839,281 @@
           </a:p>
         </p:txBody>
       </p:sp>
-      <p:sp>
-        <p:nvSpPr>
-          <p:cNvPr id="3" name="Content Placeholder 2"/>
+      <p:grpSp>
+        <p:nvGrpSpPr>
+          <p:cNvPr id="13" name="Group 12"/>
+          <p:cNvGrpSpPr/>
+          <p:nvPr/>
+        </p:nvGrpSpPr>
+        <p:grpSpPr>
+          <a:xfrm>
+            <a:off x="1692045" y="1955587"/>
+            <a:ext cx="7662491" cy="4307190"/>
+            <a:chOff x="1692045" y="1955587"/>
+            <a:chExt cx="7662491" cy="4307190"/>
+          </a:xfrm>
+        </p:grpSpPr>
+        <p:pic>
+          <p:nvPicPr>
+            <p:cNvPr id="4" name="Picture 3">
+              <a:extLst>
+                <a:ext uri="{FF2B5EF4-FFF2-40B4-BE49-F238E27FC236}">
+                  <a16:creationId xmlns:a16="http://schemas.microsoft.com/office/drawing/2014/main" xmlns="" id="{8E3A57CE-A553-0945-98E0-12BD5023BC1B}"/>
+                </a:ext>
+              </a:extLst>
+            </p:cNvPr>
+            <p:cNvPicPr>
+              <a:picLocks noChangeAspect="1"/>
+            </p:cNvPicPr>
+            <p:nvPr/>
+          </p:nvPicPr>
+          <p:blipFill>
+            <a:blip r:embed="rId2"/>
+            <a:stretch>
+              <a:fillRect/>
+            </a:stretch>
+          </p:blipFill>
+          <p:spPr>
+            <a:xfrm>
+              <a:off x="1692045" y="2404590"/>
+              <a:ext cx="7662491" cy="3858187"/>
+            </a:xfrm>
+            <a:prstGeom prst="rect">
+              <a:avLst/>
+            </a:prstGeom>
+            <a:ln w="12700" cap="sq">
+              <a:solidFill>
+                <a:srgbClr val="000000"/>
+              </a:solidFill>
+              <a:prstDash val="solid"/>
+              <a:miter lim="800000"/>
+            </a:ln>
+            <a:effectLst>
+              <a:outerShdw blurRad="50800" dist="38100" dir="2700000" algn="tl" rotWithShape="0">
+                <a:srgbClr val="000000">
+                  <a:alpha val="43000"/>
+                </a:srgbClr>
+              </a:outerShdw>
+            </a:effectLst>
+          </p:spPr>
+        </p:pic>
+        <p:sp>
+          <p:nvSpPr>
+            <p:cNvPr id="5" name="TextBox 4">
+              <a:extLst>
+                <a:ext uri="{FF2B5EF4-FFF2-40B4-BE49-F238E27FC236}">
+                  <a16:creationId xmlns:a16="http://schemas.microsoft.com/office/drawing/2014/main" xmlns="" id="{7268B01F-31A2-214C-A7BE-4C5B77D81F71}"/>
+                </a:ext>
+              </a:extLst>
+            </p:cNvPr>
+            <p:cNvSpPr txBox="1"/>
+            <p:nvPr/>
+          </p:nvSpPr>
+          <p:spPr>
+            <a:xfrm>
+              <a:off x="2604691" y="1972204"/>
+              <a:ext cx="406826" cy="369332"/>
+            </a:xfrm>
+            <a:prstGeom prst="rect">
+              <a:avLst/>
+            </a:prstGeom>
+            <a:ln>
+              <a:solidFill>
+                <a:srgbClr val="FF0000"/>
+              </a:solidFill>
+            </a:ln>
+          </p:spPr>
+          <p:style>
+            <a:lnRef idx="2">
+              <a:schemeClr val="accent2"/>
+            </a:lnRef>
+            <a:fillRef idx="1">
+              <a:schemeClr val="lt1"/>
+            </a:fillRef>
+            <a:effectRef idx="0">
+              <a:schemeClr val="accent2"/>
+            </a:effectRef>
+            <a:fontRef idx="minor">
+              <a:schemeClr val="dk1"/>
+            </a:fontRef>
+          </p:style>
+          <p:txBody>
+            <a:bodyPr wrap="square" rtlCol="0">
+              <a:spAutoFit/>
+            </a:bodyPr>
+            <a:lstStyle/>
+            <a:p>
+              <a:r>
+                <a:rPr lang="en-US" dirty="0">
+                  <a:solidFill>
+                    <a:srgbClr val="FF0000"/>
+                  </a:solidFill>
+                </a:rPr>
+                <a:t>1</a:t>
+              </a:r>
+            </a:p>
+          </p:txBody>
+        </p:sp>
+        <p:sp>
+          <p:nvSpPr>
+            <p:cNvPr id="6" name="TextBox 5">
+              <a:extLst>
+                <a:ext uri="{FF2B5EF4-FFF2-40B4-BE49-F238E27FC236}">
+                  <a16:creationId xmlns:a16="http://schemas.microsoft.com/office/drawing/2014/main" xmlns="" id="{2AAEDD26-7560-D546-AF4B-C4656FE379D4}"/>
+                </a:ext>
+              </a:extLst>
+            </p:cNvPr>
+            <p:cNvSpPr txBox="1"/>
+            <p:nvPr/>
+          </p:nvSpPr>
+          <p:spPr>
+            <a:xfrm>
+              <a:off x="5116464" y="1955587"/>
+              <a:ext cx="406826" cy="369332"/>
+            </a:xfrm>
+            <a:prstGeom prst="rect">
+              <a:avLst/>
+            </a:prstGeom>
+            <a:ln>
+              <a:solidFill>
+                <a:srgbClr val="FF0000"/>
+              </a:solidFill>
+            </a:ln>
+          </p:spPr>
+          <p:style>
+            <a:lnRef idx="2">
+              <a:schemeClr val="accent2"/>
+            </a:lnRef>
+            <a:fillRef idx="1">
+              <a:schemeClr val="lt1"/>
+            </a:fillRef>
+            <a:effectRef idx="0">
+              <a:schemeClr val="accent2"/>
+            </a:effectRef>
+            <a:fontRef idx="minor">
+              <a:schemeClr val="dk1"/>
+            </a:fontRef>
+          </p:style>
+          <p:txBody>
+            <a:bodyPr wrap="square" rtlCol="0">
+              <a:spAutoFit/>
+            </a:bodyPr>
+            <a:lstStyle/>
+            <a:p>
+              <a:r>
+                <a:rPr lang="en-US" dirty="0">
+                  <a:solidFill>
+                    <a:srgbClr val="FF0000"/>
+                  </a:solidFill>
+                </a:rPr>
+                <a:t>2</a:t>
+              </a:r>
+            </a:p>
+          </p:txBody>
+        </p:sp>
+        <p:sp>
+          <p:nvSpPr>
+            <p:cNvPr id="7" name="TextBox 6">
+              <a:extLst>
+                <a:ext uri="{FF2B5EF4-FFF2-40B4-BE49-F238E27FC236}">
+                  <a16:creationId xmlns:a16="http://schemas.microsoft.com/office/drawing/2014/main" xmlns="" id="{A7366EFE-68B9-104B-8AFA-6DD131E1B0BA}"/>
+                </a:ext>
+              </a:extLst>
+            </p:cNvPr>
+            <p:cNvSpPr txBox="1"/>
+            <p:nvPr/>
+          </p:nvSpPr>
+          <p:spPr>
+            <a:xfrm>
+              <a:off x="7831650" y="1972204"/>
+              <a:ext cx="406826" cy="369332"/>
+            </a:xfrm>
+            <a:prstGeom prst="rect">
+              <a:avLst/>
+            </a:prstGeom>
+            <a:ln>
+              <a:solidFill>
+                <a:srgbClr val="FF0000"/>
+              </a:solidFill>
+            </a:ln>
+          </p:spPr>
+          <p:style>
+            <a:lnRef idx="2">
+              <a:schemeClr val="accent2"/>
+            </a:lnRef>
+            <a:fillRef idx="1">
+              <a:schemeClr val="lt1"/>
+            </a:fillRef>
+            <a:effectRef idx="0">
+              <a:schemeClr val="accent2"/>
+            </a:effectRef>
+            <a:fontRef idx="minor">
+              <a:schemeClr val="dk1"/>
+            </a:fontRef>
+          </p:style>
+          <p:txBody>
+            <a:bodyPr wrap="square" rtlCol="0">
+              <a:spAutoFit/>
+            </a:bodyPr>
+            <a:lstStyle/>
+            <a:p>
+              <a:r>
+                <a:rPr lang="en-US" dirty="0">
+                  <a:solidFill>
+                    <a:srgbClr val="FF0000"/>
+                  </a:solidFill>
+                </a:rPr>
+                <a:t>3</a:t>
+              </a:r>
+            </a:p>
+          </p:txBody>
+        </p:sp>
+      </p:grpSp>
+      <p:sp>
+        <p:nvSpPr>
+          <p:cNvPr id="9" name="Rectangle 8"/>
+          <p:cNvSpPr/>
+          <p:nvPr/>
+        </p:nvSpPr>
+        <p:spPr>
+          <a:xfrm>
+            <a:off x="4088917" y="1903827"/>
+            <a:ext cx="5400136" cy="4445213"/>
+          </a:xfrm>
+          <a:prstGeom prst="rect">
+            <a:avLst/>
+          </a:prstGeom>
+          <a:noFill/>
+          <a:ln w="76200"/>
+        </p:spPr>
+        <p:style>
+          <a:lnRef idx="2">
+            <a:schemeClr val="accent1">
+              <a:shade val="50000"/>
+            </a:schemeClr>
+          </a:lnRef>
+          <a:fillRef idx="1">
+            <a:schemeClr val="accent1"/>
+          </a:fillRef>
+          <a:effectRef idx="0">
+            <a:schemeClr val="accent1"/>
+          </a:effectRef>
+          <a:fontRef idx="minor">
+            <a:schemeClr val="lt1"/>
+          </a:fontRef>
+        </p:style>
+        <p:txBody>
+          <a:bodyPr rtlCol="0" anchor="ctr"/>
+          <a:lstStyle/>
+          <a:p>
+            <a:pPr algn="ctr"/>
+            <a:endParaRPr lang="en-CA"/>
+          </a:p>
+        </p:txBody>
+      </p:sp>
+      <p:sp>
+        <p:nvSpPr>
+          <p:cNvPr id="10" name="Content Placeholder 2"/>
           <p:cNvSpPr>
             <a:spLocks noGrp="1"/>
           </p:cNvSpPr>
@@ -6848,12 +7121,625 @@
             <p:ph idx="1"/>
           </p:nvPr>
         </p:nvSpPr>
-        <p:spPr/>
-        <p:txBody>
-          <a:bodyPr/>
+        <p:spPr>
+          <a:xfrm>
+            <a:off x="9759346" y="5175530"/>
+            <a:ext cx="2262355" cy="1087247"/>
+          </a:xfrm>
+        </p:spPr>
+        <p:txBody>
+          <a:bodyPr>
+            <a:normAutofit/>
+          </a:bodyPr>
           <a:lstStyle/>
           <a:p>
-            <a:endParaRPr lang="en-CA"/>
+            <a:pPr algn="ctr"/>
+            <a:r>
+              <a:rPr lang="en-CA" b="1" dirty="0" smtClean="0"/>
+              <a:t>Analyses only based on invisible trials</a:t>
+            </a:r>
+          </a:p>
+        </p:txBody>
+      </p:sp>
+      <p:sp>
+        <p:nvSpPr>
+          <p:cNvPr id="11" name="Content Placeholder 2"/>
+          <p:cNvSpPr txBox="1">
+            <a:spLocks/>
+          </p:cNvSpPr>
+          <p:nvPr/>
+        </p:nvSpPr>
+        <p:spPr>
+          <a:xfrm>
+            <a:off x="9850621" y="2156870"/>
+            <a:ext cx="2341379" cy="1352520"/>
+          </a:xfrm>
+          <a:prstGeom prst="rect">
+            <a:avLst/>
+          </a:prstGeom>
+        </p:spPr>
+        <p:txBody>
+          <a:bodyPr vert="horz" lIns="0" tIns="45720" rIns="0" bIns="45720" rtlCol="0">
+            <a:normAutofit/>
+          </a:bodyPr>
+          <a:lstStyle>
+            <a:lvl1pPr marL="91440" indent="-91440" algn="l" defTabSz="914400" rtl="0" eaLnBrk="1" latinLnBrk="0" hangingPunct="1">
+              <a:lnSpc>
+                <a:spcPct val="90000"/>
+              </a:lnSpc>
+              <a:spcBef>
+                <a:spcPts val="1200"/>
+              </a:spcBef>
+              <a:spcAft>
+                <a:spcPts val="200"/>
+              </a:spcAft>
+              <a:buClr>
+                <a:schemeClr val="accent1"/>
+              </a:buClr>
+              <a:buSzPct val="100000"/>
+              <a:buFont typeface="Calibri" panose="020F0502020204030204" pitchFamily="34" charset="0"/>
+              <a:buChar char=" "/>
+              <a:defRPr sz="2000" kern="1200">
+                <a:solidFill>
+                  <a:schemeClr val="tx1">
+                    <a:lumMod val="75000"/>
+                    <a:lumOff val="25000"/>
+                  </a:schemeClr>
+                </a:solidFill>
+                <a:latin typeface="+mn-lt"/>
+                <a:ea typeface="+mn-ea"/>
+                <a:cs typeface="+mn-cs"/>
+              </a:defRPr>
+            </a:lvl1pPr>
+            <a:lvl2pPr marL="384048" indent="-182880" algn="l" defTabSz="914400" rtl="0" eaLnBrk="1" latinLnBrk="0" hangingPunct="1">
+              <a:lnSpc>
+                <a:spcPct val="90000"/>
+              </a:lnSpc>
+              <a:spcBef>
+                <a:spcPts val="200"/>
+              </a:spcBef>
+              <a:spcAft>
+                <a:spcPts val="400"/>
+              </a:spcAft>
+              <a:buClr>
+                <a:schemeClr val="accent1"/>
+              </a:buClr>
+              <a:buFont typeface="Calibri" pitchFamily="34" charset="0"/>
+              <a:buChar char="◦"/>
+              <a:defRPr sz="1800" kern="1200">
+                <a:solidFill>
+                  <a:schemeClr val="tx1">
+                    <a:lumMod val="75000"/>
+                    <a:lumOff val="25000"/>
+                  </a:schemeClr>
+                </a:solidFill>
+                <a:latin typeface="+mn-lt"/>
+                <a:ea typeface="+mn-ea"/>
+                <a:cs typeface="+mn-cs"/>
+              </a:defRPr>
+            </a:lvl2pPr>
+            <a:lvl3pPr marL="566928" indent="-182880" algn="l" defTabSz="914400" rtl="0" eaLnBrk="1" latinLnBrk="0" hangingPunct="1">
+              <a:lnSpc>
+                <a:spcPct val="90000"/>
+              </a:lnSpc>
+              <a:spcBef>
+                <a:spcPts val="200"/>
+              </a:spcBef>
+              <a:spcAft>
+                <a:spcPts val="400"/>
+              </a:spcAft>
+              <a:buClr>
+                <a:schemeClr val="accent1"/>
+              </a:buClr>
+              <a:buFont typeface="Calibri" pitchFamily="34" charset="0"/>
+              <a:buChar char="◦"/>
+              <a:defRPr sz="1400" kern="1200">
+                <a:solidFill>
+                  <a:schemeClr val="tx1">
+                    <a:lumMod val="75000"/>
+                    <a:lumOff val="25000"/>
+                  </a:schemeClr>
+                </a:solidFill>
+                <a:latin typeface="+mn-lt"/>
+                <a:ea typeface="+mn-ea"/>
+                <a:cs typeface="+mn-cs"/>
+              </a:defRPr>
+            </a:lvl3pPr>
+            <a:lvl4pPr marL="749808" indent="-182880" algn="l" defTabSz="914400" rtl="0" eaLnBrk="1" latinLnBrk="0" hangingPunct="1">
+              <a:lnSpc>
+                <a:spcPct val="90000"/>
+              </a:lnSpc>
+              <a:spcBef>
+                <a:spcPts val="200"/>
+              </a:spcBef>
+              <a:spcAft>
+                <a:spcPts val="400"/>
+              </a:spcAft>
+              <a:buClr>
+                <a:schemeClr val="accent1"/>
+              </a:buClr>
+              <a:buFont typeface="Calibri" pitchFamily="34" charset="0"/>
+              <a:buChar char="◦"/>
+              <a:defRPr sz="1400" kern="1200">
+                <a:solidFill>
+                  <a:schemeClr val="tx1">
+                    <a:lumMod val="75000"/>
+                    <a:lumOff val="25000"/>
+                  </a:schemeClr>
+                </a:solidFill>
+                <a:latin typeface="+mn-lt"/>
+                <a:ea typeface="+mn-ea"/>
+                <a:cs typeface="+mn-cs"/>
+              </a:defRPr>
+            </a:lvl4pPr>
+            <a:lvl5pPr marL="932688" indent="-182880" algn="l" defTabSz="914400" rtl="0" eaLnBrk="1" latinLnBrk="0" hangingPunct="1">
+              <a:lnSpc>
+                <a:spcPct val="90000"/>
+              </a:lnSpc>
+              <a:spcBef>
+                <a:spcPts val="200"/>
+              </a:spcBef>
+              <a:spcAft>
+                <a:spcPts val="400"/>
+              </a:spcAft>
+              <a:buClr>
+                <a:schemeClr val="accent1"/>
+              </a:buClr>
+              <a:buFont typeface="Calibri" pitchFamily="34" charset="0"/>
+              <a:buChar char="◦"/>
+              <a:defRPr sz="1400" kern="1200">
+                <a:solidFill>
+                  <a:schemeClr val="tx1">
+                    <a:lumMod val="75000"/>
+                    <a:lumOff val="25000"/>
+                  </a:schemeClr>
+                </a:solidFill>
+                <a:latin typeface="+mn-lt"/>
+                <a:ea typeface="+mn-ea"/>
+                <a:cs typeface="+mn-cs"/>
+              </a:defRPr>
+            </a:lvl5pPr>
+            <a:lvl6pPr marL="1100000" indent="-228600" algn="l" defTabSz="914400" rtl="0" eaLnBrk="1" latinLnBrk="0" hangingPunct="1">
+              <a:lnSpc>
+                <a:spcPct val="90000"/>
+              </a:lnSpc>
+              <a:spcBef>
+                <a:spcPts val="200"/>
+              </a:spcBef>
+              <a:spcAft>
+                <a:spcPts val="400"/>
+              </a:spcAft>
+              <a:buClr>
+                <a:schemeClr val="accent1"/>
+              </a:buClr>
+              <a:buFont typeface="Calibri" pitchFamily="34" charset="0"/>
+              <a:buChar char="◦"/>
+              <a:defRPr sz="1400" kern="1200">
+                <a:solidFill>
+                  <a:schemeClr val="tx1">
+                    <a:lumMod val="75000"/>
+                    <a:lumOff val="25000"/>
+                  </a:schemeClr>
+                </a:solidFill>
+                <a:latin typeface="+mn-lt"/>
+                <a:ea typeface="+mn-ea"/>
+                <a:cs typeface="+mn-cs"/>
+              </a:defRPr>
+            </a:lvl6pPr>
+            <a:lvl7pPr marL="1300000" indent="-228600" algn="l" defTabSz="914400" rtl="0" eaLnBrk="1" latinLnBrk="0" hangingPunct="1">
+              <a:lnSpc>
+                <a:spcPct val="90000"/>
+              </a:lnSpc>
+              <a:spcBef>
+                <a:spcPts val="200"/>
+              </a:spcBef>
+              <a:spcAft>
+                <a:spcPts val="400"/>
+              </a:spcAft>
+              <a:buClr>
+                <a:schemeClr val="accent1"/>
+              </a:buClr>
+              <a:buFont typeface="Calibri" pitchFamily="34" charset="0"/>
+              <a:buChar char="◦"/>
+              <a:defRPr sz="1400" kern="1200">
+                <a:solidFill>
+                  <a:schemeClr val="tx1">
+                    <a:lumMod val="75000"/>
+                    <a:lumOff val="25000"/>
+                  </a:schemeClr>
+                </a:solidFill>
+                <a:latin typeface="+mn-lt"/>
+                <a:ea typeface="+mn-ea"/>
+                <a:cs typeface="+mn-cs"/>
+              </a:defRPr>
+            </a:lvl7pPr>
+            <a:lvl8pPr marL="1500000" indent="-228600" algn="l" defTabSz="914400" rtl="0" eaLnBrk="1" latinLnBrk="0" hangingPunct="1">
+              <a:lnSpc>
+                <a:spcPct val="90000"/>
+              </a:lnSpc>
+              <a:spcBef>
+                <a:spcPts val="200"/>
+              </a:spcBef>
+              <a:spcAft>
+                <a:spcPts val="400"/>
+              </a:spcAft>
+              <a:buClr>
+                <a:schemeClr val="accent1"/>
+              </a:buClr>
+              <a:buFont typeface="Calibri" pitchFamily="34" charset="0"/>
+              <a:buChar char="◦"/>
+              <a:defRPr sz="1400" kern="1200">
+                <a:solidFill>
+                  <a:schemeClr val="tx1">
+                    <a:lumMod val="75000"/>
+                    <a:lumOff val="25000"/>
+                  </a:schemeClr>
+                </a:solidFill>
+                <a:latin typeface="+mn-lt"/>
+                <a:ea typeface="+mn-ea"/>
+                <a:cs typeface="+mn-cs"/>
+              </a:defRPr>
+            </a:lvl8pPr>
+            <a:lvl9pPr marL="1700000" indent="-228600" algn="l" defTabSz="914400" rtl="0" eaLnBrk="1" latinLnBrk="0" hangingPunct="1">
+              <a:lnSpc>
+                <a:spcPct val="90000"/>
+              </a:lnSpc>
+              <a:spcBef>
+                <a:spcPts val="200"/>
+              </a:spcBef>
+              <a:spcAft>
+                <a:spcPts val="400"/>
+              </a:spcAft>
+              <a:buClr>
+                <a:schemeClr val="accent1"/>
+              </a:buClr>
+              <a:buFont typeface="Calibri" pitchFamily="34" charset="0"/>
+              <a:buChar char="◦"/>
+              <a:defRPr sz="1400" kern="1200">
+                <a:solidFill>
+                  <a:schemeClr val="tx1">
+                    <a:lumMod val="75000"/>
+                    <a:lumOff val="25000"/>
+                  </a:schemeClr>
+                </a:solidFill>
+                <a:latin typeface="+mn-lt"/>
+                <a:ea typeface="+mn-ea"/>
+                <a:cs typeface="+mn-cs"/>
+              </a:defRPr>
+            </a:lvl9pPr>
+          </a:lstStyle>
+          <a:p>
+            <a:r>
+              <a:rPr lang="en-CA" b="1" dirty="0" smtClean="0"/>
+              <a:t>Environment</a:t>
+            </a:r>
+          </a:p>
+          <a:p>
+            <a:pPr>
+              <a:buFont typeface="Wingdings" panose="05000000000000000000" pitchFamily="2" charset="2"/>
+              <a:buChar char="Ø"/>
+            </a:pPr>
+            <a:r>
+              <a:rPr lang="en-CA" sz="1500" b="1" dirty="0" smtClean="0"/>
+              <a:t>Rural</a:t>
+            </a:r>
+          </a:p>
+          <a:p>
+            <a:pPr>
+              <a:buFont typeface="Wingdings" panose="05000000000000000000" pitchFamily="2" charset="2"/>
+              <a:buChar char="Ø"/>
+            </a:pPr>
+            <a:r>
+              <a:rPr lang="en-CA" sz="1500" b="1" dirty="0" smtClean="0"/>
+              <a:t>Urban</a:t>
+            </a:r>
+            <a:endParaRPr lang="en-CA" sz="1500" b="1" dirty="0" smtClean="0"/>
+          </a:p>
+        </p:txBody>
+      </p:sp>
+      <p:sp>
+        <p:nvSpPr>
+          <p:cNvPr id="12" name="Content Placeholder 2"/>
+          <p:cNvSpPr txBox="1">
+            <a:spLocks/>
+          </p:cNvSpPr>
+          <p:nvPr/>
+        </p:nvSpPr>
+        <p:spPr>
+          <a:xfrm>
+            <a:off x="9850620" y="3334062"/>
+            <a:ext cx="2341379" cy="1550235"/>
+          </a:xfrm>
+          <a:prstGeom prst="rect">
+            <a:avLst/>
+          </a:prstGeom>
+        </p:spPr>
+        <p:txBody>
+          <a:bodyPr vert="horz" lIns="0" tIns="45720" rIns="0" bIns="45720" rtlCol="0">
+            <a:normAutofit/>
+          </a:bodyPr>
+          <a:lstStyle>
+            <a:lvl1pPr marL="91440" indent="-91440" algn="l" defTabSz="914400" rtl="0" eaLnBrk="1" latinLnBrk="0" hangingPunct="1">
+              <a:lnSpc>
+                <a:spcPct val="90000"/>
+              </a:lnSpc>
+              <a:spcBef>
+                <a:spcPts val="1200"/>
+              </a:spcBef>
+              <a:spcAft>
+                <a:spcPts val="200"/>
+              </a:spcAft>
+              <a:buClr>
+                <a:schemeClr val="accent1"/>
+              </a:buClr>
+              <a:buSzPct val="100000"/>
+              <a:buFont typeface="Calibri" panose="020F0502020204030204" pitchFamily="34" charset="0"/>
+              <a:buChar char=" "/>
+              <a:defRPr sz="2000" kern="1200">
+                <a:solidFill>
+                  <a:schemeClr val="tx1">
+                    <a:lumMod val="75000"/>
+                    <a:lumOff val="25000"/>
+                  </a:schemeClr>
+                </a:solidFill>
+                <a:latin typeface="+mn-lt"/>
+                <a:ea typeface="+mn-ea"/>
+                <a:cs typeface="+mn-cs"/>
+              </a:defRPr>
+            </a:lvl1pPr>
+            <a:lvl2pPr marL="384048" indent="-182880" algn="l" defTabSz="914400" rtl="0" eaLnBrk="1" latinLnBrk="0" hangingPunct="1">
+              <a:lnSpc>
+                <a:spcPct val="90000"/>
+              </a:lnSpc>
+              <a:spcBef>
+                <a:spcPts val="200"/>
+              </a:spcBef>
+              <a:spcAft>
+                <a:spcPts val="400"/>
+              </a:spcAft>
+              <a:buClr>
+                <a:schemeClr val="accent1"/>
+              </a:buClr>
+              <a:buFont typeface="Calibri" pitchFamily="34" charset="0"/>
+              <a:buChar char="◦"/>
+              <a:defRPr sz="1800" kern="1200">
+                <a:solidFill>
+                  <a:schemeClr val="tx1">
+                    <a:lumMod val="75000"/>
+                    <a:lumOff val="25000"/>
+                  </a:schemeClr>
+                </a:solidFill>
+                <a:latin typeface="+mn-lt"/>
+                <a:ea typeface="+mn-ea"/>
+                <a:cs typeface="+mn-cs"/>
+              </a:defRPr>
+            </a:lvl2pPr>
+            <a:lvl3pPr marL="566928" indent="-182880" algn="l" defTabSz="914400" rtl="0" eaLnBrk="1" latinLnBrk="0" hangingPunct="1">
+              <a:lnSpc>
+                <a:spcPct val="90000"/>
+              </a:lnSpc>
+              <a:spcBef>
+                <a:spcPts val="200"/>
+              </a:spcBef>
+              <a:spcAft>
+                <a:spcPts val="400"/>
+              </a:spcAft>
+              <a:buClr>
+                <a:schemeClr val="accent1"/>
+              </a:buClr>
+              <a:buFont typeface="Calibri" pitchFamily="34" charset="0"/>
+              <a:buChar char="◦"/>
+              <a:defRPr sz="1400" kern="1200">
+                <a:solidFill>
+                  <a:schemeClr val="tx1">
+                    <a:lumMod val="75000"/>
+                    <a:lumOff val="25000"/>
+                  </a:schemeClr>
+                </a:solidFill>
+                <a:latin typeface="+mn-lt"/>
+                <a:ea typeface="+mn-ea"/>
+                <a:cs typeface="+mn-cs"/>
+              </a:defRPr>
+            </a:lvl3pPr>
+            <a:lvl4pPr marL="749808" indent="-182880" algn="l" defTabSz="914400" rtl="0" eaLnBrk="1" latinLnBrk="0" hangingPunct="1">
+              <a:lnSpc>
+                <a:spcPct val="90000"/>
+              </a:lnSpc>
+              <a:spcBef>
+                <a:spcPts val="200"/>
+              </a:spcBef>
+              <a:spcAft>
+                <a:spcPts val="400"/>
+              </a:spcAft>
+              <a:buClr>
+                <a:schemeClr val="accent1"/>
+              </a:buClr>
+              <a:buFont typeface="Calibri" pitchFamily="34" charset="0"/>
+              <a:buChar char="◦"/>
+              <a:defRPr sz="1400" kern="1200">
+                <a:solidFill>
+                  <a:schemeClr val="tx1">
+                    <a:lumMod val="75000"/>
+                    <a:lumOff val="25000"/>
+                  </a:schemeClr>
+                </a:solidFill>
+                <a:latin typeface="+mn-lt"/>
+                <a:ea typeface="+mn-ea"/>
+                <a:cs typeface="+mn-cs"/>
+              </a:defRPr>
+            </a:lvl4pPr>
+            <a:lvl5pPr marL="932688" indent="-182880" algn="l" defTabSz="914400" rtl="0" eaLnBrk="1" latinLnBrk="0" hangingPunct="1">
+              <a:lnSpc>
+                <a:spcPct val="90000"/>
+              </a:lnSpc>
+              <a:spcBef>
+                <a:spcPts val="200"/>
+              </a:spcBef>
+              <a:spcAft>
+                <a:spcPts val="400"/>
+              </a:spcAft>
+              <a:buClr>
+                <a:schemeClr val="accent1"/>
+              </a:buClr>
+              <a:buFont typeface="Calibri" pitchFamily="34" charset="0"/>
+              <a:buChar char="◦"/>
+              <a:defRPr sz="1400" kern="1200">
+                <a:solidFill>
+                  <a:schemeClr val="tx1">
+                    <a:lumMod val="75000"/>
+                    <a:lumOff val="25000"/>
+                  </a:schemeClr>
+                </a:solidFill>
+                <a:latin typeface="+mn-lt"/>
+                <a:ea typeface="+mn-ea"/>
+                <a:cs typeface="+mn-cs"/>
+              </a:defRPr>
+            </a:lvl5pPr>
+            <a:lvl6pPr marL="1100000" indent="-228600" algn="l" defTabSz="914400" rtl="0" eaLnBrk="1" latinLnBrk="0" hangingPunct="1">
+              <a:lnSpc>
+                <a:spcPct val="90000"/>
+              </a:lnSpc>
+              <a:spcBef>
+                <a:spcPts val="200"/>
+              </a:spcBef>
+              <a:spcAft>
+                <a:spcPts val="400"/>
+              </a:spcAft>
+              <a:buClr>
+                <a:schemeClr val="accent1"/>
+              </a:buClr>
+              <a:buFont typeface="Calibri" pitchFamily="34" charset="0"/>
+              <a:buChar char="◦"/>
+              <a:defRPr sz="1400" kern="1200">
+                <a:solidFill>
+                  <a:schemeClr val="tx1">
+                    <a:lumMod val="75000"/>
+                    <a:lumOff val="25000"/>
+                  </a:schemeClr>
+                </a:solidFill>
+                <a:latin typeface="+mn-lt"/>
+                <a:ea typeface="+mn-ea"/>
+                <a:cs typeface="+mn-cs"/>
+              </a:defRPr>
+            </a:lvl6pPr>
+            <a:lvl7pPr marL="1300000" indent="-228600" algn="l" defTabSz="914400" rtl="0" eaLnBrk="1" latinLnBrk="0" hangingPunct="1">
+              <a:lnSpc>
+                <a:spcPct val="90000"/>
+              </a:lnSpc>
+              <a:spcBef>
+                <a:spcPts val="200"/>
+              </a:spcBef>
+              <a:spcAft>
+                <a:spcPts val="400"/>
+              </a:spcAft>
+              <a:buClr>
+                <a:schemeClr val="accent1"/>
+              </a:buClr>
+              <a:buFont typeface="Calibri" pitchFamily="34" charset="0"/>
+              <a:buChar char="◦"/>
+              <a:defRPr sz="1400" kern="1200">
+                <a:solidFill>
+                  <a:schemeClr val="tx1">
+                    <a:lumMod val="75000"/>
+                    <a:lumOff val="25000"/>
+                  </a:schemeClr>
+                </a:solidFill>
+                <a:latin typeface="+mn-lt"/>
+                <a:ea typeface="+mn-ea"/>
+                <a:cs typeface="+mn-cs"/>
+              </a:defRPr>
+            </a:lvl7pPr>
+            <a:lvl8pPr marL="1500000" indent="-228600" algn="l" defTabSz="914400" rtl="0" eaLnBrk="1" latinLnBrk="0" hangingPunct="1">
+              <a:lnSpc>
+                <a:spcPct val="90000"/>
+              </a:lnSpc>
+              <a:spcBef>
+                <a:spcPts val="200"/>
+              </a:spcBef>
+              <a:spcAft>
+                <a:spcPts val="400"/>
+              </a:spcAft>
+              <a:buClr>
+                <a:schemeClr val="accent1"/>
+              </a:buClr>
+              <a:buFont typeface="Calibri" pitchFamily="34" charset="0"/>
+              <a:buChar char="◦"/>
+              <a:defRPr sz="1400" kern="1200">
+                <a:solidFill>
+                  <a:schemeClr val="tx1">
+                    <a:lumMod val="75000"/>
+                    <a:lumOff val="25000"/>
+                  </a:schemeClr>
+                </a:solidFill>
+                <a:latin typeface="+mn-lt"/>
+                <a:ea typeface="+mn-ea"/>
+                <a:cs typeface="+mn-cs"/>
+              </a:defRPr>
+            </a:lvl8pPr>
+            <a:lvl9pPr marL="1700000" indent="-228600" algn="l" defTabSz="914400" rtl="0" eaLnBrk="1" latinLnBrk="0" hangingPunct="1">
+              <a:lnSpc>
+                <a:spcPct val="90000"/>
+              </a:lnSpc>
+              <a:spcBef>
+                <a:spcPts val="200"/>
+              </a:spcBef>
+              <a:spcAft>
+                <a:spcPts val="400"/>
+              </a:spcAft>
+              <a:buClr>
+                <a:schemeClr val="accent1"/>
+              </a:buClr>
+              <a:buFont typeface="Calibri" pitchFamily="34" charset="0"/>
+              <a:buChar char="◦"/>
+              <a:defRPr sz="1400" kern="1200">
+                <a:solidFill>
+                  <a:schemeClr val="tx1">
+                    <a:lumMod val="75000"/>
+                    <a:lumOff val="25000"/>
+                  </a:schemeClr>
+                </a:solidFill>
+                <a:latin typeface="+mn-lt"/>
+                <a:ea typeface="+mn-ea"/>
+                <a:cs typeface="+mn-cs"/>
+              </a:defRPr>
+            </a:lvl9pPr>
+          </a:lstStyle>
+          <a:p>
+            <a:r>
+              <a:rPr lang="en-CA" b="1" dirty="0" smtClean="0"/>
+              <a:t>Reward Type</a:t>
+            </a:r>
+          </a:p>
+          <a:p>
+            <a:pPr>
+              <a:buFont typeface="Wingdings" panose="05000000000000000000" pitchFamily="2" charset="2"/>
+              <a:buChar char="Ø"/>
+            </a:pPr>
+            <a:r>
+              <a:rPr lang="en-CA" sz="1500" b="1" dirty="0" smtClean="0"/>
+              <a:t>Food</a:t>
+            </a:r>
+          </a:p>
+          <a:p>
+            <a:pPr>
+              <a:buFont typeface="Wingdings" panose="05000000000000000000" pitchFamily="2" charset="2"/>
+              <a:buChar char="Ø"/>
+            </a:pPr>
+            <a:r>
+              <a:rPr lang="en-CA" sz="1500" b="1" dirty="0" smtClean="0"/>
+              <a:t>Water</a:t>
+            </a:r>
+          </a:p>
+          <a:p>
+            <a:pPr>
+              <a:buFont typeface="Wingdings" panose="05000000000000000000" pitchFamily="2" charset="2"/>
+              <a:buChar char="Ø"/>
+            </a:pPr>
+            <a:r>
+              <a:rPr lang="en-CA" sz="1500" b="1" dirty="0" smtClean="0"/>
+              <a:t>Money</a:t>
+            </a:r>
+            <a:endParaRPr lang="en-CA" sz="1500" b="1" dirty="0" smtClean="0"/>
           </a:p>
         </p:txBody>
       </p:sp>
@@ -6867,6 +7753,228 @@
   <p:clrMapOvr>
     <a:masterClrMapping/>
   </p:clrMapOvr>
+  <p:timing>
+    <p:tnLst>
+      <p:par>
+        <p:cTn id="1" dur="indefinite" restart="never" nodeType="tmRoot">
+          <p:childTnLst>
+            <p:seq concurrent="1" nextAc="seek">
+              <p:cTn id="2" dur="indefinite" nodeType="mainSeq">
+                <p:childTnLst>
+                  <p:par>
+                    <p:cTn id="3" fill="hold">
+                      <p:stCondLst>
+                        <p:cond delay="indefinite"/>
+                      </p:stCondLst>
+                      <p:childTnLst>
+                        <p:par>
+                          <p:cTn id="4" fill="hold">
+                            <p:stCondLst>
+                              <p:cond delay="0"/>
+                            </p:stCondLst>
+                            <p:childTnLst>
+                              <p:par>
+                                <p:cTn id="5" presetID="1" presetClass="entr" presetSubtype="0" fill="hold" grpId="0" nodeType="clickEffect">
+                                  <p:stCondLst>
+                                    <p:cond delay="0"/>
+                                  </p:stCondLst>
+                                  <p:childTnLst>
+                                    <p:set>
+                                      <p:cBhvr>
+                                        <p:cTn id="6" dur="1" fill="hold">
+                                          <p:stCondLst>
+                                            <p:cond delay="0"/>
+                                          </p:stCondLst>
+                                        </p:cTn>
+                                        <p:tgtEl>
+                                          <p:spTgt spid="11"/>
+                                        </p:tgtEl>
+                                        <p:attrNameLst>
+                                          <p:attrName>style.visibility</p:attrName>
+                                        </p:attrNameLst>
+                                      </p:cBhvr>
+                                      <p:to>
+                                        <p:strVal val="visible"/>
+                                      </p:to>
+                                    </p:set>
+                                  </p:childTnLst>
+                                </p:cTn>
+                              </p:par>
+                            </p:childTnLst>
+                          </p:cTn>
+                        </p:par>
+                      </p:childTnLst>
+                    </p:cTn>
+                  </p:par>
+                  <p:par>
+                    <p:cTn id="7" fill="hold">
+                      <p:stCondLst>
+                        <p:cond delay="indefinite"/>
+                      </p:stCondLst>
+                      <p:childTnLst>
+                        <p:par>
+                          <p:cTn id="8" fill="hold">
+                            <p:stCondLst>
+                              <p:cond delay="0"/>
+                            </p:stCondLst>
+                            <p:childTnLst>
+                              <p:par>
+                                <p:cTn id="9" presetID="1" presetClass="entr" presetSubtype="0" fill="hold" grpId="0" nodeType="clickEffect">
+                                  <p:stCondLst>
+                                    <p:cond delay="0"/>
+                                  </p:stCondLst>
+                                  <p:childTnLst>
+                                    <p:set>
+                                      <p:cBhvr>
+                                        <p:cTn id="10" dur="1" fill="hold">
+                                          <p:stCondLst>
+                                            <p:cond delay="0"/>
+                                          </p:stCondLst>
+                                        </p:cTn>
+                                        <p:tgtEl>
+                                          <p:spTgt spid="12"/>
+                                        </p:tgtEl>
+                                        <p:attrNameLst>
+                                          <p:attrName>style.visibility</p:attrName>
+                                        </p:attrNameLst>
+                                      </p:cBhvr>
+                                      <p:to>
+                                        <p:strVal val="visible"/>
+                                      </p:to>
+                                    </p:set>
+                                  </p:childTnLst>
+                                </p:cTn>
+                              </p:par>
+                            </p:childTnLst>
+                          </p:cTn>
+                        </p:par>
+                      </p:childTnLst>
+                    </p:cTn>
+                  </p:par>
+                  <p:par>
+                    <p:cTn id="11" fill="hold">
+                      <p:stCondLst>
+                        <p:cond delay="indefinite"/>
+                      </p:stCondLst>
+                      <p:childTnLst>
+                        <p:par>
+                          <p:cTn id="12" fill="hold">
+                            <p:stCondLst>
+                              <p:cond delay="0"/>
+                            </p:stCondLst>
+                            <p:childTnLst>
+                              <p:par>
+                                <p:cTn id="13" presetID="10" presetClass="entr" presetSubtype="0" fill="hold" grpId="0" nodeType="clickEffect">
+                                  <p:stCondLst>
+                                    <p:cond delay="0"/>
+                                  </p:stCondLst>
+                                  <p:childTnLst>
+                                    <p:set>
+                                      <p:cBhvr>
+                                        <p:cTn id="14" dur="1" fill="hold">
+                                          <p:stCondLst>
+                                            <p:cond delay="0"/>
+                                          </p:stCondLst>
+                                        </p:cTn>
+                                        <p:tgtEl>
+                                          <p:spTgt spid="9"/>
+                                        </p:tgtEl>
+                                        <p:attrNameLst>
+                                          <p:attrName>style.visibility</p:attrName>
+                                        </p:attrNameLst>
+                                      </p:cBhvr>
+                                      <p:to>
+                                        <p:strVal val="visible"/>
+                                      </p:to>
+                                    </p:set>
+                                    <p:animEffect transition="in" filter="fade">
+                                      <p:cBhvr>
+                                        <p:cTn id="15" dur="500"/>
+                                        <p:tgtEl>
+                                          <p:spTgt spid="9"/>
+                                        </p:tgtEl>
+                                      </p:cBhvr>
+                                    </p:animEffect>
+                                  </p:childTnLst>
+                                </p:cTn>
+                              </p:par>
+                              <p:par>
+                                <p:cTn id="16" presetID="10" presetClass="entr" presetSubtype="0" fill="hold" grpId="0" nodeType="withEffect">
+                                  <p:stCondLst>
+                                    <p:cond delay="500"/>
+                                  </p:stCondLst>
+                                  <p:childTnLst>
+                                    <p:set>
+                                      <p:cBhvr>
+                                        <p:cTn id="17" dur="1" fill="hold">
+                                          <p:stCondLst>
+                                            <p:cond delay="0"/>
+                                          </p:stCondLst>
+                                        </p:cTn>
+                                        <p:tgtEl>
+                                          <p:spTgt spid="10">
+                                            <p:txEl>
+                                              <p:pRg st="0" end="0"/>
+                                            </p:txEl>
+                                          </p:spTgt>
+                                        </p:tgtEl>
+                                        <p:attrNameLst>
+                                          <p:attrName>style.visibility</p:attrName>
+                                        </p:attrNameLst>
+                                      </p:cBhvr>
+                                      <p:to>
+                                        <p:strVal val="visible"/>
+                                      </p:to>
+                                    </p:set>
+                                    <p:animEffect transition="in" filter="fade">
+                                      <p:cBhvr>
+                                        <p:cTn id="18" dur="500"/>
+                                        <p:tgtEl>
+                                          <p:spTgt spid="10">
+                                            <p:txEl>
+                                              <p:pRg st="0" end="0"/>
+                                            </p:txEl>
+                                          </p:spTgt>
+                                        </p:tgtEl>
+                                      </p:cBhvr>
+                                    </p:animEffect>
+                                  </p:childTnLst>
+                                </p:cTn>
+                              </p:par>
+                            </p:childTnLst>
+                          </p:cTn>
+                        </p:par>
+                      </p:childTnLst>
+                    </p:cTn>
+                  </p:par>
+                </p:childTnLst>
+              </p:cTn>
+              <p:prevCondLst>
+                <p:cond evt="onPrev" delay="0">
+                  <p:tgtEl>
+                    <p:sldTgt/>
+                  </p:tgtEl>
+                </p:cond>
+              </p:prevCondLst>
+              <p:nextCondLst>
+                <p:cond evt="onNext" delay="0">
+                  <p:tgtEl>
+                    <p:sldTgt/>
+                  </p:tgtEl>
+                </p:cond>
+              </p:nextCondLst>
+            </p:seq>
+          </p:childTnLst>
+        </p:cTn>
+      </p:par>
+    </p:tnLst>
+    <p:bldLst>
+      <p:bldP spid="9" grpId="0" animBg="1"/>
+      <p:bldP spid="10" grpId="0" build="p"/>
+      <p:bldP spid="11" grpId="0"/>
+      <p:bldP spid="12" grpId="0"/>
+    </p:bldLst>
+  </p:timing>
 </p:sld>
 </file>
 
@@ -7884,7 +8992,7 @@
               </a:pPr>
               <a:r>
                 <a:rPr lang="en-CA" sz="1500" b="1" dirty="0" smtClean="0"/>
-                <a:t>Rural</a:t>
+                <a:t>2: Rural</a:t>
               </a:r>
             </a:p>
             <a:p>
@@ -7894,7 +9002,7 @@
               </a:pPr>
               <a:r>
                 <a:rPr lang="en-CA" sz="1500" b="1" dirty="0" smtClean="0"/>
-                <a:t>Urban</a:t>
+                <a:t>3: Urban</a:t>
               </a:r>
               <a:endParaRPr lang="en-CA" sz="1500" b="1" dirty="0" smtClean="0"/>
             </a:p>
@@ -8217,6 +9325,13 @@
   <p:clrMapOvr>
     <a:masterClrMapping/>
   </p:clrMapOvr>
+  <p:timing>
+    <p:tnLst>
+      <p:par>
+        <p:cTn id="1" dur="indefinite" restart="never" nodeType="tmRoot"/>
+      </p:par>
+    </p:tnLst>
+  </p:timing>
 </p:sld>
 </file>
 
@@ -8298,13 +9413,13 @@
           <p:nvPr>
             <p:extLst>
               <p:ext uri="{D42A27DB-BD31-4B8C-83A1-F6EECF244321}">
-                <p14:modId xmlns:p14="http://schemas.microsoft.com/office/powerpoint/2010/main" val="152452510"/>
+                <p14:modId xmlns:p14="http://schemas.microsoft.com/office/powerpoint/2010/main" val="447694378"/>
               </p:ext>
             </p:extLst>
           </p:nvPr>
         </p:nvGraphicFramePr>
         <p:xfrm>
-          <a:off x="870114" y="3516569"/>
+          <a:off x="298614" y="3548830"/>
           <a:ext cx="5279259" cy="1483360"/>
         </p:xfrm>
         <a:graphic>
@@ -8804,8 +9919,8 @@
         </p:blipFill>
         <p:spPr>
           <a:xfrm>
-            <a:off x="6477180" y="2866523"/>
-            <a:ext cx="5429250" cy="2847975"/>
+            <a:off x="5962841" y="2584729"/>
+            <a:ext cx="5966449" cy="3129769"/>
           </a:xfrm>
           <a:prstGeom prst="rect">
             <a:avLst/>
@@ -8822,6 +9937,13 @@
   <p:clrMapOvr>
     <a:masterClrMapping/>
   </p:clrMapOvr>
+  <p:timing>
+    <p:tnLst>
+      <p:par>
+        <p:cTn id="1" dur="indefinite" restart="never" nodeType="tmRoot"/>
+      </p:par>
+    </p:tnLst>
+  </p:timing>
 </p:sld>
 </file>
 
@@ -8896,21 +10018,621 @@
       </p:sp>
       <p:grpSp>
         <p:nvGrpSpPr>
-          <p:cNvPr id="17" name="Group 16"/>
+          <p:cNvPr id="13" name="Group 12"/>
           <p:cNvGrpSpPr/>
           <p:nvPr/>
         </p:nvGrpSpPr>
         <p:grpSpPr>
           <a:xfrm>
-            <a:off x="2191987" y="2667835"/>
-            <a:ext cx="7749219" cy="2985990"/>
-            <a:chOff x="1921528" y="2667835"/>
-            <a:chExt cx="7749219" cy="2985990"/>
+            <a:off x="2569046" y="2982816"/>
+            <a:ext cx="2496655" cy="2611346"/>
+            <a:chOff x="2569046" y="2982816"/>
+            <a:chExt cx="2496655" cy="2611346"/>
           </a:xfrm>
         </p:grpSpPr>
+        <p:grpSp>
+          <p:nvGrpSpPr>
+            <p:cNvPr id="17" name="Group 16"/>
+            <p:cNvGrpSpPr/>
+            <p:nvPr/>
+          </p:nvGrpSpPr>
+          <p:grpSpPr>
+            <a:xfrm>
+              <a:off x="2569046" y="3789269"/>
+              <a:ext cx="2345098" cy="1804893"/>
+              <a:chOff x="4403431" y="2667835"/>
+              <a:chExt cx="2345098" cy="1804893"/>
+            </a:xfrm>
+          </p:grpSpPr>
+          <p:sp>
+            <p:nvSpPr>
+              <p:cNvPr id="6" name="Content Placeholder 2"/>
+              <p:cNvSpPr txBox="1">
+                <a:spLocks/>
+              </p:cNvSpPr>
+              <p:nvPr/>
+            </p:nvSpPr>
+            <p:spPr>
+              <a:xfrm>
+                <a:off x="4407150" y="2667835"/>
+                <a:ext cx="2341379" cy="356553"/>
+              </a:xfrm>
+              <a:prstGeom prst="rect">
+                <a:avLst/>
+              </a:prstGeom>
+            </p:spPr>
+            <p:txBody>
+              <a:bodyPr vert="horz" lIns="0" tIns="45720" rIns="0" bIns="45720" rtlCol="0">
+                <a:normAutofit lnSpcReduction="10000"/>
+              </a:bodyPr>
+              <a:lstStyle>
+                <a:lvl1pPr marL="91440" indent="-91440" algn="l" defTabSz="914400" rtl="0" eaLnBrk="1" latinLnBrk="0" hangingPunct="1">
+                  <a:lnSpc>
+                    <a:spcPct val="90000"/>
+                  </a:lnSpc>
+                  <a:spcBef>
+                    <a:spcPts val="1200"/>
+                  </a:spcBef>
+                  <a:spcAft>
+                    <a:spcPts val="200"/>
+                  </a:spcAft>
+                  <a:buClr>
+                    <a:schemeClr val="accent1"/>
+                  </a:buClr>
+                  <a:buSzPct val="100000"/>
+                  <a:buFont typeface="Calibri" panose="020F0502020204030204" pitchFamily="34" charset="0"/>
+                  <a:buChar char=" "/>
+                  <a:defRPr sz="2000" kern="1200">
+                    <a:solidFill>
+                      <a:schemeClr val="tx1">
+                        <a:lumMod val="75000"/>
+                        <a:lumOff val="25000"/>
+                      </a:schemeClr>
+                    </a:solidFill>
+                    <a:latin typeface="+mn-lt"/>
+                    <a:ea typeface="+mn-ea"/>
+                    <a:cs typeface="+mn-cs"/>
+                  </a:defRPr>
+                </a:lvl1pPr>
+                <a:lvl2pPr marL="384048" indent="-182880" algn="l" defTabSz="914400" rtl="0" eaLnBrk="1" latinLnBrk="0" hangingPunct="1">
+                  <a:lnSpc>
+                    <a:spcPct val="90000"/>
+                  </a:lnSpc>
+                  <a:spcBef>
+                    <a:spcPts val="200"/>
+                  </a:spcBef>
+                  <a:spcAft>
+                    <a:spcPts val="400"/>
+                  </a:spcAft>
+                  <a:buClr>
+                    <a:schemeClr val="accent1"/>
+                  </a:buClr>
+                  <a:buFont typeface="Calibri" pitchFamily="34" charset="0"/>
+                  <a:buChar char="◦"/>
+                  <a:defRPr sz="1800" kern="1200">
+                    <a:solidFill>
+                      <a:schemeClr val="tx1">
+                        <a:lumMod val="75000"/>
+                        <a:lumOff val="25000"/>
+                      </a:schemeClr>
+                    </a:solidFill>
+                    <a:latin typeface="+mn-lt"/>
+                    <a:ea typeface="+mn-ea"/>
+                    <a:cs typeface="+mn-cs"/>
+                  </a:defRPr>
+                </a:lvl2pPr>
+                <a:lvl3pPr marL="566928" indent="-182880" algn="l" defTabSz="914400" rtl="0" eaLnBrk="1" latinLnBrk="0" hangingPunct="1">
+                  <a:lnSpc>
+                    <a:spcPct val="90000"/>
+                  </a:lnSpc>
+                  <a:spcBef>
+                    <a:spcPts val="200"/>
+                  </a:spcBef>
+                  <a:spcAft>
+                    <a:spcPts val="400"/>
+                  </a:spcAft>
+                  <a:buClr>
+                    <a:schemeClr val="accent1"/>
+                  </a:buClr>
+                  <a:buFont typeface="Calibri" pitchFamily="34" charset="0"/>
+                  <a:buChar char="◦"/>
+                  <a:defRPr sz="1400" kern="1200">
+                    <a:solidFill>
+                      <a:schemeClr val="tx1">
+                        <a:lumMod val="75000"/>
+                        <a:lumOff val="25000"/>
+                      </a:schemeClr>
+                    </a:solidFill>
+                    <a:latin typeface="+mn-lt"/>
+                    <a:ea typeface="+mn-ea"/>
+                    <a:cs typeface="+mn-cs"/>
+                  </a:defRPr>
+                </a:lvl3pPr>
+                <a:lvl4pPr marL="749808" indent="-182880" algn="l" defTabSz="914400" rtl="0" eaLnBrk="1" latinLnBrk="0" hangingPunct="1">
+                  <a:lnSpc>
+                    <a:spcPct val="90000"/>
+                  </a:lnSpc>
+                  <a:spcBef>
+                    <a:spcPts val="200"/>
+                  </a:spcBef>
+                  <a:spcAft>
+                    <a:spcPts val="400"/>
+                  </a:spcAft>
+                  <a:buClr>
+                    <a:schemeClr val="accent1"/>
+                  </a:buClr>
+                  <a:buFont typeface="Calibri" pitchFamily="34" charset="0"/>
+                  <a:buChar char="◦"/>
+                  <a:defRPr sz="1400" kern="1200">
+                    <a:solidFill>
+                      <a:schemeClr val="tx1">
+                        <a:lumMod val="75000"/>
+                        <a:lumOff val="25000"/>
+                      </a:schemeClr>
+                    </a:solidFill>
+                    <a:latin typeface="+mn-lt"/>
+                    <a:ea typeface="+mn-ea"/>
+                    <a:cs typeface="+mn-cs"/>
+                  </a:defRPr>
+                </a:lvl4pPr>
+                <a:lvl5pPr marL="932688" indent="-182880" algn="l" defTabSz="914400" rtl="0" eaLnBrk="1" latinLnBrk="0" hangingPunct="1">
+                  <a:lnSpc>
+                    <a:spcPct val="90000"/>
+                  </a:lnSpc>
+                  <a:spcBef>
+                    <a:spcPts val="200"/>
+                  </a:spcBef>
+                  <a:spcAft>
+                    <a:spcPts val="400"/>
+                  </a:spcAft>
+                  <a:buClr>
+                    <a:schemeClr val="accent1"/>
+                  </a:buClr>
+                  <a:buFont typeface="Calibri" pitchFamily="34" charset="0"/>
+                  <a:buChar char="◦"/>
+                  <a:defRPr sz="1400" kern="1200">
+                    <a:solidFill>
+                      <a:schemeClr val="tx1">
+                        <a:lumMod val="75000"/>
+                        <a:lumOff val="25000"/>
+                      </a:schemeClr>
+                    </a:solidFill>
+                    <a:latin typeface="+mn-lt"/>
+                    <a:ea typeface="+mn-ea"/>
+                    <a:cs typeface="+mn-cs"/>
+                  </a:defRPr>
+                </a:lvl5pPr>
+                <a:lvl6pPr marL="1100000" indent="-228600" algn="l" defTabSz="914400" rtl="0" eaLnBrk="1" latinLnBrk="0" hangingPunct="1">
+                  <a:lnSpc>
+                    <a:spcPct val="90000"/>
+                  </a:lnSpc>
+                  <a:spcBef>
+                    <a:spcPts val="200"/>
+                  </a:spcBef>
+                  <a:spcAft>
+                    <a:spcPts val="400"/>
+                  </a:spcAft>
+                  <a:buClr>
+                    <a:schemeClr val="accent1"/>
+                  </a:buClr>
+                  <a:buFont typeface="Calibri" pitchFamily="34" charset="0"/>
+                  <a:buChar char="◦"/>
+                  <a:defRPr sz="1400" kern="1200">
+                    <a:solidFill>
+                      <a:schemeClr val="tx1">
+                        <a:lumMod val="75000"/>
+                        <a:lumOff val="25000"/>
+                      </a:schemeClr>
+                    </a:solidFill>
+                    <a:latin typeface="+mn-lt"/>
+                    <a:ea typeface="+mn-ea"/>
+                    <a:cs typeface="+mn-cs"/>
+                  </a:defRPr>
+                </a:lvl6pPr>
+                <a:lvl7pPr marL="1300000" indent="-228600" algn="l" defTabSz="914400" rtl="0" eaLnBrk="1" latinLnBrk="0" hangingPunct="1">
+                  <a:lnSpc>
+                    <a:spcPct val="90000"/>
+                  </a:lnSpc>
+                  <a:spcBef>
+                    <a:spcPts val="200"/>
+                  </a:spcBef>
+                  <a:spcAft>
+                    <a:spcPts val="400"/>
+                  </a:spcAft>
+                  <a:buClr>
+                    <a:schemeClr val="accent1"/>
+                  </a:buClr>
+                  <a:buFont typeface="Calibri" pitchFamily="34" charset="0"/>
+                  <a:buChar char="◦"/>
+                  <a:defRPr sz="1400" kern="1200">
+                    <a:solidFill>
+                      <a:schemeClr val="tx1">
+                        <a:lumMod val="75000"/>
+                        <a:lumOff val="25000"/>
+                      </a:schemeClr>
+                    </a:solidFill>
+                    <a:latin typeface="+mn-lt"/>
+                    <a:ea typeface="+mn-ea"/>
+                    <a:cs typeface="+mn-cs"/>
+                  </a:defRPr>
+                </a:lvl7pPr>
+                <a:lvl8pPr marL="1500000" indent="-228600" algn="l" defTabSz="914400" rtl="0" eaLnBrk="1" latinLnBrk="0" hangingPunct="1">
+                  <a:lnSpc>
+                    <a:spcPct val="90000"/>
+                  </a:lnSpc>
+                  <a:spcBef>
+                    <a:spcPts val="200"/>
+                  </a:spcBef>
+                  <a:spcAft>
+                    <a:spcPts val="400"/>
+                  </a:spcAft>
+                  <a:buClr>
+                    <a:schemeClr val="accent1"/>
+                  </a:buClr>
+                  <a:buFont typeface="Calibri" pitchFamily="34" charset="0"/>
+                  <a:buChar char="◦"/>
+                  <a:defRPr sz="1400" kern="1200">
+                    <a:solidFill>
+                      <a:schemeClr val="tx1">
+                        <a:lumMod val="75000"/>
+                        <a:lumOff val="25000"/>
+                      </a:schemeClr>
+                    </a:solidFill>
+                    <a:latin typeface="+mn-lt"/>
+                    <a:ea typeface="+mn-ea"/>
+                    <a:cs typeface="+mn-cs"/>
+                  </a:defRPr>
+                </a:lvl8pPr>
+                <a:lvl9pPr marL="1700000" indent="-228600" algn="l" defTabSz="914400" rtl="0" eaLnBrk="1" latinLnBrk="0" hangingPunct="1">
+                  <a:lnSpc>
+                    <a:spcPct val="90000"/>
+                  </a:lnSpc>
+                  <a:spcBef>
+                    <a:spcPts val="200"/>
+                  </a:spcBef>
+                  <a:spcAft>
+                    <a:spcPts val="400"/>
+                  </a:spcAft>
+                  <a:buClr>
+                    <a:schemeClr val="accent1"/>
+                  </a:buClr>
+                  <a:buFont typeface="Calibri" pitchFamily="34" charset="0"/>
+                  <a:buChar char="◦"/>
+                  <a:defRPr sz="1400" kern="1200">
+                    <a:solidFill>
+                      <a:schemeClr val="tx1">
+                        <a:lumMod val="75000"/>
+                        <a:lumOff val="25000"/>
+                      </a:schemeClr>
+                    </a:solidFill>
+                    <a:latin typeface="+mn-lt"/>
+                    <a:ea typeface="+mn-ea"/>
+                    <a:cs typeface="+mn-cs"/>
+                  </a:defRPr>
+                </a:lvl9pPr>
+              </a:lstStyle>
+              <a:p>
+                <a:r>
+                  <a:rPr lang="en-CA" b="1" dirty="0" smtClean="0"/>
+                  <a:t>Block 3 Performance</a:t>
+                </a:r>
+                <a:endParaRPr lang="en-CA" b="1" dirty="0" smtClean="0"/>
+              </a:p>
+            </p:txBody>
+          </p:sp>
+          <p:cxnSp>
+            <p:nvCxnSpPr>
+              <p:cNvPr id="8" name="Straight Arrow Connector 7"/>
+              <p:cNvCxnSpPr/>
+              <p:nvPr/>
+            </p:nvCxnSpPr>
+            <p:spPr>
+              <a:xfrm>
+                <a:off x="5574121" y="2999318"/>
+                <a:ext cx="0" cy="963651"/>
+              </a:xfrm>
+              <a:prstGeom prst="straightConnector1">
+                <a:avLst/>
+              </a:prstGeom>
+              <a:ln w="57150">
+                <a:tailEnd type="triangle"/>
+              </a:ln>
+            </p:spPr>
+            <p:style>
+              <a:lnRef idx="1">
+                <a:schemeClr val="accent1"/>
+              </a:lnRef>
+              <a:fillRef idx="0">
+                <a:schemeClr val="accent1"/>
+              </a:fillRef>
+              <a:effectRef idx="0">
+                <a:schemeClr val="accent1"/>
+              </a:effectRef>
+              <a:fontRef idx="minor">
+                <a:schemeClr val="tx1"/>
+              </a:fontRef>
+            </p:style>
+          </p:cxnSp>
+          <p:sp>
+            <p:nvSpPr>
+              <p:cNvPr id="9" name="Content Placeholder 2"/>
+              <p:cNvSpPr txBox="1">
+                <a:spLocks/>
+              </p:cNvSpPr>
+              <p:nvPr/>
+            </p:nvSpPr>
+            <p:spPr>
+              <a:xfrm>
+                <a:off x="4403431" y="4116175"/>
+                <a:ext cx="2341379" cy="356553"/>
+              </a:xfrm>
+              <a:prstGeom prst="rect">
+                <a:avLst/>
+              </a:prstGeom>
+            </p:spPr>
+            <p:txBody>
+              <a:bodyPr vert="horz" lIns="0" tIns="45720" rIns="0" bIns="45720" rtlCol="0">
+                <a:normAutofit lnSpcReduction="10000"/>
+              </a:bodyPr>
+              <a:lstStyle>
+                <a:lvl1pPr marL="91440" indent="-91440" algn="l" defTabSz="914400" rtl="0" eaLnBrk="1" latinLnBrk="0" hangingPunct="1">
+                  <a:lnSpc>
+                    <a:spcPct val="90000"/>
+                  </a:lnSpc>
+                  <a:spcBef>
+                    <a:spcPts val="1200"/>
+                  </a:spcBef>
+                  <a:spcAft>
+                    <a:spcPts val="200"/>
+                  </a:spcAft>
+                  <a:buClr>
+                    <a:schemeClr val="accent1"/>
+                  </a:buClr>
+                  <a:buSzPct val="100000"/>
+                  <a:buFont typeface="Calibri" panose="020F0502020204030204" pitchFamily="34" charset="0"/>
+                  <a:buChar char=" "/>
+                  <a:defRPr sz="2000" kern="1200">
+                    <a:solidFill>
+                      <a:schemeClr val="tx1">
+                        <a:lumMod val="75000"/>
+                        <a:lumOff val="25000"/>
+                      </a:schemeClr>
+                    </a:solidFill>
+                    <a:latin typeface="+mn-lt"/>
+                    <a:ea typeface="+mn-ea"/>
+                    <a:cs typeface="+mn-cs"/>
+                  </a:defRPr>
+                </a:lvl1pPr>
+                <a:lvl2pPr marL="384048" indent="-182880" algn="l" defTabSz="914400" rtl="0" eaLnBrk="1" latinLnBrk="0" hangingPunct="1">
+                  <a:lnSpc>
+                    <a:spcPct val="90000"/>
+                  </a:lnSpc>
+                  <a:spcBef>
+                    <a:spcPts val="200"/>
+                  </a:spcBef>
+                  <a:spcAft>
+                    <a:spcPts val="400"/>
+                  </a:spcAft>
+                  <a:buClr>
+                    <a:schemeClr val="accent1"/>
+                  </a:buClr>
+                  <a:buFont typeface="Calibri" pitchFamily="34" charset="0"/>
+                  <a:buChar char="◦"/>
+                  <a:defRPr sz="1800" kern="1200">
+                    <a:solidFill>
+                      <a:schemeClr val="tx1">
+                        <a:lumMod val="75000"/>
+                        <a:lumOff val="25000"/>
+                      </a:schemeClr>
+                    </a:solidFill>
+                    <a:latin typeface="+mn-lt"/>
+                    <a:ea typeface="+mn-ea"/>
+                    <a:cs typeface="+mn-cs"/>
+                  </a:defRPr>
+                </a:lvl2pPr>
+                <a:lvl3pPr marL="566928" indent="-182880" algn="l" defTabSz="914400" rtl="0" eaLnBrk="1" latinLnBrk="0" hangingPunct="1">
+                  <a:lnSpc>
+                    <a:spcPct val="90000"/>
+                  </a:lnSpc>
+                  <a:spcBef>
+                    <a:spcPts val="200"/>
+                  </a:spcBef>
+                  <a:spcAft>
+                    <a:spcPts val="400"/>
+                  </a:spcAft>
+                  <a:buClr>
+                    <a:schemeClr val="accent1"/>
+                  </a:buClr>
+                  <a:buFont typeface="Calibri" pitchFamily="34" charset="0"/>
+                  <a:buChar char="◦"/>
+                  <a:defRPr sz="1400" kern="1200">
+                    <a:solidFill>
+                      <a:schemeClr val="tx1">
+                        <a:lumMod val="75000"/>
+                        <a:lumOff val="25000"/>
+                      </a:schemeClr>
+                    </a:solidFill>
+                    <a:latin typeface="+mn-lt"/>
+                    <a:ea typeface="+mn-ea"/>
+                    <a:cs typeface="+mn-cs"/>
+                  </a:defRPr>
+                </a:lvl3pPr>
+                <a:lvl4pPr marL="749808" indent="-182880" algn="l" defTabSz="914400" rtl="0" eaLnBrk="1" latinLnBrk="0" hangingPunct="1">
+                  <a:lnSpc>
+                    <a:spcPct val="90000"/>
+                  </a:lnSpc>
+                  <a:spcBef>
+                    <a:spcPts val="200"/>
+                  </a:spcBef>
+                  <a:spcAft>
+                    <a:spcPts val="400"/>
+                  </a:spcAft>
+                  <a:buClr>
+                    <a:schemeClr val="accent1"/>
+                  </a:buClr>
+                  <a:buFont typeface="Calibri" pitchFamily="34" charset="0"/>
+                  <a:buChar char="◦"/>
+                  <a:defRPr sz="1400" kern="1200">
+                    <a:solidFill>
+                      <a:schemeClr val="tx1">
+                        <a:lumMod val="75000"/>
+                        <a:lumOff val="25000"/>
+                      </a:schemeClr>
+                    </a:solidFill>
+                    <a:latin typeface="+mn-lt"/>
+                    <a:ea typeface="+mn-ea"/>
+                    <a:cs typeface="+mn-cs"/>
+                  </a:defRPr>
+                </a:lvl4pPr>
+                <a:lvl5pPr marL="932688" indent="-182880" algn="l" defTabSz="914400" rtl="0" eaLnBrk="1" latinLnBrk="0" hangingPunct="1">
+                  <a:lnSpc>
+                    <a:spcPct val="90000"/>
+                  </a:lnSpc>
+                  <a:spcBef>
+                    <a:spcPts val="200"/>
+                  </a:spcBef>
+                  <a:spcAft>
+                    <a:spcPts val="400"/>
+                  </a:spcAft>
+                  <a:buClr>
+                    <a:schemeClr val="accent1"/>
+                  </a:buClr>
+                  <a:buFont typeface="Calibri" pitchFamily="34" charset="0"/>
+                  <a:buChar char="◦"/>
+                  <a:defRPr sz="1400" kern="1200">
+                    <a:solidFill>
+                      <a:schemeClr val="tx1">
+                        <a:lumMod val="75000"/>
+                        <a:lumOff val="25000"/>
+                      </a:schemeClr>
+                    </a:solidFill>
+                    <a:latin typeface="+mn-lt"/>
+                    <a:ea typeface="+mn-ea"/>
+                    <a:cs typeface="+mn-cs"/>
+                  </a:defRPr>
+                </a:lvl5pPr>
+                <a:lvl6pPr marL="1100000" indent="-228600" algn="l" defTabSz="914400" rtl="0" eaLnBrk="1" latinLnBrk="0" hangingPunct="1">
+                  <a:lnSpc>
+                    <a:spcPct val="90000"/>
+                  </a:lnSpc>
+                  <a:spcBef>
+                    <a:spcPts val="200"/>
+                  </a:spcBef>
+                  <a:spcAft>
+                    <a:spcPts val="400"/>
+                  </a:spcAft>
+                  <a:buClr>
+                    <a:schemeClr val="accent1"/>
+                  </a:buClr>
+                  <a:buFont typeface="Calibri" pitchFamily="34" charset="0"/>
+                  <a:buChar char="◦"/>
+                  <a:defRPr sz="1400" kern="1200">
+                    <a:solidFill>
+                      <a:schemeClr val="tx1">
+                        <a:lumMod val="75000"/>
+                        <a:lumOff val="25000"/>
+                      </a:schemeClr>
+                    </a:solidFill>
+                    <a:latin typeface="+mn-lt"/>
+                    <a:ea typeface="+mn-ea"/>
+                    <a:cs typeface="+mn-cs"/>
+                  </a:defRPr>
+                </a:lvl6pPr>
+                <a:lvl7pPr marL="1300000" indent="-228600" algn="l" defTabSz="914400" rtl="0" eaLnBrk="1" latinLnBrk="0" hangingPunct="1">
+                  <a:lnSpc>
+                    <a:spcPct val="90000"/>
+                  </a:lnSpc>
+                  <a:spcBef>
+                    <a:spcPts val="200"/>
+                  </a:spcBef>
+                  <a:spcAft>
+                    <a:spcPts val="400"/>
+                  </a:spcAft>
+                  <a:buClr>
+                    <a:schemeClr val="accent1"/>
+                  </a:buClr>
+                  <a:buFont typeface="Calibri" pitchFamily="34" charset="0"/>
+                  <a:buChar char="◦"/>
+                  <a:defRPr sz="1400" kern="1200">
+                    <a:solidFill>
+                      <a:schemeClr val="tx1">
+                        <a:lumMod val="75000"/>
+                        <a:lumOff val="25000"/>
+                      </a:schemeClr>
+                    </a:solidFill>
+                    <a:latin typeface="+mn-lt"/>
+                    <a:ea typeface="+mn-ea"/>
+                    <a:cs typeface="+mn-cs"/>
+                  </a:defRPr>
+                </a:lvl7pPr>
+                <a:lvl8pPr marL="1500000" indent="-228600" algn="l" defTabSz="914400" rtl="0" eaLnBrk="1" latinLnBrk="0" hangingPunct="1">
+                  <a:lnSpc>
+                    <a:spcPct val="90000"/>
+                  </a:lnSpc>
+                  <a:spcBef>
+                    <a:spcPts val="200"/>
+                  </a:spcBef>
+                  <a:spcAft>
+                    <a:spcPts val="400"/>
+                  </a:spcAft>
+                  <a:buClr>
+                    <a:schemeClr val="accent1"/>
+                  </a:buClr>
+                  <a:buFont typeface="Calibri" pitchFamily="34" charset="0"/>
+                  <a:buChar char="◦"/>
+                  <a:defRPr sz="1400" kern="1200">
+                    <a:solidFill>
+                      <a:schemeClr val="tx1">
+                        <a:lumMod val="75000"/>
+                        <a:lumOff val="25000"/>
+                      </a:schemeClr>
+                    </a:solidFill>
+                    <a:latin typeface="+mn-lt"/>
+                    <a:ea typeface="+mn-ea"/>
+                    <a:cs typeface="+mn-cs"/>
+                  </a:defRPr>
+                </a:lvl8pPr>
+                <a:lvl9pPr marL="1700000" indent="-228600" algn="l" defTabSz="914400" rtl="0" eaLnBrk="1" latinLnBrk="0" hangingPunct="1">
+                  <a:lnSpc>
+                    <a:spcPct val="90000"/>
+                  </a:lnSpc>
+                  <a:spcBef>
+                    <a:spcPts val="200"/>
+                  </a:spcBef>
+                  <a:spcAft>
+                    <a:spcPts val="400"/>
+                  </a:spcAft>
+                  <a:buClr>
+                    <a:schemeClr val="accent1"/>
+                  </a:buClr>
+                  <a:buFont typeface="Calibri" pitchFamily="34" charset="0"/>
+                  <a:buChar char="◦"/>
+                  <a:defRPr sz="1400" kern="1200">
+                    <a:solidFill>
+                      <a:schemeClr val="tx1">
+                        <a:lumMod val="75000"/>
+                        <a:lumOff val="25000"/>
+                      </a:schemeClr>
+                    </a:solidFill>
+                    <a:latin typeface="+mn-lt"/>
+                    <a:ea typeface="+mn-ea"/>
+                    <a:cs typeface="+mn-cs"/>
+                  </a:defRPr>
+                </a:lvl9pPr>
+              </a:lstStyle>
+              <a:p>
+                <a:r>
+                  <a:rPr lang="en-CA" b="1" dirty="0" smtClean="0"/>
+                  <a:t>Block 2 Performance</a:t>
+                </a:r>
+                <a:endParaRPr lang="en-CA" b="1" dirty="0" smtClean="0"/>
+              </a:p>
+            </p:txBody>
+          </p:sp>
+        </p:grpSp>
         <p:sp>
           <p:nvSpPr>
-            <p:cNvPr id="6" name="Content Placeholder 2"/>
+            <p:cNvPr id="14" name="Content Placeholder 2"/>
             <p:cNvSpPr txBox="1">
               <a:spLocks/>
             </p:cNvSpPr>
@@ -8918,7 +10640,7 @@
           </p:nvSpPr>
           <p:spPr>
             <a:xfrm>
-              <a:off x="4407150" y="2667835"/>
+              <a:off x="2724322" y="2982816"/>
               <a:ext cx="2341379" cy="356553"/>
             </a:xfrm>
             <a:prstGeom prst="rect">
@@ -9176,50 +10898,43 @@
               </a:lvl9pPr>
             </a:lstStyle>
             <a:p>
+              <a:pPr marL="0" indent="0">
+                <a:buNone/>
+              </a:pPr>
               <a:r>
-                <a:rPr lang="en-CA" b="1" dirty="0" smtClean="0"/>
-                <a:t>Block 3 Performance</a:t>
+                <a:rPr lang="en-CA" b="1" dirty="0" smtClean="0">
+                  <a:solidFill>
+                    <a:srgbClr val="FF5050"/>
+                  </a:solidFill>
+                </a:rPr>
+                <a:t>Environment: Rural</a:t>
               </a:r>
-              <a:endParaRPr lang="en-CA" b="1" dirty="0" smtClean="0"/>
+              <a:endParaRPr lang="en-CA" b="1" dirty="0" smtClean="0">
+                <a:solidFill>
+                  <a:srgbClr val="FF5050"/>
+                </a:solidFill>
+              </a:endParaRPr>
             </a:p>
           </p:txBody>
         </p:sp>
-        <p:cxnSp>
-          <p:nvCxnSpPr>
-            <p:cNvPr id="8" name="Straight Arrow Connector 7"/>
-            <p:cNvCxnSpPr/>
-            <p:nvPr/>
-          </p:nvCxnSpPr>
-          <p:spPr>
-            <a:xfrm flipH="1">
-              <a:off x="3000777" y="3309870"/>
-              <a:ext cx="1262130" cy="618186"/>
-            </a:xfrm>
-            <a:prstGeom prst="straightConnector1">
-              <a:avLst/>
-            </a:prstGeom>
-            <a:ln w="57150">
-              <a:tailEnd type="triangle"/>
-            </a:ln>
-          </p:spPr>
-          <p:style>
-            <a:lnRef idx="1">
-              <a:schemeClr val="accent1"/>
-            </a:lnRef>
-            <a:fillRef idx="0">
-              <a:schemeClr val="accent1"/>
-            </a:fillRef>
-            <a:effectRef idx="0">
-              <a:schemeClr val="accent1"/>
-            </a:effectRef>
-            <a:fontRef idx="minor">
-              <a:schemeClr val="tx1"/>
-            </a:fontRef>
-          </p:style>
-        </p:cxnSp>
+      </p:grpSp>
+      <p:grpSp>
+        <p:nvGrpSpPr>
+          <p:cNvPr id="11" name="Group 10"/>
+          <p:cNvGrpSpPr/>
+          <p:nvPr/>
+        </p:nvGrpSpPr>
+        <p:grpSpPr>
+          <a:xfrm>
+            <a:off x="7569492" y="2982816"/>
+            <a:ext cx="2345098" cy="2522207"/>
+            <a:chOff x="7569492" y="2982816"/>
+            <a:chExt cx="2345098" cy="2522207"/>
+          </a:xfrm>
+        </p:grpSpPr>
         <p:sp>
           <p:nvSpPr>
-            <p:cNvPr id="9" name="Content Placeholder 2"/>
+            <p:cNvPr id="19" name="Content Placeholder 2"/>
             <p:cNvSpPr txBox="1">
               <a:spLocks/>
             </p:cNvSpPr>
@@ -9227,7 +10942,7 @@
           </p:nvSpPr>
           <p:spPr>
             <a:xfrm>
-              <a:off x="1921528" y="4095244"/>
+              <a:off x="7569492" y="2982816"/>
               <a:ext cx="2341379" cy="356553"/>
             </a:xfrm>
             <a:prstGeom prst="rect">
@@ -9485,682 +11200,625 @@
               </a:lvl9pPr>
             </a:lstStyle>
             <a:p>
+              <a:pPr marL="0" indent="0">
+                <a:buNone/>
+              </a:pPr>
               <a:r>
-                <a:rPr lang="en-CA" b="1" dirty="0" smtClean="0"/>
-                <a:t>Block 2 Performance</a:t>
+                <a:rPr lang="en-CA" b="1" dirty="0" smtClean="0">
+                  <a:solidFill>
+                    <a:schemeClr val="accent5"/>
+                  </a:solidFill>
+                </a:rPr>
+                <a:t>Environment: Urban</a:t>
               </a:r>
-              <a:endParaRPr lang="en-CA" b="1" dirty="0" smtClean="0"/>
+              <a:endParaRPr lang="en-CA" b="1" dirty="0" smtClean="0">
+                <a:solidFill>
+                  <a:schemeClr val="accent5"/>
+                </a:solidFill>
+              </a:endParaRPr>
             </a:p>
           </p:txBody>
         </p:sp>
-        <p:cxnSp>
-          <p:nvCxnSpPr>
-            <p:cNvPr id="10" name="Straight Arrow Connector 9"/>
-            <p:cNvCxnSpPr/>
+        <p:grpSp>
+          <p:nvGrpSpPr>
+            <p:cNvPr id="20" name="Group 19"/>
+            <p:cNvGrpSpPr/>
             <p:nvPr/>
-          </p:nvCxnSpPr>
-          <p:spPr>
-            <a:xfrm flipH="1">
-              <a:off x="5769735" y="3296991"/>
-              <a:ext cx="2576" cy="785374"/>
+          </p:nvGrpSpPr>
+          <p:grpSpPr>
+            <a:xfrm>
+              <a:off x="7569492" y="3700130"/>
+              <a:ext cx="2345098" cy="1804893"/>
+              <a:chOff x="4403431" y="2667835"/>
+              <a:chExt cx="2345098" cy="1804893"/>
             </a:xfrm>
-            <a:prstGeom prst="straightConnector1">
-              <a:avLst/>
-            </a:prstGeom>
-            <a:ln w="57150">
-              <a:tailEnd type="triangle"/>
-            </a:ln>
-          </p:spPr>
-          <p:style>
-            <a:lnRef idx="1">
-              <a:schemeClr val="accent1"/>
-            </a:lnRef>
-            <a:fillRef idx="0">
-              <a:schemeClr val="accent1"/>
-            </a:fillRef>
-            <a:effectRef idx="0">
-              <a:schemeClr val="accent1"/>
-            </a:effectRef>
-            <a:fontRef idx="minor">
-              <a:schemeClr val="tx1"/>
-            </a:fontRef>
-          </p:style>
-        </p:cxnSp>
-        <p:cxnSp>
-          <p:nvCxnSpPr>
-            <p:cNvPr id="12" name="Straight Arrow Connector 11"/>
-            <p:cNvCxnSpPr/>
-            <p:nvPr/>
-          </p:nvCxnSpPr>
-          <p:spPr>
-            <a:xfrm>
-              <a:off x="7045172" y="3213397"/>
-              <a:ext cx="1261701" cy="701780"/>
-            </a:xfrm>
-            <a:prstGeom prst="straightConnector1">
-              <a:avLst/>
-            </a:prstGeom>
-            <a:ln w="57150">
-              <a:tailEnd type="triangle"/>
-            </a:ln>
-          </p:spPr>
-          <p:style>
-            <a:lnRef idx="1">
-              <a:schemeClr val="accent1"/>
-            </a:lnRef>
-            <a:fillRef idx="0">
-              <a:schemeClr val="accent1"/>
-            </a:fillRef>
-            <a:effectRef idx="0">
-              <a:schemeClr val="accent1"/>
-            </a:effectRef>
-            <a:fontRef idx="minor">
-              <a:schemeClr val="tx1"/>
-            </a:fontRef>
-          </p:style>
-        </p:cxnSp>
-        <p:sp>
-          <p:nvSpPr>
-            <p:cNvPr id="15" name="Content Placeholder 2"/>
-            <p:cNvSpPr txBox="1">
-              <a:spLocks/>
-            </p:cNvSpPr>
-            <p:nvPr/>
-          </p:nvSpPr>
-          <p:spPr>
-            <a:xfrm>
-              <a:off x="4703793" y="4095243"/>
-              <a:ext cx="2341379" cy="1352520"/>
-            </a:xfrm>
-            <a:prstGeom prst="rect">
-              <a:avLst/>
-            </a:prstGeom>
-          </p:spPr>
-          <p:txBody>
-            <a:bodyPr vert="horz" lIns="0" tIns="45720" rIns="0" bIns="45720" rtlCol="0">
-              <a:normAutofit/>
-            </a:bodyPr>
-            <a:lstStyle>
-              <a:lvl1pPr marL="91440" indent="-91440" algn="l" defTabSz="914400" rtl="0" eaLnBrk="1" latinLnBrk="0" hangingPunct="1">
-                <a:lnSpc>
-                  <a:spcPct val="90000"/>
-                </a:lnSpc>
-                <a:spcBef>
-                  <a:spcPts val="1200"/>
-                </a:spcBef>
-                <a:spcAft>
-                  <a:spcPts val="200"/>
-                </a:spcAft>
-                <a:buClr>
-                  <a:schemeClr val="accent1"/>
-                </a:buClr>
-                <a:buSzPct val="100000"/>
-                <a:buFont typeface="Calibri" panose="020F0502020204030204" pitchFamily="34" charset="0"/>
-                <a:buChar char=" "/>
-                <a:defRPr sz="2000" kern="1200">
-                  <a:solidFill>
-                    <a:schemeClr val="tx1">
-                      <a:lumMod val="75000"/>
-                      <a:lumOff val="25000"/>
-                    </a:schemeClr>
-                  </a:solidFill>
-                  <a:latin typeface="+mn-lt"/>
-                  <a:ea typeface="+mn-ea"/>
-                  <a:cs typeface="+mn-cs"/>
-                </a:defRPr>
-              </a:lvl1pPr>
-              <a:lvl2pPr marL="384048" indent="-182880" algn="l" defTabSz="914400" rtl="0" eaLnBrk="1" latinLnBrk="0" hangingPunct="1">
-                <a:lnSpc>
-                  <a:spcPct val="90000"/>
-                </a:lnSpc>
-                <a:spcBef>
-                  <a:spcPts val="200"/>
-                </a:spcBef>
-                <a:spcAft>
-                  <a:spcPts val="400"/>
-                </a:spcAft>
-                <a:buClr>
-                  <a:schemeClr val="accent1"/>
-                </a:buClr>
-                <a:buFont typeface="Calibri" pitchFamily="34" charset="0"/>
-                <a:buChar char="◦"/>
-                <a:defRPr sz="1800" kern="1200">
-                  <a:solidFill>
-                    <a:schemeClr val="tx1">
-                      <a:lumMod val="75000"/>
-                      <a:lumOff val="25000"/>
-                    </a:schemeClr>
-                  </a:solidFill>
-                  <a:latin typeface="+mn-lt"/>
-                  <a:ea typeface="+mn-ea"/>
-                  <a:cs typeface="+mn-cs"/>
-                </a:defRPr>
-              </a:lvl2pPr>
-              <a:lvl3pPr marL="566928" indent="-182880" algn="l" defTabSz="914400" rtl="0" eaLnBrk="1" latinLnBrk="0" hangingPunct="1">
-                <a:lnSpc>
-                  <a:spcPct val="90000"/>
-                </a:lnSpc>
-                <a:spcBef>
-                  <a:spcPts val="200"/>
-                </a:spcBef>
-                <a:spcAft>
-                  <a:spcPts val="400"/>
-                </a:spcAft>
-                <a:buClr>
-                  <a:schemeClr val="accent1"/>
-                </a:buClr>
-                <a:buFont typeface="Calibri" pitchFamily="34" charset="0"/>
-                <a:buChar char="◦"/>
-                <a:defRPr sz="1400" kern="1200">
-                  <a:solidFill>
-                    <a:schemeClr val="tx1">
-                      <a:lumMod val="75000"/>
-                      <a:lumOff val="25000"/>
-                    </a:schemeClr>
-                  </a:solidFill>
-                  <a:latin typeface="+mn-lt"/>
-                  <a:ea typeface="+mn-ea"/>
-                  <a:cs typeface="+mn-cs"/>
-                </a:defRPr>
-              </a:lvl3pPr>
-              <a:lvl4pPr marL="749808" indent="-182880" algn="l" defTabSz="914400" rtl="0" eaLnBrk="1" latinLnBrk="0" hangingPunct="1">
-                <a:lnSpc>
-                  <a:spcPct val="90000"/>
-                </a:lnSpc>
-                <a:spcBef>
-                  <a:spcPts val="200"/>
-                </a:spcBef>
-                <a:spcAft>
-                  <a:spcPts val="400"/>
-                </a:spcAft>
-                <a:buClr>
-                  <a:schemeClr val="accent1"/>
-                </a:buClr>
-                <a:buFont typeface="Calibri" pitchFamily="34" charset="0"/>
-                <a:buChar char="◦"/>
-                <a:defRPr sz="1400" kern="1200">
-                  <a:solidFill>
-                    <a:schemeClr val="tx1">
-                      <a:lumMod val="75000"/>
-                      <a:lumOff val="25000"/>
-                    </a:schemeClr>
-                  </a:solidFill>
-                  <a:latin typeface="+mn-lt"/>
-                  <a:ea typeface="+mn-ea"/>
-                  <a:cs typeface="+mn-cs"/>
-                </a:defRPr>
-              </a:lvl4pPr>
-              <a:lvl5pPr marL="932688" indent="-182880" algn="l" defTabSz="914400" rtl="0" eaLnBrk="1" latinLnBrk="0" hangingPunct="1">
-                <a:lnSpc>
-                  <a:spcPct val="90000"/>
-                </a:lnSpc>
-                <a:spcBef>
-                  <a:spcPts val="200"/>
-                </a:spcBef>
-                <a:spcAft>
-                  <a:spcPts val="400"/>
-                </a:spcAft>
-                <a:buClr>
-                  <a:schemeClr val="accent1"/>
-                </a:buClr>
-                <a:buFont typeface="Calibri" pitchFamily="34" charset="0"/>
-                <a:buChar char="◦"/>
-                <a:defRPr sz="1400" kern="1200">
-                  <a:solidFill>
-                    <a:schemeClr val="tx1">
-                      <a:lumMod val="75000"/>
-                      <a:lumOff val="25000"/>
-                    </a:schemeClr>
-                  </a:solidFill>
-                  <a:latin typeface="+mn-lt"/>
-                  <a:ea typeface="+mn-ea"/>
-                  <a:cs typeface="+mn-cs"/>
-                </a:defRPr>
-              </a:lvl5pPr>
-              <a:lvl6pPr marL="1100000" indent="-228600" algn="l" defTabSz="914400" rtl="0" eaLnBrk="1" latinLnBrk="0" hangingPunct="1">
-                <a:lnSpc>
-                  <a:spcPct val="90000"/>
-                </a:lnSpc>
-                <a:spcBef>
-                  <a:spcPts val="200"/>
-                </a:spcBef>
-                <a:spcAft>
-                  <a:spcPts val="400"/>
-                </a:spcAft>
-                <a:buClr>
-                  <a:schemeClr val="accent1"/>
-                </a:buClr>
-                <a:buFont typeface="Calibri" pitchFamily="34" charset="0"/>
-                <a:buChar char="◦"/>
-                <a:defRPr sz="1400" kern="1200">
-                  <a:solidFill>
-                    <a:schemeClr val="tx1">
-                      <a:lumMod val="75000"/>
-                      <a:lumOff val="25000"/>
-                    </a:schemeClr>
-                  </a:solidFill>
-                  <a:latin typeface="+mn-lt"/>
-                  <a:ea typeface="+mn-ea"/>
-                  <a:cs typeface="+mn-cs"/>
-                </a:defRPr>
-              </a:lvl6pPr>
-              <a:lvl7pPr marL="1300000" indent="-228600" algn="l" defTabSz="914400" rtl="0" eaLnBrk="1" latinLnBrk="0" hangingPunct="1">
-                <a:lnSpc>
-                  <a:spcPct val="90000"/>
-                </a:lnSpc>
-                <a:spcBef>
-                  <a:spcPts val="200"/>
-                </a:spcBef>
-                <a:spcAft>
-                  <a:spcPts val="400"/>
-                </a:spcAft>
-                <a:buClr>
-                  <a:schemeClr val="accent1"/>
-                </a:buClr>
-                <a:buFont typeface="Calibri" pitchFamily="34" charset="0"/>
-                <a:buChar char="◦"/>
-                <a:defRPr sz="1400" kern="1200">
-                  <a:solidFill>
-                    <a:schemeClr val="tx1">
-                      <a:lumMod val="75000"/>
-                      <a:lumOff val="25000"/>
-                    </a:schemeClr>
-                  </a:solidFill>
-                  <a:latin typeface="+mn-lt"/>
-                  <a:ea typeface="+mn-ea"/>
-                  <a:cs typeface="+mn-cs"/>
-                </a:defRPr>
-              </a:lvl7pPr>
-              <a:lvl8pPr marL="1500000" indent="-228600" algn="l" defTabSz="914400" rtl="0" eaLnBrk="1" latinLnBrk="0" hangingPunct="1">
-                <a:lnSpc>
-                  <a:spcPct val="90000"/>
-                </a:lnSpc>
-                <a:spcBef>
-                  <a:spcPts val="200"/>
-                </a:spcBef>
-                <a:spcAft>
-                  <a:spcPts val="400"/>
-                </a:spcAft>
-                <a:buClr>
-                  <a:schemeClr val="accent1"/>
-                </a:buClr>
-                <a:buFont typeface="Calibri" pitchFamily="34" charset="0"/>
-                <a:buChar char="◦"/>
-                <a:defRPr sz="1400" kern="1200">
-                  <a:solidFill>
-                    <a:schemeClr val="tx1">
-                      <a:lumMod val="75000"/>
-                      <a:lumOff val="25000"/>
-                    </a:schemeClr>
-                  </a:solidFill>
-                  <a:latin typeface="+mn-lt"/>
-                  <a:ea typeface="+mn-ea"/>
-                  <a:cs typeface="+mn-cs"/>
-                </a:defRPr>
-              </a:lvl8pPr>
-              <a:lvl9pPr marL="1700000" indent="-228600" algn="l" defTabSz="914400" rtl="0" eaLnBrk="1" latinLnBrk="0" hangingPunct="1">
-                <a:lnSpc>
-                  <a:spcPct val="90000"/>
-                </a:lnSpc>
-                <a:spcBef>
-                  <a:spcPts val="200"/>
-                </a:spcBef>
-                <a:spcAft>
-                  <a:spcPts val="400"/>
-                </a:spcAft>
-                <a:buClr>
-                  <a:schemeClr val="accent1"/>
-                </a:buClr>
-                <a:buFont typeface="Calibri" pitchFamily="34" charset="0"/>
-                <a:buChar char="◦"/>
-                <a:defRPr sz="1400" kern="1200">
-                  <a:solidFill>
-                    <a:schemeClr val="tx1">
-                      <a:lumMod val="75000"/>
-                      <a:lumOff val="25000"/>
-                    </a:schemeClr>
-                  </a:solidFill>
-                  <a:latin typeface="+mn-lt"/>
-                  <a:ea typeface="+mn-ea"/>
-                  <a:cs typeface="+mn-cs"/>
-                </a:defRPr>
-              </a:lvl9pPr>
-            </a:lstStyle>
-            <a:p>
-              <a:r>
-                <a:rPr lang="en-CA" b="1" dirty="0" smtClean="0"/>
-                <a:t>Environment Type</a:t>
-              </a:r>
-            </a:p>
-            <a:p>
-              <a:pPr>
-                <a:buFont typeface="Wingdings" panose="05000000000000000000" pitchFamily="2" charset="2"/>
-                <a:buChar char="Ø"/>
-              </a:pPr>
-              <a:r>
-                <a:rPr lang="en-CA" sz="1500" b="1" dirty="0" smtClean="0"/>
-                <a:t>Rural</a:t>
-              </a:r>
-            </a:p>
-            <a:p>
-              <a:pPr>
-                <a:buFont typeface="Wingdings" panose="05000000000000000000" pitchFamily="2" charset="2"/>
-                <a:buChar char="Ø"/>
-              </a:pPr>
-              <a:r>
-                <a:rPr lang="en-CA" sz="1500" b="1" dirty="0" smtClean="0"/>
-                <a:t>Urban</a:t>
-              </a:r>
-              <a:endParaRPr lang="en-CA" sz="1500" b="1" dirty="0" smtClean="0"/>
-            </a:p>
-          </p:txBody>
-        </p:sp>
-        <p:sp>
-          <p:nvSpPr>
-            <p:cNvPr id="16" name="Content Placeholder 2"/>
-            <p:cNvSpPr txBox="1">
-              <a:spLocks/>
-            </p:cNvSpPr>
-            <p:nvPr/>
-          </p:nvSpPr>
-          <p:spPr>
-            <a:xfrm>
-              <a:off x="7329368" y="4103590"/>
-              <a:ext cx="2341379" cy="1550235"/>
-            </a:xfrm>
-            <a:prstGeom prst="rect">
-              <a:avLst/>
-            </a:prstGeom>
-          </p:spPr>
-          <p:txBody>
-            <a:bodyPr vert="horz" lIns="0" tIns="45720" rIns="0" bIns="45720" rtlCol="0">
-              <a:normAutofit/>
-            </a:bodyPr>
-            <a:lstStyle>
-              <a:lvl1pPr marL="91440" indent="-91440" algn="l" defTabSz="914400" rtl="0" eaLnBrk="1" latinLnBrk="0" hangingPunct="1">
-                <a:lnSpc>
-                  <a:spcPct val="90000"/>
-                </a:lnSpc>
-                <a:spcBef>
-                  <a:spcPts val="1200"/>
-                </a:spcBef>
-                <a:spcAft>
-                  <a:spcPts val="200"/>
-                </a:spcAft>
-                <a:buClr>
-                  <a:schemeClr val="accent1"/>
-                </a:buClr>
-                <a:buSzPct val="100000"/>
-                <a:buFont typeface="Calibri" panose="020F0502020204030204" pitchFamily="34" charset="0"/>
-                <a:buChar char=" "/>
-                <a:defRPr sz="2000" kern="1200">
-                  <a:solidFill>
-                    <a:schemeClr val="tx1">
-                      <a:lumMod val="75000"/>
-                      <a:lumOff val="25000"/>
-                    </a:schemeClr>
-                  </a:solidFill>
-                  <a:latin typeface="+mn-lt"/>
-                  <a:ea typeface="+mn-ea"/>
-                  <a:cs typeface="+mn-cs"/>
-                </a:defRPr>
-              </a:lvl1pPr>
-              <a:lvl2pPr marL="384048" indent="-182880" algn="l" defTabSz="914400" rtl="0" eaLnBrk="1" latinLnBrk="0" hangingPunct="1">
-                <a:lnSpc>
-                  <a:spcPct val="90000"/>
-                </a:lnSpc>
-                <a:spcBef>
-                  <a:spcPts val="200"/>
-                </a:spcBef>
-                <a:spcAft>
-                  <a:spcPts val="400"/>
-                </a:spcAft>
-                <a:buClr>
-                  <a:schemeClr val="accent1"/>
-                </a:buClr>
-                <a:buFont typeface="Calibri" pitchFamily="34" charset="0"/>
-                <a:buChar char="◦"/>
-                <a:defRPr sz="1800" kern="1200">
-                  <a:solidFill>
-                    <a:schemeClr val="tx1">
-                      <a:lumMod val="75000"/>
-                      <a:lumOff val="25000"/>
-                    </a:schemeClr>
-                  </a:solidFill>
-                  <a:latin typeface="+mn-lt"/>
-                  <a:ea typeface="+mn-ea"/>
-                  <a:cs typeface="+mn-cs"/>
-                </a:defRPr>
-              </a:lvl2pPr>
-              <a:lvl3pPr marL="566928" indent="-182880" algn="l" defTabSz="914400" rtl="0" eaLnBrk="1" latinLnBrk="0" hangingPunct="1">
-                <a:lnSpc>
-                  <a:spcPct val="90000"/>
-                </a:lnSpc>
-                <a:spcBef>
-                  <a:spcPts val="200"/>
-                </a:spcBef>
-                <a:spcAft>
-                  <a:spcPts val="400"/>
-                </a:spcAft>
-                <a:buClr>
-                  <a:schemeClr val="accent1"/>
-                </a:buClr>
-                <a:buFont typeface="Calibri" pitchFamily="34" charset="0"/>
-                <a:buChar char="◦"/>
-                <a:defRPr sz="1400" kern="1200">
-                  <a:solidFill>
-                    <a:schemeClr val="tx1">
-                      <a:lumMod val="75000"/>
-                      <a:lumOff val="25000"/>
-                    </a:schemeClr>
-                  </a:solidFill>
-                  <a:latin typeface="+mn-lt"/>
-                  <a:ea typeface="+mn-ea"/>
-                  <a:cs typeface="+mn-cs"/>
-                </a:defRPr>
-              </a:lvl3pPr>
-              <a:lvl4pPr marL="749808" indent="-182880" algn="l" defTabSz="914400" rtl="0" eaLnBrk="1" latinLnBrk="0" hangingPunct="1">
-                <a:lnSpc>
-                  <a:spcPct val="90000"/>
-                </a:lnSpc>
-                <a:spcBef>
-                  <a:spcPts val="200"/>
-                </a:spcBef>
-                <a:spcAft>
-                  <a:spcPts val="400"/>
-                </a:spcAft>
-                <a:buClr>
-                  <a:schemeClr val="accent1"/>
-                </a:buClr>
-                <a:buFont typeface="Calibri" pitchFamily="34" charset="0"/>
-                <a:buChar char="◦"/>
-                <a:defRPr sz="1400" kern="1200">
-                  <a:solidFill>
-                    <a:schemeClr val="tx1">
-                      <a:lumMod val="75000"/>
-                      <a:lumOff val="25000"/>
-                    </a:schemeClr>
-                  </a:solidFill>
-                  <a:latin typeface="+mn-lt"/>
-                  <a:ea typeface="+mn-ea"/>
-                  <a:cs typeface="+mn-cs"/>
-                </a:defRPr>
-              </a:lvl4pPr>
-              <a:lvl5pPr marL="932688" indent="-182880" algn="l" defTabSz="914400" rtl="0" eaLnBrk="1" latinLnBrk="0" hangingPunct="1">
-                <a:lnSpc>
-                  <a:spcPct val="90000"/>
-                </a:lnSpc>
-                <a:spcBef>
-                  <a:spcPts val="200"/>
-                </a:spcBef>
-                <a:spcAft>
-                  <a:spcPts val="400"/>
-                </a:spcAft>
-                <a:buClr>
-                  <a:schemeClr val="accent1"/>
-                </a:buClr>
-                <a:buFont typeface="Calibri" pitchFamily="34" charset="0"/>
-                <a:buChar char="◦"/>
-                <a:defRPr sz="1400" kern="1200">
-                  <a:solidFill>
-                    <a:schemeClr val="tx1">
-                      <a:lumMod val="75000"/>
-                      <a:lumOff val="25000"/>
-                    </a:schemeClr>
-                  </a:solidFill>
-                  <a:latin typeface="+mn-lt"/>
-                  <a:ea typeface="+mn-ea"/>
-                  <a:cs typeface="+mn-cs"/>
-                </a:defRPr>
-              </a:lvl5pPr>
-              <a:lvl6pPr marL="1100000" indent="-228600" algn="l" defTabSz="914400" rtl="0" eaLnBrk="1" latinLnBrk="0" hangingPunct="1">
-                <a:lnSpc>
-                  <a:spcPct val="90000"/>
-                </a:lnSpc>
-                <a:spcBef>
-                  <a:spcPts val="200"/>
-                </a:spcBef>
-                <a:spcAft>
-                  <a:spcPts val="400"/>
-                </a:spcAft>
-                <a:buClr>
-                  <a:schemeClr val="accent1"/>
-                </a:buClr>
-                <a:buFont typeface="Calibri" pitchFamily="34" charset="0"/>
-                <a:buChar char="◦"/>
-                <a:defRPr sz="1400" kern="1200">
-                  <a:solidFill>
-                    <a:schemeClr val="tx1">
-                      <a:lumMod val="75000"/>
-                      <a:lumOff val="25000"/>
-                    </a:schemeClr>
-                  </a:solidFill>
-                  <a:latin typeface="+mn-lt"/>
-                  <a:ea typeface="+mn-ea"/>
-                  <a:cs typeface="+mn-cs"/>
-                </a:defRPr>
-              </a:lvl6pPr>
-              <a:lvl7pPr marL="1300000" indent="-228600" algn="l" defTabSz="914400" rtl="0" eaLnBrk="1" latinLnBrk="0" hangingPunct="1">
-                <a:lnSpc>
-                  <a:spcPct val="90000"/>
-                </a:lnSpc>
-                <a:spcBef>
-                  <a:spcPts val="200"/>
-                </a:spcBef>
-                <a:spcAft>
-                  <a:spcPts val="400"/>
-                </a:spcAft>
-                <a:buClr>
-                  <a:schemeClr val="accent1"/>
-                </a:buClr>
-                <a:buFont typeface="Calibri" pitchFamily="34" charset="0"/>
-                <a:buChar char="◦"/>
-                <a:defRPr sz="1400" kern="1200">
-                  <a:solidFill>
-                    <a:schemeClr val="tx1">
-                      <a:lumMod val="75000"/>
-                      <a:lumOff val="25000"/>
-                    </a:schemeClr>
-                  </a:solidFill>
-                  <a:latin typeface="+mn-lt"/>
-                  <a:ea typeface="+mn-ea"/>
-                  <a:cs typeface="+mn-cs"/>
-                </a:defRPr>
-              </a:lvl7pPr>
-              <a:lvl8pPr marL="1500000" indent="-228600" algn="l" defTabSz="914400" rtl="0" eaLnBrk="1" latinLnBrk="0" hangingPunct="1">
-                <a:lnSpc>
-                  <a:spcPct val="90000"/>
-                </a:lnSpc>
-                <a:spcBef>
-                  <a:spcPts val="200"/>
-                </a:spcBef>
-                <a:spcAft>
-                  <a:spcPts val="400"/>
-                </a:spcAft>
-                <a:buClr>
-                  <a:schemeClr val="accent1"/>
-                </a:buClr>
-                <a:buFont typeface="Calibri" pitchFamily="34" charset="0"/>
-                <a:buChar char="◦"/>
-                <a:defRPr sz="1400" kern="1200">
-                  <a:solidFill>
-                    <a:schemeClr val="tx1">
-                      <a:lumMod val="75000"/>
-                      <a:lumOff val="25000"/>
-                    </a:schemeClr>
-                  </a:solidFill>
-                  <a:latin typeface="+mn-lt"/>
-                  <a:ea typeface="+mn-ea"/>
-                  <a:cs typeface="+mn-cs"/>
-                </a:defRPr>
-              </a:lvl8pPr>
-              <a:lvl9pPr marL="1700000" indent="-228600" algn="l" defTabSz="914400" rtl="0" eaLnBrk="1" latinLnBrk="0" hangingPunct="1">
-                <a:lnSpc>
-                  <a:spcPct val="90000"/>
-                </a:lnSpc>
-                <a:spcBef>
-                  <a:spcPts val="200"/>
-                </a:spcBef>
-                <a:spcAft>
-                  <a:spcPts val="400"/>
-                </a:spcAft>
-                <a:buClr>
-                  <a:schemeClr val="accent1"/>
-                </a:buClr>
-                <a:buFont typeface="Calibri" pitchFamily="34" charset="0"/>
-                <a:buChar char="◦"/>
-                <a:defRPr sz="1400" kern="1200">
-                  <a:solidFill>
-                    <a:schemeClr val="tx1">
-                      <a:lumMod val="75000"/>
-                      <a:lumOff val="25000"/>
-                    </a:schemeClr>
-                  </a:solidFill>
-                  <a:latin typeface="+mn-lt"/>
-                  <a:ea typeface="+mn-ea"/>
-                  <a:cs typeface="+mn-cs"/>
-                </a:defRPr>
-              </a:lvl9pPr>
-            </a:lstStyle>
-            <a:p>
-              <a:r>
-                <a:rPr lang="en-CA" b="1" dirty="0" smtClean="0"/>
-                <a:t>Reward Type</a:t>
-              </a:r>
-            </a:p>
-            <a:p>
-              <a:pPr>
-                <a:buFont typeface="Wingdings" panose="05000000000000000000" pitchFamily="2" charset="2"/>
-                <a:buChar char="Ø"/>
-              </a:pPr>
-              <a:r>
-                <a:rPr lang="en-CA" sz="1500" b="1" dirty="0" smtClean="0"/>
-                <a:t>Food</a:t>
-              </a:r>
-            </a:p>
-            <a:p>
-              <a:pPr>
-                <a:buFont typeface="Wingdings" panose="05000000000000000000" pitchFamily="2" charset="2"/>
-                <a:buChar char="Ø"/>
-              </a:pPr>
-              <a:r>
-                <a:rPr lang="en-CA" sz="1500" b="1" dirty="0" smtClean="0"/>
-                <a:t>Water</a:t>
-              </a:r>
-            </a:p>
-            <a:p>
-              <a:pPr>
-                <a:buFont typeface="Wingdings" panose="05000000000000000000" pitchFamily="2" charset="2"/>
-                <a:buChar char="Ø"/>
-              </a:pPr>
-              <a:r>
-                <a:rPr lang="en-CA" sz="1500" b="1" dirty="0" smtClean="0"/>
-                <a:t>Money</a:t>
-              </a:r>
-              <a:endParaRPr lang="en-CA" sz="1500" b="1" dirty="0" smtClean="0"/>
-            </a:p>
-          </p:txBody>
-        </p:sp>
+          </p:grpSpPr>
+          <p:sp>
+            <p:nvSpPr>
+              <p:cNvPr id="21" name="Content Placeholder 2"/>
+              <p:cNvSpPr txBox="1">
+                <a:spLocks/>
+              </p:cNvSpPr>
+              <p:nvPr/>
+            </p:nvSpPr>
+            <p:spPr>
+              <a:xfrm>
+                <a:off x="4407150" y="2667835"/>
+                <a:ext cx="2341379" cy="356553"/>
+              </a:xfrm>
+              <a:prstGeom prst="rect">
+                <a:avLst/>
+              </a:prstGeom>
+            </p:spPr>
+            <p:txBody>
+              <a:bodyPr vert="horz" lIns="0" tIns="45720" rIns="0" bIns="45720" rtlCol="0">
+                <a:normAutofit lnSpcReduction="10000"/>
+              </a:bodyPr>
+              <a:lstStyle>
+                <a:lvl1pPr marL="91440" indent="-91440" algn="l" defTabSz="914400" rtl="0" eaLnBrk="1" latinLnBrk="0" hangingPunct="1">
+                  <a:lnSpc>
+                    <a:spcPct val="90000"/>
+                  </a:lnSpc>
+                  <a:spcBef>
+                    <a:spcPts val="1200"/>
+                  </a:spcBef>
+                  <a:spcAft>
+                    <a:spcPts val="200"/>
+                  </a:spcAft>
+                  <a:buClr>
+                    <a:schemeClr val="accent1"/>
+                  </a:buClr>
+                  <a:buSzPct val="100000"/>
+                  <a:buFont typeface="Calibri" panose="020F0502020204030204" pitchFamily="34" charset="0"/>
+                  <a:buChar char=" "/>
+                  <a:defRPr sz="2000" kern="1200">
+                    <a:solidFill>
+                      <a:schemeClr val="tx1">
+                        <a:lumMod val="75000"/>
+                        <a:lumOff val="25000"/>
+                      </a:schemeClr>
+                    </a:solidFill>
+                    <a:latin typeface="+mn-lt"/>
+                    <a:ea typeface="+mn-ea"/>
+                    <a:cs typeface="+mn-cs"/>
+                  </a:defRPr>
+                </a:lvl1pPr>
+                <a:lvl2pPr marL="384048" indent="-182880" algn="l" defTabSz="914400" rtl="0" eaLnBrk="1" latinLnBrk="0" hangingPunct="1">
+                  <a:lnSpc>
+                    <a:spcPct val="90000"/>
+                  </a:lnSpc>
+                  <a:spcBef>
+                    <a:spcPts val="200"/>
+                  </a:spcBef>
+                  <a:spcAft>
+                    <a:spcPts val="400"/>
+                  </a:spcAft>
+                  <a:buClr>
+                    <a:schemeClr val="accent1"/>
+                  </a:buClr>
+                  <a:buFont typeface="Calibri" pitchFamily="34" charset="0"/>
+                  <a:buChar char="◦"/>
+                  <a:defRPr sz="1800" kern="1200">
+                    <a:solidFill>
+                      <a:schemeClr val="tx1">
+                        <a:lumMod val="75000"/>
+                        <a:lumOff val="25000"/>
+                      </a:schemeClr>
+                    </a:solidFill>
+                    <a:latin typeface="+mn-lt"/>
+                    <a:ea typeface="+mn-ea"/>
+                    <a:cs typeface="+mn-cs"/>
+                  </a:defRPr>
+                </a:lvl2pPr>
+                <a:lvl3pPr marL="566928" indent="-182880" algn="l" defTabSz="914400" rtl="0" eaLnBrk="1" latinLnBrk="0" hangingPunct="1">
+                  <a:lnSpc>
+                    <a:spcPct val="90000"/>
+                  </a:lnSpc>
+                  <a:spcBef>
+                    <a:spcPts val="200"/>
+                  </a:spcBef>
+                  <a:spcAft>
+                    <a:spcPts val="400"/>
+                  </a:spcAft>
+                  <a:buClr>
+                    <a:schemeClr val="accent1"/>
+                  </a:buClr>
+                  <a:buFont typeface="Calibri" pitchFamily="34" charset="0"/>
+                  <a:buChar char="◦"/>
+                  <a:defRPr sz="1400" kern="1200">
+                    <a:solidFill>
+                      <a:schemeClr val="tx1">
+                        <a:lumMod val="75000"/>
+                        <a:lumOff val="25000"/>
+                      </a:schemeClr>
+                    </a:solidFill>
+                    <a:latin typeface="+mn-lt"/>
+                    <a:ea typeface="+mn-ea"/>
+                    <a:cs typeface="+mn-cs"/>
+                  </a:defRPr>
+                </a:lvl3pPr>
+                <a:lvl4pPr marL="749808" indent="-182880" algn="l" defTabSz="914400" rtl="0" eaLnBrk="1" latinLnBrk="0" hangingPunct="1">
+                  <a:lnSpc>
+                    <a:spcPct val="90000"/>
+                  </a:lnSpc>
+                  <a:spcBef>
+                    <a:spcPts val="200"/>
+                  </a:spcBef>
+                  <a:spcAft>
+                    <a:spcPts val="400"/>
+                  </a:spcAft>
+                  <a:buClr>
+                    <a:schemeClr val="accent1"/>
+                  </a:buClr>
+                  <a:buFont typeface="Calibri" pitchFamily="34" charset="0"/>
+                  <a:buChar char="◦"/>
+                  <a:defRPr sz="1400" kern="1200">
+                    <a:solidFill>
+                      <a:schemeClr val="tx1">
+                        <a:lumMod val="75000"/>
+                        <a:lumOff val="25000"/>
+                      </a:schemeClr>
+                    </a:solidFill>
+                    <a:latin typeface="+mn-lt"/>
+                    <a:ea typeface="+mn-ea"/>
+                    <a:cs typeface="+mn-cs"/>
+                  </a:defRPr>
+                </a:lvl4pPr>
+                <a:lvl5pPr marL="932688" indent="-182880" algn="l" defTabSz="914400" rtl="0" eaLnBrk="1" latinLnBrk="0" hangingPunct="1">
+                  <a:lnSpc>
+                    <a:spcPct val="90000"/>
+                  </a:lnSpc>
+                  <a:spcBef>
+                    <a:spcPts val="200"/>
+                  </a:spcBef>
+                  <a:spcAft>
+                    <a:spcPts val="400"/>
+                  </a:spcAft>
+                  <a:buClr>
+                    <a:schemeClr val="accent1"/>
+                  </a:buClr>
+                  <a:buFont typeface="Calibri" pitchFamily="34" charset="0"/>
+                  <a:buChar char="◦"/>
+                  <a:defRPr sz="1400" kern="1200">
+                    <a:solidFill>
+                      <a:schemeClr val="tx1">
+                        <a:lumMod val="75000"/>
+                        <a:lumOff val="25000"/>
+                      </a:schemeClr>
+                    </a:solidFill>
+                    <a:latin typeface="+mn-lt"/>
+                    <a:ea typeface="+mn-ea"/>
+                    <a:cs typeface="+mn-cs"/>
+                  </a:defRPr>
+                </a:lvl5pPr>
+                <a:lvl6pPr marL="1100000" indent="-228600" algn="l" defTabSz="914400" rtl="0" eaLnBrk="1" latinLnBrk="0" hangingPunct="1">
+                  <a:lnSpc>
+                    <a:spcPct val="90000"/>
+                  </a:lnSpc>
+                  <a:spcBef>
+                    <a:spcPts val="200"/>
+                  </a:spcBef>
+                  <a:spcAft>
+                    <a:spcPts val="400"/>
+                  </a:spcAft>
+                  <a:buClr>
+                    <a:schemeClr val="accent1"/>
+                  </a:buClr>
+                  <a:buFont typeface="Calibri" pitchFamily="34" charset="0"/>
+                  <a:buChar char="◦"/>
+                  <a:defRPr sz="1400" kern="1200">
+                    <a:solidFill>
+                      <a:schemeClr val="tx1">
+                        <a:lumMod val="75000"/>
+                        <a:lumOff val="25000"/>
+                      </a:schemeClr>
+                    </a:solidFill>
+                    <a:latin typeface="+mn-lt"/>
+                    <a:ea typeface="+mn-ea"/>
+                    <a:cs typeface="+mn-cs"/>
+                  </a:defRPr>
+                </a:lvl6pPr>
+                <a:lvl7pPr marL="1300000" indent="-228600" algn="l" defTabSz="914400" rtl="0" eaLnBrk="1" latinLnBrk="0" hangingPunct="1">
+                  <a:lnSpc>
+                    <a:spcPct val="90000"/>
+                  </a:lnSpc>
+                  <a:spcBef>
+                    <a:spcPts val="200"/>
+                  </a:spcBef>
+                  <a:spcAft>
+                    <a:spcPts val="400"/>
+                  </a:spcAft>
+                  <a:buClr>
+                    <a:schemeClr val="accent1"/>
+                  </a:buClr>
+                  <a:buFont typeface="Calibri" pitchFamily="34" charset="0"/>
+                  <a:buChar char="◦"/>
+                  <a:defRPr sz="1400" kern="1200">
+                    <a:solidFill>
+                      <a:schemeClr val="tx1">
+                        <a:lumMod val="75000"/>
+                        <a:lumOff val="25000"/>
+                      </a:schemeClr>
+                    </a:solidFill>
+                    <a:latin typeface="+mn-lt"/>
+                    <a:ea typeface="+mn-ea"/>
+                    <a:cs typeface="+mn-cs"/>
+                  </a:defRPr>
+                </a:lvl7pPr>
+                <a:lvl8pPr marL="1500000" indent="-228600" algn="l" defTabSz="914400" rtl="0" eaLnBrk="1" latinLnBrk="0" hangingPunct="1">
+                  <a:lnSpc>
+                    <a:spcPct val="90000"/>
+                  </a:lnSpc>
+                  <a:spcBef>
+                    <a:spcPts val="200"/>
+                  </a:spcBef>
+                  <a:spcAft>
+                    <a:spcPts val="400"/>
+                  </a:spcAft>
+                  <a:buClr>
+                    <a:schemeClr val="accent1"/>
+                  </a:buClr>
+                  <a:buFont typeface="Calibri" pitchFamily="34" charset="0"/>
+                  <a:buChar char="◦"/>
+                  <a:defRPr sz="1400" kern="1200">
+                    <a:solidFill>
+                      <a:schemeClr val="tx1">
+                        <a:lumMod val="75000"/>
+                        <a:lumOff val="25000"/>
+                      </a:schemeClr>
+                    </a:solidFill>
+                    <a:latin typeface="+mn-lt"/>
+                    <a:ea typeface="+mn-ea"/>
+                    <a:cs typeface="+mn-cs"/>
+                  </a:defRPr>
+                </a:lvl8pPr>
+                <a:lvl9pPr marL="1700000" indent="-228600" algn="l" defTabSz="914400" rtl="0" eaLnBrk="1" latinLnBrk="0" hangingPunct="1">
+                  <a:lnSpc>
+                    <a:spcPct val="90000"/>
+                  </a:lnSpc>
+                  <a:spcBef>
+                    <a:spcPts val="200"/>
+                  </a:spcBef>
+                  <a:spcAft>
+                    <a:spcPts val="400"/>
+                  </a:spcAft>
+                  <a:buClr>
+                    <a:schemeClr val="accent1"/>
+                  </a:buClr>
+                  <a:buFont typeface="Calibri" pitchFamily="34" charset="0"/>
+                  <a:buChar char="◦"/>
+                  <a:defRPr sz="1400" kern="1200">
+                    <a:solidFill>
+                      <a:schemeClr val="tx1">
+                        <a:lumMod val="75000"/>
+                        <a:lumOff val="25000"/>
+                      </a:schemeClr>
+                    </a:solidFill>
+                    <a:latin typeface="+mn-lt"/>
+                    <a:ea typeface="+mn-ea"/>
+                    <a:cs typeface="+mn-cs"/>
+                  </a:defRPr>
+                </a:lvl9pPr>
+              </a:lstStyle>
+              <a:p>
+                <a:r>
+                  <a:rPr lang="en-CA" b="1" dirty="0" smtClean="0"/>
+                  <a:t>Block 3 Performance</a:t>
+                </a:r>
+                <a:endParaRPr lang="en-CA" b="1" dirty="0" smtClean="0"/>
+              </a:p>
+            </p:txBody>
+          </p:sp>
+          <p:cxnSp>
+            <p:nvCxnSpPr>
+              <p:cNvPr id="22" name="Straight Arrow Connector 21"/>
+              <p:cNvCxnSpPr/>
+              <p:nvPr/>
+            </p:nvCxnSpPr>
+            <p:spPr>
+              <a:xfrm>
+                <a:off x="5574121" y="2999318"/>
+                <a:ext cx="0" cy="963651"/>
+              </a:xfrm>
+              <a:prstGeom prst="straightConnector1">
+                <a:avLst/>
+              </a:prstGeom>
+              <a:ln w="57150">
+                <a:tailEnd type="triangle"/>
+              </a:ln>
+            </p:spPr>
+            <p:style>
+              <a:lnRef idx="1">
+                <a:schemeClr val="accent1"/>
+              </a:lnRef>
+              <a:fillRef idx="0">
+                <a:schemeClr val="accent1"/>
+              </a:fillRef>
+              <a:effectRef idx="0">
+                <a:schemeClr val="accent1"/>
+              </a:effectRef>
+              <a:fontRef idx="minor">
+                <a:schemeClr val="tx1"/>
+              </a:fontRef>
+            </p:style>
+          </p:cxnSp>
+          <p:sp>
+            <p:nvSpPr>
+              <p:cNvPr id="23" name="Content Placeholder 2"/>
+              <p:cNvSpPr txBox="1">
+                <a:spLocks/>
+              </p:cNvSpPr>
+              <p:nvPr/>
+            </p:nvSpPr>
+            <p:spPr>
+              <a:xfrm>
+                <a:off x="4403431" y="4116175"/>
+                <a:ext cx="2341379" cy="356553"/>
+              </a:xfrm>
+              <a:prstGeom prst="rect">
+                <a:avLst/>
+              </a:prstGeom>
+            </p:spPr>
+            <p:txBody>
+              <a:bodyPr vert="horz" lIns="0" tIns="45720" rIns="0" bIns="45720" rtlCol="0">
+                <a:normAutofit lnSpcReduction="10000"/>
+              </a:bodyPr>
+              <a:lstStyle>
+                <a:lvl1pPr marL="91440" indent="-91440" algn="l" defTabSz="914400" rtl="0" eaLnBrk="1" latinLnBrk="0" hangingPunct="1">
+                  <a:lnSpc>
+                    <a:spcPct val="90000"/>
+                  </a:lnSpc>
+                  <a:spcBef>
+                    <a:spcPts val="1200"/>
+                  </a:spcBef>
+                  <a:spcAft>
+                    <a:spcPts val="200"/>
+                  </a:spcAft>
+                  <a:buClr>
+                    <a:schemeClr val="accent1"/>
+                  </a:buClr>
+                  <a:buSzPct val="100000"/>
+                  <a:buFont typeface="Calibri" panose="020F0502020204030204" pitchFamily="34" charset="0"/>
+                  <a:buChar char=" "/>
+                  <a:defRPr sz="2000" kern="1200">
+                    <a:solidFill>
+                      <a:schemeClr val="tx1">
+                        <a:lumMod val="75000"/>
+                        <a:lumOff val="25000"/>
+                      </a:schemeClr>
+                    </a:solidFill>
+                    <a:latin typeface="+mn-lt"/>
+                    <a:ea typeface="+mn-ea"/>
+                    <a:cs typeface="+mn-cs"/>
+                  </a:defRPr>
+                </a:lvl1pPr>
+                <a:lvl2pPr marL="384048" indent="-182880" algn="l" defTabSz="914400" rtl="0" eaLnBrk="1" latinLnBrk="0" hangingPunct="1">
+                  <a:lnSpc>
+                    <a:spcPct val="90000"/>
+                  </a:lnSpc>
+                  <a:spcBef>
+                    <a:spcPts val="200"/>
+                  </a:spcBef>
+                  <a:spcAft>
+                    <a:spcPts val="400"/>
+                  </a:spcAft>
+                  <a:buClr>
+                    <a:schemeClr val="accent1"/>
+                  </a:buClr>
+                  <a:buFont typeface="Calibri" pitchFamily="34" charset="0"/>
+                  <a:buChar char="◦"/>
+                  <a:defRPr sz="1800" kern="1200">
+                    <a:solidFill>
+                      <a:schemeClr val="tx1">
+                        <a:lumMod val="75000"/>
+                        <a:lumOff val="25000"/>
+                      </a:schemeClr>
+                    </a:solidFill>
+                    <a:latin typeface="+mn-lt"/>
+                    <a:ea typeface="+mn-ea"/>
+                    <a:cs typeface="+mn-cs"/>
+                  </a:defRPr>
+                </a:lvl2pPr>
+                <a:lvl3pPr marL="566928" indent="-182880" algn="l" defTabSz="914400" rtl="0" eaLnBrk="1" latinLnBrk="0" hangingPunct="1">
+                  <a:lnSpc>
+                    <a:spcPct val="90000"/>
+                  </a:lnSpc>
+                  <a:spcBef>
+                    <a:spcPts val="200"/>
+                  </a:spcBef>
+                  <a:spcAft>
+                    <a:spcPts val="400"/>
+                  </a:spcAft>
+                  <a:buClr>
+                    <a:schemeClr val="accent1"/>
+                  </a:buClr>
+                  <a:buFont typeface="Calibri" pitchFamily="34" charset="0"/>
+                  <a:buChar char="◦"/>
+                  <a:defRPr sz="1400" kern="1200">
+                    <a:solidFill>
+                      <a:schemeClr val="tx1">
+                        <a:lumMod val="75000"/>
+                        <a:lumOff val="25000"/>
+                      </a:schemeClr>
+                    </a:solidFill>
+                    <a:latin typeface="+mn-lt"/>
+                    <a:ea typeface="+mn-ea"/>
+                    <a:cs typeface="+mn-cs"/>
+                  </a:defRPr>
+                </a:lvl3pPr>
+                <a:lvl4pPr marL="749808" indent="-182880" algn="l" defTabSz="914400" rtl="0" eaLnBrk="1" latinLnBrk="0" hangingPunct="1">
+                  <a:lnSpc>
+                    <a:spcPct val="90000"/>
+                  </a:lnSpc>
+                  <a:spcBef>
+                    <a:spcPts val="200"/>
+                  </a:spcBef>
+                  <a:spcAft>
+                    <a:spcPts val="400"/>
+                  </a:spcAft>
+                  <a:buClr>
+                    <a:schemeClr val="accent1"/>
+                  </a:buClr>
+                  <a:buFont typeface="Calibri" pitchFamily="34" charset="0"/>
+                  <a:buChar char="◦"/>
+                  <a:defRPr sz="1400" kern="1200">
+                    <a:solidFill>
+                      <a:schemeClr val="tx1">
+                        <a:lumMod val="75000"/>
+                        <a:lumOff val="25000"/>
+                      </a:schemeClr>
+                    </a:solidFill>
+                    <a:latin typeface="+mn-lt"/>
+                    <a:ea typeface="+mn-ea"/>
+                    <a:cs typeface="+mn-cs"/>
+                  </a:defRPr>
+                </a:lvl4pPr>
+                <a:lvl5pPr marL="932688" indent="-182880" algn="l" defTabSz="914400" rtl="0" eaLnBrk="1" latinLnBrk="0" hangingPunct="1">
+                  <a:lnSpc>
+                    <a:spcPct val="90000"/>
+                  </a:lnSpc>
+                  <a:spcBef>
+                    <a:spcPts val="200"/>
+                  </a:spcBef>
+                  <a:spcAft>
+                    <a:spcPts val="400"/>
+                  </a:spcAft>
+                  <a:buClr>
+                    <a:schemeClr val="accent1"/>
+                  </a:buClr>
+                  <a:buFont typeface="Calibri" pitchFamily="34" charset="0"/>
+                  <a:buChar char="◦"/>
+                  <a:defRPr sz="1400" kern="1200">
+                    <a:solidFill>
+                      <a:schemeClr val="tx1">
+                        <a:lumMod val="75000"/>
+                        <a:lumOff val="25000"/>
+                      </a:schemeClr>
+                    </a:solidFill>
+                    <a:latin typeface="+mn-lt"/>
+                    <a:ea typeface="+mn-ea"/>
+                    <a:cs typeface="+mn-cs"/>
+                  </a:defRPr>
+                </a:lvl5pPr>
+                <a:lvl6pPr marL="1100000" indent="-228600" algn="l" defTabSz="914400" rtl="0" eaLnBrk="1" latinLnBrk="0" hangingPunct="1">
+                  <a:lnSpc>
+                    <a:spcPct val="90000"/>
+                  </a:lnSpc>
+                  <a:spcBef>
+                    <a:spcPts val="200"/>
+                  </a:spcBef>
+                  <a:spcAft>
+                    <a:spcPts val="400"/>
+                  </a:spcAft>
+                  <a:buClr>
+                    <a:schemeClr val="accent1"/>
+                  </a:buClr>
+                  <a:buFont typeface="Calibri" pitchFamily="34" charset="0"/>
+                  <a:buChar char="◦"/>
+                  <a:defRPr sz="1400" kern="1200">
+                    <a:solidFill>
+                      <a:schemeClr val="tx1">
+                        <a:lumMod val="75000"/>
+                        <a:lumOff val="25000"/>
+                      </a:schemeClr>
+                    </a:solidFill>
+                    <a:latin typeface="+mn-lt"/>
+                    <a:ea typeface="+mn-ea"/>
+                    <a:cs typeface="+mn-cs"/>
+                  </a:defRPr>
+                </a:lvl6pPr>
+                <a:lvl7pPr marL="1300000" indent="-228600" algn="l" defTabSz="914400" rtl="0" eaLnBrk="1" latinLnBrk="0" hangingPunct="1">
+                  <a:lnSpc>
+                    <a:spcPct val="90000"/>
+                  </a:lnSpc>
+                  <a:spcBef>
+                    <a:spcPts val="200"/>
+                  </a:spcBef>
+                  <a:spcAft>
+                    <a:spcPts val="400"/>
+                  </a:spcAft>
+                  <a:buClr>
+                    <a:schemeClr val="accent1"/>
+                  </a:buClr>
+                  <a:buFont typeface="Calibri" pitchFamily="34" charset="0"/>
+                  <a:buChar char="◦"/>
+                  <a:defRPr sz="1400" kern="1200">
+                    <a:solidFill>
+                      <a:schemeClr val="tx1">
+                        <a:lumMod val="75000"/>
+                        <a:lumOff val="25000"/>
+                      </a:schemeClr>
+                    </a:solidFill>
+                    <a:latin typeface="+mn-lt"/>
+                    <a:ea typeface="+mn-ea"/>
+                    <a:cs typeface="+mn-cs"/>
+                  </a:defRPr>
+                </a:lvl7pPr>
+                <a:lvl8pPr marL="1500000" indent="-228600" algn="l" defTabSz="914400" rtl="0" eaLnBrk="1" latinLnBrk="0" hangingPunct="1">
+                  <a:lnSpc>
+                    <a:spcPct val="90000"/>
+                  </a:lnSpc>
+                  <a:spcBef>
+                    <a:spcPts val="200"/>
+                  </a:spcBef>
+                  <a:spcAft>
+                    <a:spcPts val="400"/>
+                  </a:spcAft>
+                  <a:buClr>
+                    <a:schemeClr val="accent1"/>
+                  </a:buClr>
+                  <a:buFont typeface="Calibri" pitchFamily="34" charset="0"/>
+                  <a:buChar char="◦"/>
+                  <a:defRPr sz="1400" kern="1200">
+                    <a:solidFill>
+                      <a:schemeClr val="tx1">
+                        <a:lumMod val="75000"/>
+                        <a:lumOff val="25000"/>
+                      </a:schemeClr>
+                    </a:solidFill>
+                    <a:latin typeface="+mn-lt"/>
+                    <a:ea typeface="+mn-ea"/>
+                    <a:cs typeface="+mn-cs"/>
+                  </a:defRPr>
+                </a:lvl8pPr>
+                <a:lvl9pPr marL="1700000" indent="-228600" algn="l" defTabSz="914400" rtl="0" eaLnBrk="1" latinLnBrk="0" hangingPunct="1">
+                  <a:lnSpc>
+                    <a:spcPct val="90000"/>
+                  </a:lnSpc>
+                  <a:spcBef>
+                    <a:spcPts val="200"/>
+                  </a:spcBef>
+                  <a:spcAft>
+                    <a:spcPts val="400"/>
+                  </a:spcAft>
+                  <a:buClr>
+                    <a:schemeClr val="accent1"/>
+                  </a:buClr>
+                  <a:buFont typeface="Calibri" pitchFamily="34" charset="0"/>
+                  <a:buChar char="◦"/>
+                  <a:defRPr sz="1400" kern="1200">
+                    <a:solidFill>
+                      <a:schemeClr val="tx1">
+                        <a:lumMod val="75000"/>
+                        <a:lumOff val="25000"/>
+                      </a:schemeClr>
+                    </a:solidFill>
+                    <a:latin typeface="+mn-lt"/>
+                    <a:ea typeface="+mn-ea"/>
+                    <a:cs typeface="+mn-cs"/>
+                  </a:defRPr>
+                </a:lvl9pPr>
+              </a:lstStyle>
+              <a:p>
+                <a:r>
+                  <a:rPr lang="en-CA" b="1" dirty="0" smtClean="0"/>
+                  <a:t>Block 2 Performance</a:t>
+                </a:r>
+                <a:endParaRPr lang="en-CA" b="1" dirty="0" smtClean="0"/>
+              </a:p>
+            </p:txBody>
+          </p:sp>
+        </p:grpSp>
       </p:grpSp>
     </p:spTree>
     <p:extLst>
@@ -10172,6 +11830,343 @@
   <p:clrMapOvr>
     <a:masterClrMapping/>
   </p:clrMapOvr>
+  <p:timing>
+    <p:tnLst>
+      <p:par>
+        <p:cTn id="1" dur="indefinite" restart="never" nodeType="tmRoot"/>
+      </p:par>
+    </p:tnLst>
+  </p:timing>
+</p:sld>
+</file>
+
+<file path=ppt/slides/slide6.xml><?xml version="1.0" encoding="utf-8"?>
+<p:sld xmlns:a="http://schemas.openxmlformats.org/drawingml/2006/main" xmlns:r="http://schemas.openxmlformats.org/officeDocument/2006/relationships" xmlns:p="http://schemas.openxmlformats.org/presentationml/2006/main">
+  <p:cSld>
+    <p:spTree>
+      <p:nvGrpSpPr>
+        <p:cNvPr id="1" name=""/>
+        <p:cNvGrpSpPr/>
+        <p:nvPr/>
+      </p:nvGrpSpPr>
+      <p:grpSpPr>
+        <a:xfrm>
+          <a:off x="0" y="0"/>
+          <a:ext cx="0" cy="0"/>
+          <a:chOff x="0" y="0"/>
+          <a:chExt cx="0" cy="0"/>
+        </a:xfrm>
+      </p:grpSpPr>
+      <p:sp>
+        <p:nvSpPr>
+          <p:cNvPr id="2" name="Title 1"/>
+          <p:cNvSpPr>
+            <a:spLocks noGrp="1"/>
+          </p:cNvSpPr>
+          <p:nvPr>
+            <p:ph type="title"/>
+          </p:nvPr>
+        </p:nvSpPr>
+        <p:spPr/>
+        <p:txBody>
+          <a:bodyPr/>
+          <a:lstStyle/>
+          <a:p>
+            <a:r>
+              <a:rPr lang="en-CA" dirty="0" smtClean="0"/>
+              <a:t>Predict performance on Block 3</a:t>
+            </a:r>
+            <a:endParaRPr lang="en-CA" dirty="0"/>
+          </a:p>
+        </p:txBody>
+      </p:sp>
+      <p:sp>
+        <p:nvSpPr>
+          <p:cNvPr id="3" name="Content Placeholder 2"/>
+          <p:cNvSpPr>
+            <a:spLocks noGrp="1"/>
+          </p:cNvSpPr>
+          <p:nvPr>
+            <p:ph idx="1"/>
+          </p:nvPr>
+        </p:nvSpPr>
+        <p:spPr>
+          <a:xfrm>
+            <a:off x="1097280" y="1845734"/>
+            <a:ext cx="10058400" cy="356553"/>
+          </a:xfrm>
+        </p:spPr>
+        <p:txBody>
+          <a:bodyPr>
+            <a:normAutofit lnSpcReduction="10000"/>
+          </a:bodyPr>
+          <a:lstStyle/>
+          <a:p>
+            <a:r>
+              <a:rPr lang="en-CA" b="1" dirty="0" smtClean="0"/>
+              <a:t>Follow-up analyses: Results</a:t>
+            </a:r>
+          </a:p>
+        </p:txBody>
+      </p:sp>
+      <p:graphicFrame>
+        <p:nvGraphicFramePr>
+          <p:cNvPr id="4" name="Table 3"/>
+          <p:cNvGraphicFramePr>
+            <a:graphicFrameLocks noGrp="1"/>
+          </p:cNvGraphicFramePr>
+          <p:nvPr>
+            <p:extLst>
+              <p:ext uri="{D42A27DB-BD31-4B8C-83A1-F6EECF244321}">
+                <p14:modId xmlns:p14="http://schemas.microsoft.com/office/powerpoint/2010/main" val="1718024461"/>
+              </p:ext>
+            </p:extLst>
+          </p:nvPr>
+        </p:nvGraphicFramePr>
+        <p:xfrm>
+          <a:off x="870114" y="3335260"/>
+          <a:ext cx="5279259" cy="1112520"/>
+        </p:xfrm>
+        <a:graphic>
+          <a:graphicData uri="http://schemas.openxmlformats.org/drawingml/2006/table">
+            <a:tbl>
+              <a:tblPr firstRow="1" bandRow="1">
+                <a:tableStyleId>{5C22544A-7EE6-4342-B048-85BDC9FD1C3A}</a:tableStyleId>
+              </a:tblPr>
+              <a:tblGrid>
+                <a:gridCol w="2752980"/>
+                <a:gridCol w="1190446"/>
+                <a:gridCol w="1335833"/>
+              </a:tblGrid>
+              <a:tr h="370840">
+                <a:tc>
+                  <a:txBody>
+                    <a:bodyPr/>
+                    <a:lstStyle/>
+                    <a:p>
+                      <a:r>
+                        <a:rPr lang="en-CA" dirty="0" smtClean="0"/>
+                        <a:t>Variable</a:t>
+                      </a:r>
+                      <a:endParaRPr lang="en-CA" dirty="0"/>
+                    </a:p>
+                  </a:txBody>
+                  <a:tcPr/>
+                </a:tc>
+                <a:tc>
+                  <a:txBody>
+                    <a:bodyPr/>
+                    <a:lstStyle/>
+                    <a:p>
+                      <a:r>
+                        <a:rPr lang="en-CA" i="1" dirty="0" smtClean="0"/>
+                        <a:t>F</a:t>
+                      </a:r>
+                      <a:endParaRPr lang="en-CA" i="1" dirty="0"/>
+                    </a:p>
+                  </a:txBody>
+                  <a:tcPr/>
+                </a:tc>
+                <a:tc>
+                  <a:txBody>
+                    <a:bodyPr/>
+                    <a:lstStyle/>
+                    <a:p>
+                      <a:r>
+                        <a:rPr lang="en-CA" i="1" dirty="0" smtClean="0"/>
+                        <a:t>p</a:t>
+                      </a:r>
+                      <a:endParaRPr lang="en-CA" i="1" dirty="0"/>
+                    </a:p>
+                  </a:txBody>
+                  <a:tcPr/>
+                </a:tc>
+              </a:tr>
+              <a:tr h="370840">
+                <a:tc>
+                  <a:txBody>
+                    <a:bodyPr/>
+                    <a:lstStyle/>
+                    <a:p>
+                      <a:r>
+                        <a:rPr lang="en-CA" b="0" dirty="0" smtClean="0">
+                          <a:solidFill>
+                            <a:srgbClr val="FF0000"/>
+                          </a:solidFill>
+                        </a:rPr>
+                        <a:t>Block2Performance_Rural</a:t>
+                      </a:r>
+                      <a:endParaRPr lang="en-CA" b="0" dirty="0">
+                        <a:solidFill>
+                          <a:srgbClr val="FF0000"/>
+                        </a:solidFill>
+                      </a:endParaRPr>
+                    </a:p>
+                  </a:txBody>
+                  <a:tcPr/>
+                </a:tc>
+                <a:tc>
+                  <a:txBody>
+                    <a:bodyPr/>
+                    <a:lstStyle/>
+                    <a:p>
+                      <a:r>
+                        <a:rPr lang="en-CA" dirty="0" smtClean="0"/>
+                        <a:t>5.92e+33</a:t>
+                      </a:r>
+                      <a:endParaRPr lang="en-CA" dirty="0"/>
+                    </a:p>
+                  </a:txBody>
+                  <a:tcPr/>
+                </a:tc>
+                <a:tc>
+                  <a:txBody>
+                    <a:bodyPr/>
+                    <a:lstStyle/>
+                    <a:p>
+                      <a:r>
+                        <a:rPr lang="en-CA" dirty="0" smtClean="0"/>
+                        <a:t>&lt;.0001</a:t>
+                      </a:r>
+                      <a:endParaRPr lang="en-CA" dirty="0"/>
+                    </a:p>
+                  </a:txBody>
+                  <a:tcPr/>
+                </a:tc>
+              </a:tr>
+              <a:tr h="370840">
+                <a:tc>
+                  <a:txBody>
+                    <a:bodyPr/>
+                    <a:lstStyle/>
+                    <a:p>
+                      <a:r>
+                        <a:rPr lang="en-CA" dirty="0" smtClean="0">
+                          <a:solidFill>
+                            <a:srgbClr val="FF0000"/>
+                          </a:solidFill>
+                        </a:rPr>
+                        <a:t>Block2Performance_Urban</a:t>
+                      </a:r>
+                      <a:endParaRPr lang="en-CA" dirty="0">
+                        <a:solidFill>
+                          <a:srgbClr val="FF0000"/>
+                        </a:solidFill>
+                      </a:endParaRPr>
+                    </a:p>
+                  </a:txBody>
+                  <a:tcPr/>
+                </a:tc>
+                <a:tc>
+                  <a:txBody>
+                    <a:bodyPr/>
+                    <a:lstStyle/>
+                    <a:p>
+                      <a:r>
+                        <a:rPr lang="en-CA" dirty="0" smtClean="0"/>
+                        <a:t>2.04e+33</a:t>
+                      </a:r>
+                      <a:endParaRPr lang="en-CA" dirty="0"/>
+                    </a:p>
+                  </a:txBody>
+                  <a:tcPr/>
+                </a:tc>
+                <a:tc>
+                  <a:txBody>
+                    <a:bodyPr/>
+                    <a:lstStyle/>
+                    <a:p>
+                      <a:r>
+                        <a:rPr lang="en-CA" dirty="0" smtClean="0"/>
+                        <a:t>&lt;.0001</a:t>
+                      </a:r>
+                      <a:endParaRPr lang="en-CA" dirty="0"/>
+                    </a:p>
+                  </a:txBody>
+                  <a:tcPr/>
+                </a:tc>
+              </a:tr>
+            </a:tbl>
+          </a:graphicData>
+        </a:graphic>
+      </p:graphicFrame>
+      <p:pic>
+        <p:nvPicPr>
+          <p:cNvPr id="6" name="Picture 5"/>
+          <p:cNvPicPr>
+            <a:picLocks noChangeAspect="1"/>
+          </p:cNvPicPr>
+          <p:nvPr/>
+        </p:nvPicPr>
+        <p:blipFill>
+          <a:blip r:embed="rId2">
+            <a:extLst>
+              <a:ext uri="{28A0092B-C50C-407E-A947-70E740481C1C}">
+                <a14:useLocalDpi xmlns:a14="http://schemas.microsoft.com/office/drawing/2010/main" val="0"/>
+              </a:ext>
+            </a:extLst>
+          </a:blip>
+          <a:stretch>
+            <a:fillRect/>
+          </a:stretch>
+        </p:blipFill>
+        <p:spPr>
+          <a:xfrm>
+            <a:off x="7083833" y="1845734"/>
+            <a:ext cx="4047694" cy="2123264"/>
+          </a:xfrm>
+          <a:prstGeom prst="rect">
+            <a:avLst/>
+          </a:prstGeom>
+        </p:spPr>
+      </p:pic>
+      <p:pic>
+        <p:nvPicPr>
+          <p:cNvPr id="7" name="Picture 6"/>
+          <p:cNvPicPr>
+            <a:picLocks noChangeAspect="1"/>
+          </p:cNvPicPr>
+          <p:nvPr/>
+        </p:nvPicPr>
+        <p:blipFill>
+          <a:blip r:embed="rId3">
+            <a:extLst>
+              <a:ext uri="{28A0092B-C50C-407E-A947-70E740481C1C}">
+                <a14:useLocalDpi xmlns:a14="http://schemas.microsoft.com/office/drawing/2010/main" val="0"/>
+              </a:ext>
+            </a:extLst>
+          </a:blip>
+          <a:stretch>
+            <a:fillRect/>
+          </a:stretch>
+        </p:blipFill>
+        <p:spPr>
+          <a:xfrm>
+            <a:off x="7066580" y="4075352"/>
+            <a:ext cx="4140859" cy="2172135"/>
+          </a:xfrm>
+          <a:prstGeom prst="rect">
+            <a:avLst/>
+          </a:prstGeom>
+        </p:spPr>
+      </p:pic>
+    </p:spTree>
+    <p:extLst>
+      <p:ext uri="{BB962C8B-B14F-4D97-AF65-F5344CB8AC3E}">
+        <p14:creationId xmlns:p14="http://schemas.microsoft.com/office/powerpoint/2010/main" val="2892246859"/>
+      </p:ext>
+    </p:extLst>
+  </p:cSld>
+  <p:clrMapOvr>
+    <a:masterClrMapping/>
+  </p:clrMapOvr>
+  <p:timing>
+    <p:tnLst>
+      <p:par>
+        <p:cTn id="1" dur="indefinite" restart="never" nodeType="tmRoot"/>
+      </p:par>
+    </p:tnLst>
+  </p:timing>
 </p:sld>
 </file>
 
